--- a/Lecture 15_dependent t-test/Lecture 15_dependent sample t-test.pptx
+++ b/Lecture 15_dependent t-test/Lecture 15_dependent sample t-test.pptx
@@ -5,37 +5,37 @@
     <p:sldMasterId id="2147483648" r:id="rId1"/>
   </p:sldMasterIdLst>
   <p:notesMasterIdLst>
-    <p:notesMasterId r:id="rId36"/>
+    <p:notesMasterId r:id="rId37"/>
   </p:notesMasterIdLst>
   <p:handoutMasterIdLst>
-    <p:handoutMasterId r:id="rId37"/>
+    <p:handoutMasterId r:id="rId38"/>
   </p:handoutMasterIdLst>
   <p:sldIdLst>
     <p:sldId id="257" r:id="rId2"/>
     <p:sldId id="258" r:id="rId3"/>
     <p:sldId id="262" r:id="rId4"/>
-    <p:sldId id="260" r:id="rId5"/>
-    <p:sldId id="263" r:id="rId6"/>
-    <p:sldId id="264" r:id="rId7"/>
-    <p:sldId id="266" r:id="rId8"/>
-    <p:sldId id="269" r:id="rId9"/>
-    <p:sldId id="268" r:id="rId10"/>
-    <p:sldId id="270" r:id="rId11"/>
-    <p:sldId id="272" r:id="rId12"/>
-    <p:sldId id="274" r:id="rId13"/>
-    <p:sldId id="275" r:id="rId14"/>
-    <p:sldId id="276" r:id="rId15"/>
-    <p:sldId id="277" r:id="rId16"/>
-    <p:sldId id="278" r:id="rId17"/>
-    <p:sldId id="279" r:id="rId18"/>
-    <p:sldId id="289" r:id="rId19"/>
-    <p:sldId id="290" r:id="rId20"/>
-    <p:sldId id="291" r:id="rId21"/>
-    <p:sldId id="288" r:id="rId22"/>
-    <p:sldId id="292" r:id="rId23"/>
-    <p:sldId id="293" r:id="rId24"/>
-    <p:sldId id="296" r:id="rId25"/>
-    <p:sldId id="297" r:id="rId26"/>
+    <p:sldId id="304" r:id="rId5"/>
+    <p:sldId id="260" r:id="rId6"/>
+    <p:sldId id="263" r:id="rId7"/>
+    <p:sldId id="264" r:id="rId8"/>
+    <p:sldId id="266" r:id="rId9"/>
+    <p:sldId id="269" r:id="rId10"/>
+    <p:sldId id="268" r:id="rId11"/>
+    <p:sldId id="270" r:id="rId12"/>
+    <p:sldId id="272" r:id="rId13"/>
+    <p:sldId id="274" r:id="rId14"/>
+    <p:sldId id="275" r:id="rId15"/>
+    <p:sldId id="276" r:id="rId16"/>
+    <p:sldId id="277" r:id="rId17"/>
+    <p:sldId id="278" r:id="rId18"/>
+    <p:sldId id="279" r:id="rId19"/>
+    <p:sldId id="289" r:id="rId20"/>
+    <p:sldId id="290" r:id="rId21"/>
+    <p:sldId id="291" r:id="rId22"/>
+    <p:sldId id="288" r:id="rId23"/>
+    <p:sldId id="292" r:id="rId24"/>
+    <p:sldId id="293" r:id="rId25"/>
+    <p:sldId id="296" r:id="rId26"/>
     <p:sldId id="295" r:id="rId27"/>
     <p:sldId id="280" r:id="rId28"/>
     <p:sldId id="282" r:id="rId29"/>
@@ -45,6 +45,7 @@
     <p:sldId id="300" r:id="rId33"/>
     <p:sldId id="301" r:id="rId34"/>
     <p:sldId id="302" r:id="rId35"/>
+    <p:sldId id="303" r:id="rId36"/>
   </p:sldIdLst>
   <p:sldSz cx="9144000" cy="6858000" type="screen4x3"/>
   <p:notesSz cx="7315200" cy="9601200"/>
@@ -145,7 +146,7 @@
   </p:defaultTextStyle>
   <p:extLst>
     <p:ext uri="{EFAFB233-063F-42B5-8137-9DF3F51BA10A}">
-      <p15:sldGuideLst xmlns:p15="http://schemas.microsoft.com/office/powerpoint/2012/main" xmlns="">
+      <p15:sldGuideLst xmlns="" xmlns:p15="http://schemas.microsoft.com/office/powerpoint/2012/main">
         <p15:guide id="1" orient="horz" pos="2160">
           <p15:clr>
             <a:srgbClr val="A4A3A4"/>
@@ -244,7 +245,7 @@
           <a:p>
             <a:fld id="{D6A27DCF-9C44-4A75-A4E9-88220C74797F}" type="datetimeFigureOut">
               <a:rPr lang="en-US" smtClean="0"/>
-              <a:t>4/10/18</a:t>
+              <a:t>4/12/18</a:t>
             </a:fld>
             <a:endParaRPr lang="en-US"/>
           </a:p>
@@ -409,7 +410,7 @@
           <a:p>
             <a:fld id="{FEC7DD3E-9152-40F7-8222-8E14FA855B8F}" type="datetimeFigureOut">
               <a:rPr lang="en-US" smtClean="0"/>
-              <a:t>4/10/18</a:t>
+              <a:t>4/12/18</a:t>
             </a:fld>
             <a:endParaRPr lang="en-US"/>
           </a:p>
@@ -805,7 +806,7 @@
       </p:grpSpPr>
       <p:sp>
         <p:nvSpPr>
-          <p:cNvPr id="49154" name="Rectangle 2"/>
+          <p:cNvPr id="48130" name="Rectangle 2"/>
           <p:cNvSpPr>
             <a:spLocks noGrp="1" noRot="1" noChangeAspect="1" noChangeArrowheads="1" noTextEdit="1"/>
           </p:cNvSpPr>
@@ -836,7 +837,7 @@
       </p:sp>
       <p:sp>
         <p:nvSpPr>
-          <p:cNvPr id="49155" name="Rectangle 3"/>
+          <p:cNvPr id="48131" name="Rectangle 3"/>
           <p:cNvSpPr>
             <a:spLocks noGrp="1" noChangeArrowheads="1"/>
           </p:cNvSpPr>
@@ -886,7 +887,7 @@
     </p:spTree>
     <p:extLst>
       <p:ext uri="{BB962C8B-B14F-4D97-AF65-F5344CB8AC3E}">
-        <p14:creationId xmlns:p14="http://schemas.microsoft.com/office/powerpoint/2010/main" val="3705148083"/>
+        <p14:creationId xmlns:p14="http://schemas.microsoft.com/office/powerpoint/2010/main" val="4077804565"/>
       </p:ext>
     </p:extLst>
   </p:cSld>
@@ -915,7 +916,7 @@
       </p:grpSpPr>
       <p:sp>
         <p:nvSpPr>
-          <p:cNvPr id="50178" name="Rectangle 2"/>
+          <p:cNvPr id="49154" name="Rectangle 2"/>
           <p:cNvSpPr>
             <a:spLocks noGrp="1" noRot="1" noChangeAspect="1" noChangeArrowheads="1" noTextEdit="1"/>
           </p:cNvSpPr>
@@ -946,7 +947,7 @@
       </p:sp>
       <p:sp>
         <p:nvSpPr>
-          <p:cNvPr id="50179" name="Rectangle 3"/>
+          <p:cNvPr id="49155" name="Rectangle 3"/>
           <p:cNvSpPr>
             <a:spLocks noGrp="1" noChangeArrowheads="1"/>
           </p:cNvSpPr>
@@ -996,7 +997,7 @@
     </p:spTree>
     <p:extLst>
       <p:ext uri="{BB962C8B-B14F-4D97-AF65-F5344CB8AC3E}">
-        <p14:creationId xmlns:p14="http://schemas.microsoft.com/office/powerpoint/2010/main" val="2510315302"/>
+        <p14:creationId xmlns:p14="http://schemas.microsoft.com/office/powerpoint/2010/main" val="3705148083"/>
       </p:ext>
     </p:extLst>
   </p:cSld>
@@ -1025,7 +1026,7 @@
       </p:grpSpPr>
       <p:sp>
         <p:nvSpPr>
-          <p:cNvPr id="51202" name="Rectangle 2"/>
+          <p:cNvPr id="50178" name="Rectangle 2"/>
           <p:cNvSpPr>
             <a:spLocks noGrp="1" noRot="1" noChangeAspect="1" noChangeArrowheads="1" noTextEdit="1"/>
           </p:cNvSpPr>
@@ -1056,7 +1057,7 @@
       </p:sp>
       <p:sp>
         <p:nvSpPr>
-          <p:cNvPr id="51203" name="Rectangle 3"/>
+          <p:cNvPr id="50179" name="Rectangle 3"/>
           <p:cNvSpPr>
             <a:spLocks noGrp="1" noChangeArrowheads="1"/>
           </p:cNvSpPr>
@@ -1106,7 +1107,7 @@
     </p:spTree>
     <p:extLst>
       <p:ext uri="{BB962C8B-B14F-4D97-AF65-F5344CB8AC3E}">
-        <p14:creationId xmlns:p14="http://schemas.microsoft.com/office/powerpoint/2010/main" val="2956591103"/>
+        <p14:creationId xmlns:p14="http://schemas.microsoft.com/office/powerpoint/2010/main" val="2510315302"/>
       </p:ext>
     </p:extLst>
   </p:cSld>
@@ -1135,7 +1136,7 @@
       </p:grpSpPr>
       <p:sp>
         <p:nvSpPr>
-          <p:cNvPr id="52226" name="Rectangle 2"/>
+          <p:cNvPr id="51202" name="Rectangle 2"/>
           <p:cNvSpPr>
             <a:spLocks noGrp="1" noRot="1" noChangeAspect="1" noChangeArrowheads="1" noTextEdit="1"/>
           </p:cNvSpPr>
@@ -1166,7 +1167,7 @@
       </p:sp>
       <p:sp>
         <p:nvSpPr>
-          <p:cNvPr id="52227" name="Rectangle 3"/>
+          <p:cNvPr id="51203" name="Rectangle 3"/>
           <p:cNvSpPr>
             <a:spLocks noGrp="1" noChangeArrowheads="1"/>
           </p:cNvSpPr>
@@ -1216,7 +1217,7 @@
     </p:spTree>
     <p:extLst>
       <p:ext uri="{BB962C8B-B14F-4D97-AF65-F5344CB8AC3E}">
-        <p14:creationId xmlns:p14="http://schemas.microsoft.com/office/powerpoint/2010/main" val="241382407"/>
+        <p14:creationId xmlns:p14="http://schemas.microsoft.com/office/powerpoint/2010/main" val="2956591103"/>
       </p:ext>
     </p:extLst>
   </p:cSld>
@@ -1245,7 +1246,7 @@
       </p:grpSpPr>
       <p:sp>
         <p:nvSpPr>
-          <p:cNvPr id="57346" name="Rectangle 2"/>
+          <p:cNvPr id="52226" name="Rectangle 2"/>
           <p:cNvSpPr>
             <a:spLocks noGrp="1" noRot="1" noChangeAspect="1" noChangeArrowheads="1" noTextEdit="1"/>
           </p:cNvSpPr>
@@ -1276,7 +1277,7 @@
       </p:sp>
       <p:sp>
         <p:nvSpPr>
-          <p:cNvPr id="57347" name="Rectangle 3"/>
+          <p:cNvPr id="52227" name="Rectangle 3"/>
           <p:cNvSpPr>
             <a:spLocks noGrp="1" noChangeArrowheads="1"/>
           </p:cNvSpPr>
@@ -1326,7 +1327,7 @@
     </p:spTree>
     <p:extLst>
       <p:ext uri="{BB962C8B-B14F-4D97-AF65-F5344CB8AC3E}">
-        <p14:creationId xmlns:p14="http://schemas.microsoft.com/office/powerpoint/2010/main" val="2486102604"/>
+        <p14:creationId xmlns:p14="http://schemas.microsoft.com/office/powerpoint/2010/main" val="241382407"/>
       </p:ext>
     </p:extLst>
   </p:cSld>
@@ -1355,7 +1356,7 @@
       </p:grpSpPr>
       <p:sp>
         <p:nvSpPr>
-          <p:cNvPr id="59394" name="Rectangle 2"/>
+          <p:cNvPr id="57346" name="Rectangle 2"/>
           <p:cNvSpPr>
             <a:spLocks noGrp="1" noRot="1" noChangeAspect="1" noChangeArrowheads="1" noTextEdit="1"/>
           </p:cNvSpPr>
@@ -1386,7 +1387,7 @@
       </p:sp>
       <p:sp>
         <p:nvSpPr>
-          <p:cNvPr id="59395" name="Rectangle 3"/>
+          <p:cNvPr id="57347" name="Rectangle 3"/>
           <p:cNvSpPr>
             <a:spLocks noGrp="1" noChangeArrowheads="1"/>
           </p:cNvSpPr>
@@ -1436,7 +1437,7 @@
     </p:spTree>
     <p:extLst>
       <p:ext uri="{BB962C8B-B14F-4D97-AF65-F5344CB8AC3E}">
-        <p14:creationId xmlns:p14="http://schemas.microsoft.com/office/powerpoint/2010/main" val="3180155412"/>
+        <p14:creationId xmlns:p14="http://schemas.microsoft.com/office/powerpoint/2010/main" val="2486102604"/>
       </p:ext>
     </p:extLst>
   </p:cSld>
@@ -1465,7 +1466,7 @@
       </p:grpSpPr>
       <p:sp>
         <p:nvSpPr>
-          <p:cNvPr id="57346" name="Rectangle 2"/>
+          <p:cNvPr id="59394" name="Rectangle 2"/>
           <p:cNvSpPr>
             <a:spLocks noGrp="1" noRot="1" noChangeAspect="1" noChangeArrowheads="1" noTextEdit="1"/>
           </p:cNvSpPr>
@@ -1496,7 +1497,7 @@
       </p:sp>
       <p:sp>
         <p:nvSpPr>
-          <p:cNvPr id="57347" name="Rectangle 3"/>
+          <p:cNvPr id="59395" name="Rectangle 3"/>
           <p:cNvSpPr>
             <a:spLocks noGrp="1" noChangeArrowheads="1"/>
           </p:cNvSpPr>
@@ -1546,7 +1547,7 @@
     </p:spTree>
     <p:extLst>
       <p:ext uri="{BB962C8B-B14F-4D97-AF65-F5344CB8AC3E}">
-        <p14:creationId xmlns:p14="http://schemas.microsoft.com/office/powerpoint/2010/main" val="1703139697"/>
+        <p14:creationId xmlns:p14="http://schemas.microsoft.com/office/powerpoint/2010/main" val="3180155412"/>
       </p:ext>
     </p:extLst>
   </p:cSld>
@@ -1575,7 +1576,7 @@
       </p:grpSpPr>
       <p:sp>
         <p:nvSpPr>
-          <p:cNvPr id="58370" name="Rectangle 2"/>
+          <p:cNvPr id="57346" name="Rectangle 2"/>
           <p:cNvSpPr>
             <a:spLocks noGrp="1" noRot="1" noChangeAspect="1" noChangeArrowheads="1" noTextEdit="1"/>
           </p:cNvSpPr>
@@ -1606,7 +1607,7 @@
       </p:sp>
       <p:sp>
         <p:nvSpPr>
-          <p:cNvPr id="58371" name="Rectangle 3"/>
+          <p:cNvPr id="57347" name="Rectangle 3"/>
           <p:cNvSpPr>
             <a:spLocks noGrp="1" noChangeArrowheads="1"/>
           </p:cNvSpPr>
@@ -1656,7 +1657,7 @@
     </p:spTree>
     <p:extLst>
       <p:ext uri="{BB962C8B-B14F-4D97-AF65-F5344CB8AC3E}">
-        <p14:creationId xmlns:p14="http://schemas.microsoft.com/office/powerpoint/2010/main" val="3185227275"/>
+        <p14:creationId xmlns:p14="http://schemas.microsoft.com/office/powerpoint/2010/main" val="1703139697"/>
       </p:ext>
     </p:extLst>
   </p:cSld>
@@ -1685,7 +1686,7 @@
       </p:grpSpPr>
       <p:sp>
         <p:nvSpPr>
-          <p:cNvPr id="53250" name="Rectangle 2"/>
+          <p:cNvPr id="58370" name="Rectangle 2"/>
           <p:cNvSpPr>
             <a:spLocks noGrp="1" noRot="1" noChangeAspect="1" noChangeArrowheads="1" noTextEdit="1"/>
           </p:cNvSpPr>
@@ -1716,7 +1717,7 @@
       </p:sp>
       <p:sp>
         <p:nvSpPr>
-          <p:cNvPr id="53251" name="Rectangle 3"/>
+          <p:cNvPr id="58371" name="Rectangle 3"/>
           <p:cNvSpPr>
             <a:spLocks noGrp="1" noChangeArrowheads="1"/>
           </p:cNvSpPr>
@@ -1766,7 +1767,7 @@
     </p:spTree>
     <p:extLst>
       <p:ext uri="{BB962C8B-B14F-4D97-AF65-F5344CB8AC3E}">
-        <p14:creationId xmlns:p14="http://schemas.microsoft.com/office/powerpoint/2010/main" val="4203799365"/>
+        <p14:creationId xmlns:p14="http://schemas.microsoft.com/office/powerpoint/2010/main" val="3185227275"/>
       </p:ext>
     </p:extLst>
   </p:cSld>
@@ -1795,7 +1796,7 @@
       </p:grpSpPr>
       <p:sp>
         <p:nvSpPr>
-          <p:cNvPr id="55298" name="Rectangle 2"/>
+          <p:cNvPr id="53250" name="Rectangle 2"/>
           <p:cNvSpPr>
             <a:spLocks noGrp="1" noRot="1" noChangeAspect="1" noChangeArrowheads="1" noTextEdit="1"/>
           </p:cNvSpPr>
@@ -1826,7 +1827,7 @@
       </p:sp>
       <p:sp>
         <p:nvSpPr>
-          <p:cNvPr id="55299" name="Rectangle 3"/>
+          <p:cNvPr id="53251" name="Rectangle 3"/>
           <p:cNvSpPr>
             <a:spLocks noGrp="1" noChangeArrowheads="1"/>
           </p:cNvSpPr>
@@ -1876,7 +1877,7 @@
     </p:spTree>
     <p:extLst>
       <p:ext uri="{BB962C8B-B14F-4D97-AF65-F5344CB8AC3E}">
-        <p14:creationId xmlns:p14="http://schemas.microsoft.com/office/powerpoint/2010/main" val="1051524501"/>
+        <p14:creationId xmlns:p14="http://schemas.microsoft.com/office/powerpoint/2010/main" val="4203799365"/>
       </p:ext>
     </p:extLst>
   </p:cSld>
@@ -1905,7 +1906,107 @@
       </p:grpSpPr>
       <p:sp>
         <p:nvSpPr>
-          <p:cNvPr id="34818" name="Rectangle 2"/>
+          <p:cNvPr id="2" name="Slide Image Placeholder 1"/>
+          <p:cNvSpPr>
+            <a:spLocks noGrp="1" noRot="1" noChangeAspect="1"/>
+          </p:cNvSpPr>
+          <p:nvPr>
+            <p:ph type="sldImg"/>
+          </p:nvPr>
+        </p:nvSpPr>
+        <p:spPr/>
+      </p:sp>
+      <p:sp>
+        <p:nvSpPr>
+          <p:cNvPr id="3" name="Notes Placeholder 2"/>
+          <p:cNvSpPr>
+            <a:spLocks noGrp="1"/>
+          </p:cNvSpPr>
+          <p:nvPr>
+            <p:ph type="body" idx="1"/>
+          </p:nvPr>
+        </p:nvSpPr>
+        <p:spPr/>
+        <p:txBody>
+          <a:bodyPr/>
+          <a:lstStyle/>
+          <a:p>
+            <a:r>
+              <a:rPr lang="en-US" dirty="0" smtClean="0"/>
+              <a:t>https://</a:t>
+            </a:r>
+            <a:r>
+              <a:rPr lang="en-US" dirty="0" err="1" smtClean="0"/>
+              <a:t>statistics.laerd.com</a:t>
+            </a:r>
+            <a:r>
+              <a:rPr lang="en-US" dirty="0" smtClean="0"/>
+              <a:t>/statistical-guides/dependent-t-test-statistical-</a:t>
+            </a:r>
+            <a:r>
+              <a:rPr lang="en-US" dirty="0" err="1" smtClean="0"/>
+              <a:t>guide.php</a:t>
+            </a:r>
+            <a:endParaRPr lang="en-US" dirty="0"/>
+          </a:p>
+        </p:txBody>
+      </p:sp>
+      <p:sp>
+        <p:nvSpPr>
+          <p:cNvPr id="4" name="Slide Number Placeholder 3"/>
+          <p:cNvSpPr>
+            <a:spLocks noGrp="1"/>
+          </p:cNvSpPr>
+          <p:nvPr>
+            <p:ph type="sldNum" sz="quarter" idx="10"/>
+          </p:nvPr>
+        </p:nvSpPr>
+        <p:spPr/>
+        <p:txBody>
+          <a:bodyPr/>
+          <a:lstStyle/>
+          <a:p>
+            <a:fld id="{2D175169-D753-49F3-A74C-AACC6E31DCAF}" type="slidenum">
+              <a:rPr lang="en-US" smtClean="0"/>
+              <a:t>4</a:t>
+            </a:fld>
+            <a:endParaRPr lang="en-US"/>
+          </a:p>
+        </p:txBody>
+      </p:sp>
+    </p:spTree>
+    <p:extLst>
+      <p:ext uri="{BB962C8B-B14F-4D97-AF65-F5344CB8AC3E}">
+        <p14:creationId xmlns:p14="http://schemas.microsoft.com/office/powerpoint/2010/main" val="4191937048"/>
+      </p:ext>
+    </p:extLst>
+  </p:cSld>
+  <p:clrMapOvr>
+    <a:masterClrMapping/>
+  </p:clrMapOvr>
+</p:notes>
+</file>
+
+<file path=ppt/notesSlides/notesSlide20.xml><?xml version="1.0" encoding="utf-8"?>
+<p:notes xmlns:a="http://schemas.openxmlformats.org/drawingml/2006/main" xmlns:r="http://schemas.openxmlformats.org/officeDocument/2006/relationships" xmlns:p="http://schemas.openxmlformats.org/presentationml/2006/main">
+  <p:cSld>
+    <p:spTree>
+      <p:nvGrpSpPr>
+        <p:cNvPr id="1" name=""/>
+        <p:cNvGrpSpPr/>
+        <p:nvPr/>
+      </p:nvGrpSpPr>
+      <p:grpSpPr>
+        <a:xfrm>
+          <a:off x="0" y="0"/>
+          <a:ext cx="0" cy="0"/>
+          <a:chOff x="0" y="0"/>
+          <a:chExt cx="0" cy="0"/>
+        </a:xfrm>
+      </p:grpSpPr>
+      <p:sp>
+        <p:nvSpPr>
+          <p:cNvPr id="55298" name="Rectangle 2"/>
           <p:cNvSpPr>
             <a:spLocks noGrp="1" noRot="1" noChangeAspect="1" noChangeArrowheads="1" noTextEdit="1"/>
           </p:cNvSpPr>
@@ -1936,7 +2037,7 @@
       </p:sp>
       <p:sp>
         <p:nvSpPr>
-          <p:cNvPr id="34819" name="Rectangle 3"/>
+          <p:cNvPr id="55299" name="Rectangle 3"/>
           <p:cNvSpPr>
             <a:spLocks noGrp="1" noChangeArrowheads="1"/>
           </p:cNvSpPr>
@@ -1986,7 +2087,7 @@
     </p:spTree>
     <p:extLst>
       <p:ext uri="{BB962C8B-B14F-4D97-AF65-F5344CB8AC3E}">
-        <p14:creationId xmlns:p14="http://schemas.microsoft.com/office/powerpoint/2010/main" val="3662017179"/>
+        <p14:creationId xmlns:p14="http://schemas.microsoft.com/office/powerpoint/2010/main" val="1051524501"/>
       </p:ext>
     </p:extLst>
   </p:cSld>
@@ -1996,7 +2097,7 @@
 </p:notes>
 </file>
 
-<file path=ppt/notesSlides/notesSlide20.xml><?xml version="1.0" encoding="utf-8"?>
+<file path=ppt/notesSlides/notesSlide21.xml><?xml version="1.0" encoding="utf-8"?>
 <p:notes xmlns:a="http://schemas.openxmlformats.org/drawingml/2006/main" xmlns:r="http://schemas.openxmlformats.org/officeDocument/2006/relationships" xmlns:p="http://schemas.openxmlformats.org/presentationml/2006/main">
   <p:cSld>
     <p:spTree>
@@ -2206,7 +2307,7 @@
     </p:spTree>
     <p:extLst>
       <p:ext uri="{BB962C8B-B14F-4D97-AF65-F5344CB8AC3E}">
-        <p14:creationId xmlns:p14="http://schemas.microsoft.com/office/powerpoint/2010/main" val="520667540"/>
+        <p14:creationId xmlns:p14="http://schemas.microsoft.com/office/powerpoint/2010/main" val="3662017179"/>
       </p:ext>
     </p:extLst>
   </p:cSld>
@@ -2235,7 +2336,7 @@
       </p:grpSpPr>
       <p:sp>
         <p:nvSpPr>
-          <p:cNvPr id="36866" name="Rectangle 2"/>
+          <p:cNvPr id="34818" name="Rectangle 2"/>
           <p:cNvSpPr>
             <a:spLocks noGrp="1" noRot="1" noChangeAspect="1" noChangeArrowheads="1" noTextEdit="1"/>
           </p:cNvSpPr>
@@ -2266,7 +2367,7 @@
       </p:sp>
       <p:sp>
         <p:nvSpPr>
-          <p:cNvPr id="36867" name="Rectangle 3"/>
+          <p:cNvPr id="34819" name="Rectangle 3"/>
           <p:cNvSpPr>
             <a:spLocks noGrp="1" noChangeArrowheads="1"/>
           </p:cNvSpPr>
@@ -2316,7 +2417,7 @@
     </p:spTree>
     <p:extLst>
       <p:ext uri="{BB962C8B-B14F-4D97-AF65-F5344CB8AC3E}">
-        <p14:creationId xmlns:p14="http://schemas.microsoft.com/office/powerpoint/2010/main" val="890553893"/>
+        <p14:creationId xmlns:p14="http://schemas.microsoft.com/office/powerpoint/2010/main" val="520667540"/>
       </p:ext>
     </p:extLst>
   </p:cSld>
@@ -2345,7 +2446,7 @@
       </p:grpSpPr>
       <p:sp>
         <p:nvSpPr>
-          <p:cNvPr id="38914" name="Rectangle 2"/>
+          <p:cNvPr id="36866" name="Rectangle 2"/>
           <p:cNvSpPr>
             <a:spLocks noGrp="1" noRot="1" noChangeAspect="1" noChangeArrowheads="1" noTextEdit="1"/>
           </p:cNvSpPr>
@@ -2376,7 +2477,7 @@
       </p:sp>
       <p:sp>
         <p:nvSpPr>
-          <p:cNvPr id="38915" name="Rectangle 3"/>
+          <p:cNvPr id="36867" name="Rectangle 3"/>
           <p:cNvSpPr>
             <a:spLocks noGrp="1" noChangeArrowheads="1"/>
           </p:cNvSpPr>
@@ -2426,7 +2527,7 @@
     </p:spTree>
     <p:extLst>
       <p:ext uri="{BB962C8B-B14F-4D97-AF65-F5344CB8AC3E}">
-        <p14:creationId xmlns:p14="http://schemas.microsoft.com/office/powerpoint/2010/main" val="3121841266"/>
+        <p14:creationId xmlns:p14="http://schemas.microsoft.com/office/powerpoint/2010/main" val="890553893"/>
       </p:ext>
     </p:extLst>
   </p:cSld>
@@ -2455,7 +2556,7 @@
       </p:grpSpPr>
       <p:sp>
         <p:nvSpPr>
-          <p:cNvPr id="41986" name="Rectangle 2"/>
+          <p:cNvPr id="38914" name="Rectangle 2"/>
           <p:cNvSpPr>
             <a:spLocks noGrp="1" noRot="1" noChangeAspect="1" noChangeArrowheads="1" noTextEdit="1"/>
           </p:cNvSpPr>
@@ -2463,13 +2564,30 @@
             <p:ph type="sldImg"/>
           </p:nvPr>
         </p:nvSpPr>
-        <p:spPr>
-          <a:ln/>
-        </p:spPr>
-      </p:sp>
-      <p:sp>
-        <p:nvSpPr>
-          <p:cNvPr id="41987" name="Rectangle 3"/>
+        <p:spPr bwMode="auto">
+          <a:noFill/>
+          <a:ln>
+            <a:solidFill>
+              <a:srgbClr val="000000"/>
+            </a:solidFill>
+            <a:miter lim="800000"/>
+            <a:headEnd/>
+            <a:tailEnd/>
+          </a:ln>
+          <a:extLst>
+            <a:ext uri="{909E8E84-426E-40dd-AFC4-6F175D3DCCD1}">
+              <a14:hiddenFill xmlns:a14="http://schemas.microsoft.com/office/drawing/2010/main">
+                <a:solidFill>
+                  <a:srgbClr val="FFFFFF"/>
+                </a:solidFill>
+              </a14:hiddenFill>
+            </a:ext>
+          </a:extLst>
+        </p:spPr>
+      </p:sp>
+      <p:sp>
+        <p:nvSpPr>
+          <p:cNvPr id="38915" name="Rectangle 3"/>
           <p:cNvSpPr>
             <a:spLocks noGrp="1" noChangeArrowheads="1"/>
           </p:cNvSpPr>
@@ -2477,9 +2595,8 @@
             <p:ph type="body" idx="1"/>
           </p:nvPr>
         </p:nvSpPr>
-        <p:spPr>
+        <p:spPr bwMode="auto">
           <a:noFill/>
-          <a:ln/>
           <a:extLst>
             <a:ext uri="{909E8E84-426E-40dd-AFC4-6F175D3DCCD1}">
               <a14:hiddenFill xmlns:a14="http://schemas.microsoft.com/office/drawing/2010/main">
@@ -2501,10 +2618,18 @@
           </a:extLst>
         </p:spPr>
         <p:txBody>
-          <a:bodyPr/>
-          <a:lstStyle/>
-          <a:p>
-            <a:pPr eaLnBrk="1" hangingPunct="1"/>
+          <a:bodyPr wrap="square" numCol="1" anchor="t" anchorCtr="0" compatLnSpc="1">
+            <a:prstTxWarp prst="textNoShape">
+              <a:avLst/>
+            </a:prstTxWarp>
+          </a:bodyPr>
+          <a:lstStyle/>
+          <a:p>
+            <a:pPr eaLnBrk="1" hangingPunct="1">
+              <a:spcBef>
+                <a:spcPct val="0"/>
+              </a:spcBef>
+            </a:pPr>
             <a:endParaRPr lang="en-US"/>
           </a:p>
         </p:txBody>
@@ -2512,7 +2637,7 @@
     </p:spTree>
     <p:extLst>
       <p:ext uri="{BB962C8B-B14F-4D97-AF65-F5344CB8AC3E}">
-        <p14:creationId xmlns:p14="http://schemas.microsoft.com/office/powerpoint/2010/main" val="3549104561"/>
+        <p14:creationId xmlns:p14="http://schemas.microsoft.com/office/powerpoint/2010/main" val="3121841266"/>
       </p:ext>
     </p:extLst>
   </p:cSld>
@@ -2541,7 +2666,7 @@
       </p:grpSpPr>
       <p:sp>
         <p:nvSpPr>
-          <p:cNvPr id="43010" name="Rectangle 2"/>
+          <p:cNvPr id="41986" name="Rectangle 2"/>
           <p:cNvSpPr>
             <a:spLocks noGrp="1" noRot="1" noChangeAspect="1" noChangeArrowheads="1" noTextEdit="1"/>
           </p:cNvSpPr>
@@ -2549,30 +2674,13 @@
             <p:ph type="sldImg"/>
           </p:nvPr>
         </p:nvSpPr>
-        <p:spPr bwMode="auto">
-          <a:noFill/>
-          <a:ln>
-            <a:solidFill>
-              <a:srgbClr val="000000"/>
-            </a:solidFill>
-            <a:miter lim="800000"/>
-            <a:headEnd/>
-            <a:tailEnd/>
-          </a:ln>
-          <a:extLst>
-            <a:ext uri="{909E8E84-426E-40dd-AFC4-6F175D3DCCD1}">
-              <a14:hiddenFill xmlns:a14="http://schemas.microsoft.com/office/drawing/2010/main">
-                <a:solidFill>
-                  <a:srgbClr val="FFFFFF"/>
-                </a:solidFill>
-              </a14:hiddenFill>
-            </a:ext>
-          </a:extLst>
-        </p:spPr>
-      </p:sp>
-      <p:sp>
-        <p:nvSpPr>
-          <p:cNvPr id="43011" name="Rectangle 3"/>
+        <p:spPr>
+          <a:ln/>
+        </p:spPr>
+      </p:sp>
+      <p:sp>
+        <p:nvSpPr>
+          <p:cNvPr id="41987" name="Rectangle 3"/>
           <p:cNvSpPr>
             <a:spLocks noGrp="1" noChangeArrowheads="1"/>
           </p:cNvSpPr>
@@ -2580,8 +2688,9 @@
             <p:ph type="body" idx="1"/>
           </p:nvPr>
         </p:nvSpPr>
-        <p:spPr bwMode="auto">
+        <p:spPr>
           <a:noFill/>
+          <a:ln/>
           <a:extLst>
             <a:ext uri="{909E8E84-426E-40dd-AFC4-6F175D3DCCD1}">
               <a14:hiddenFill xmlns:a14="http://schemas.microsoft.com/office/drawing/2010/main">
@@ -2603,18 +2712,10 @@
           </a:extLst>
         </p:spPr>
         <p:txBody>
-          <a:bodyPr wrap="square" numCol="1" anchor="t" anchorCtr="0" compatLnSpc="1">
-            <a:prstTxWarp prst="textNoShape">
-              <a:avLst/>
-            </a:prstTxWarp>
-          </a:bodyPr>
-          <a:lstStyle/>
-          <a:p>
-            <a:pPr eaLnBrk="1" hangingPunct="1">
-              <a:spcBef>
-                <a:spcPct val="0"/>
-              </a:spcBef>
-            </a:pPr>
+          <a:bodyPr/>
+          <a:lstStyle/>
+          <a:p>
+            <a:pPr eaLnBrk="1" hangingPunct="1"/>
             <a:endParaRPr lang="en-US"/>
           </a:p>
         </p:txBody>
@@ -2622,7 +2723,7 @@
     </p:spTree>
     <p:extLst>
       <p:ext uri="{BB962C8B-B14F-4D97-AF65-F5344CB8AC3E}">
-        <p14:creationId xmlns:p14="http://schemas.microsoft.com/office/powerpoint/2010/main" val="3781031731"/>
+        <p14:creationId xmlns:p14="http://schemas.microsoft.com/office/powerpoint/2010/main" val="3549104561"/>
       </p:ext>
     </p:extLst>
   </p:cSld>
@@ -2651,7 +2752,7 @@
       </p:grpSpPr>
       <p:sp>
         <p:nvSpPr>
-          <p:cNvPr id="45058" name="Rectangle 2"/>
+          <p:cNvPr id="43010" name="Rectangle 2"/>
           <p:cNvSpPr>
             <a:spLocks noGrp="1" noRot="1" noChangeAspect="1" noChangeArrowheads="1" noTextEdit="1"/>
           </p:cNvSpPr>
@@ -2682,7 +2783,7 @@
       </p:sp>
       <p:sp>
         <p:nvSpPr>
-          <p:cNvPr id="45059" name="Rectangle 3"/>
+          <p:cNvPr id="43011" name="Rectangle 3"/>
           <p:cNvSpPr>
             <a:spLocks noGrp="1" noChangeArrowheads="1"/>
           </p:cNvSpPr>
@@ -2732,7 +2833,7 @@
     </p:spTree>
     <p:extLst>
       <p:ext uri="{BB962C8B-B14F-4D97-AF65-F5344CB8AC3E}">
-        <p14:creationId xmlns:p14="http://schemas.microsoft.com/office/powerpoint/2010/main" val="3375594206"/>
+        <p14:creationId xmlns:p14="http://schemas.microsoft.com/office/powerpoint/2010/main" val="3781031731"/>
       </p:ext>
     </p:extLst>
   </p:cSld>
@@ -2761,7 +2862,7 @@
       </p:grpSpPr>
       <p:sp>
         <p:nvSpPr>
-          <p:cNvPr id="48130" name="Rectangle 2"/>
+          <p:cNvPr id="45058" name="Rectangle 2"/>
           <p:cNvSpPr>
             <a:spLocks noGrp="1" noRot="1" noChangeAspect="1" noChangeArrowheads="1" noTextEdit="1"/>
           </p:cNvSpPr>
@@ -2792,7 +2893,7 @@
       </p:sp>
       <p:sp>
         <p:nvSpPr>
-          <p:cNvPr id="48131" name="Rectangle 3"/>
+          <p:cNvPr id="45059" name="Rectangle 3"/>
           <p:cNvSpPr>
             <a:spLocks noGrp="1" noChangeArrowheads="1"/>
           </p:cNvSpPr>
@@ -2842,7 +2943,7 @@
     </p:spTree>
     <p:extLst>
       <p:ext uri="{BB962C8B-B14F-4D97-AF65-F5344CB8AC3E}">
-        <p14:creationId xmlns:p14="http://schemas.microsoft.com/office/powerpoint/2010/main" val="4077804565"/>
+        <p14:creationId xmlns:p14="http://schemas.microsoft.com/office/powerpoint/2010/main" val="3375594206"/>
       </p:ext>
     </p:extLst>
   </p:cSld>
@@ -3031,7 +3132,7 @@
           <a:p>
             <a:fld id="{2C098C2A-C79D-4C1E-B8F9-026CF482CCE7}" type="datetime1">
               <a:rPr lang="en-US" smtClean="0"/>
-              <a:t>4/10/18</a:t>
+              <a:t>4/12/18</a:t>
             </a:fld>
             <a:endParaRPr lang="en-US"/>
           </a:p>
@@ -3199,7 +3300,7 @@
           <a:p>
             <a:fld id="{3CAA755A-8AF9-4B65-9D36-B2836413EEE4}" type="datetime1">
               <a:rPr lang="en-US" smtClean="0"/>
-              <a:t>4/10/18</a:t>
+              <a:t>4/12/18</a:t>
             </a:fld>
             <a:endParaRPr lang="en-US"/>
           </a:p>
@@ -3377,7 +3478,7 @@
           <a:p>
             <a:fld id="{99603B1A-6265-493E-8F5A-A1EE84003BB5}" type="datetime1">
               <a:rPr lang="en-US" smtClean="0"/>
-              <a:t>4/10/18</a:t>
+              <a:t>4/12/18</a:t>
             </a:fld>
             <a:endParaRPr lang="en-US"/>
           </a:p>
@@ -3545,7 +3646,7 @@
           <a:p>
             <a:fld id="{EB743D0B-3834-4F96-8E69-09D4FFA4D281}" type="datetime1">
               <a:rPr lang="en-US" smtClean="0"/>
-              <a:t>4/10/18</a:t>
+              <a:t>4/12/18</a:t>
             </a:fld>
             <a:endParaRPr lang="en-US"/>
           </a:p>
@@ -3790,7 +3891,7 @@
           <a:p>
             <a:fld id="{D317E599-9B1F-4DE3-8362-DB3509BD86DA}" type="datetime1">
               <a:rPr lang="en-US" smtClean="0"/>
-              <a:t>4/10/18</a:t>
+              <a:t>4/12/18</a:t>
             </a:fld>
             <a:endParaRPr lang="en-US"/>
           </a:p>
@@ -4075,7 +4176,7 @@
           <a:p>
             <a:fld id="{C9FC214A-40AA-422E-8A2E-1EF37CE60C5E}" type="datetime1">
               <a:rPr lang="en-US" smtClean="0"/>
-              <a:t>4/10/18</a:t>
+              <a:t>4/12/18</a:t>
             </a:fld>
             <a:endParaRPr lang="en-US"/>
           </a:p>
@@ -4494,7 +4595,7 @@
           <a:p>
             <a:fld id="{5B790600-5675-4AC5-A292-5D3D62D06552}" type="datetime1">
               <a:rPr lang="en-US" smtClean="0"/>
-              <a:t>4/10/18</a:t>
+              <a:t>4/12/18</a:t>
             </a:fld>
             <a:endParaRPr lang="en-US"/>
           </a:p>
@@ -4611,7 +4712,7 @@
           <a:p>
             <a:fld id="{62C74711-5BD9-4D45-9EFC-3119530053FD}" type="datetime1">
               <a:rPr lang="en-US" smtClean="0"/>
-              <a:t>4/10/18</a:t>
+              <a:t>4/12/18</a:t>
             </a:fld>
             <a:endParaRPr lang="en-US"/>
           </a:p>
@@ -4706,7 +4807,7 @@
           <a:p>
             <a:fld id="{E79D40E3-BF4E-4EFA-8EA0-FE2245FFCCBE}" type="datetime1">
               <a:rPr lang="en-US" smtClean="0"/>
-              <a:t>4/10/18</a:t>
+              <a:t>4/12/18</a:t>
             </a:fld>
             <a:endParaRPr lang="en-US"/>
           </a:p>
@@ -4981,7 +5082,7 @@
           <a:p>
             <a:fld id="{D66A4724-DE1B-47B4-B72A-DB1732671248}" type="datetime1">
               <a:rPr lang="en-US" smtClean="0"/>
-              <a:t>4/10/18</a:t>
+              <a:t>4/12/18</a:t>
             </a:fld>
             <a:endParaRPr lang="en-US"/>
           </a:p>
@@ -5233,7 +5334,7 @@
           <a:p>
             <a:fld id="{D48486B4-B235-4473-8AF6-617361E29437}" type="datetime1">
               <a:rPr lang="en-US" smtClean="0"/>
-              <a:t>4/10/18</a:t>
+              <a:t>4/12/18</a:t>
             </a:fld>
             <a:endParaRPr lang="en-US"/>
           </a:p>
@@ -5444,7 +5545,7 @@
           <a:p>
             <a:fld id="{ACD6D800-BF98-4E86-ABB2-B9D631DBB7DA}" type="datetime1">
               <a:rPr lang="en-US" smtClean="0"/>
-              <a:t>4/10/18</a:t>
+              <a:t>4/12/18</a:t>
             </a:fld>
             <a:endParaRPr lang="en-US"/>
           </a:p>
@@ -6108,6 +6209,384 @@
       </p:grpSpPr>
       <p:sp>
         <p:nvSpPr>
+          <p:cNvPr id="2" name="Title 1"/>
+          <p:cNvSpPr>
+            <a:spLocks noGrp="1"/>
+          </p:cNvSpPr>
+          <p:nvPr>
+            <p:ph type="title"/>
+          </p:nvPr>
+        </p:nvSpPr>
+        <p:spPr/>
+        <p:txBody>
+          <a:bodyPr>
+            <a:normAutofit/>
+          </a:bodyPr>
+          <a:lstStyle/>
+          <a:p>
+            <a:r>
+              <a:rPr lang="en-US" sz="4000" b="1" dirty="0">
+                <a:solidFill>
+                  <a:srgbClr val="000099"/>
+                </a:solidFill>
+                <a:latin typeface="Palatino Linotype" pitchFamily="18" charset="0"/>
+                <a:ea typeface="Cambria Math" pitchFamily="18" charset="0"/>
+              </a:rPr>
+              <a:t>Compute difference score first</a:t>
+            </a:r>
+          </a:p>
+        </p:txBody>
+      </p:sp>
+      <p:sp>
+        <p:nvSpPr>
+          <p:cNvPr id="3" name="Content Placeholder 2"/>
+          <p:cNvSpPr>
+            <a:spLocks noGrp="1"/>
+          </p:cNvSpPr>
+          <p:nvPr>
+            <p:ph idx="1"/>
+          </p:nvPr>
+        </p:nvSpPr>
+        <p:spPr>
+          <a:xfrm>
+            <a:off x="457200" y="1371600"/>
+            <a:ext cx="8229600" cy="4525963"/>
+          </a:xfrm>
+        </p:spPr>
+        <p:txBody>
+          <a:bodyPr/>
+          <a:lstStyle/>
+          <a:p>
+            <a:pPr marL="342900" lvl="1" indent="-342900">
+              <a:buFont typeface="Arial" pitchFamily="34" charset="0"/>
+              <a:buChar char="•"/>
+            </a:pPr>
+            <a:r>
+              <a:rPr lang="en-US" altLang="zh-CN" sz="2400" dirty="0">
+                <a:solidFill>
+                  <a:srgbClr val="C00000"/>
+                </a:solidFill>
+                <a:latin typeface="Palatino Linotype" pitchFamily="18" charset="0"/>
+              </a:rPr>
+              <a:t>Difference scores (d</a:t>
+            </a:r>
+            <a:r>
+              <a:rPr lang="en-US" altLang="zh-CN" sz="2400" baseline="-25000" dirty="0">
+                <a:solidFill>
+                  <a:srgbClr val="C00000"/>
+                </a:solidFill>
+                <a:latin typeface="Palatino Linotype" pitchFamily="18" charset="0"/>
+              </a:rPr>
+              <a:t>i</a:t>
+            </a:r>
+            <a:r>
+              <a:rPr lang="en-US" altLang="zh-CN" sz="2400" dirty="0">
+                <a:solidFill>
+                  <a:srgbClr val="C00000"/>
+                </a:solidFill>
+                <a:latin typeface="Palatino Linotype" pitchFamily="18" charset="0"/>
+              </a:rPr>
+              <a:t>)</a:t>
+            </a:r>
+            <a:r>
+              <a:rPr lang="en-US" altLang="zh-CN" sz="2400" dirty="0">
+                <a:latin typeface="Palatino Linotype" pitchFamily="18" charset="0"/>
+              </a:rPr>
+              <a:t>: the differences between corresponding pairs of scores across the two treatments, that </a:t>
+            </a:r>
+            <a:r>
+              <a:rPr lang="en-US" altLang="zh-CN" sz="2400">
+                <a:latin typeface="Palatino Linotype" pitchFamily="18" charset="0"/>
+              </a:rPr>
+              <a:t>is </a:t>
+            </a:r>
+            <a:r>
+              <a:rPr lang="en-US" altLang="zh-CN" sz="2400">
+                <a:solidFill>
+                  <a:srgbClr val="C00000"/>
+                </a:solidFill>
+                <a:latin typeface="Palatino Linotype" pitchFamily="18" charset="0"/>
+              </a:rPr>
+              <a:t>d</a:t>
+            </a:r>
+            <a:r>
+              <a:rPr lang="en-US" altLang="zh-CN" sz="2400" baseline="-25000">
+                <a:solidFill>
+                  <a:srgbClr val="C00000"/>
+                </a:solidFill>
+                <a:latin typeface="Palatino Linotype" pitchFamily="18" charset="0"/>
+              </a:rPr>
+              <a:t>i</a:t>
+            </a:r>
+            <a:r>
+              <a:rPr lang="en-US" altLang="zh-CN" sz="2400">
+                <a:solidFill>
+                  <a:srgbClr val="C00000"/>
+                </a:solidFill>
+                <a:latin typeface="Palatino Linotype" pitchFamily="18" charset="0"/>
+              </a:rPr>
+              <a:t> </a:t>
+            </a:r>
+            <a:r>
+              <a:rPr lang="en-US" altLang="zh-CN" sz="2400" dirty="0">
+                <a:solidFill>
+                  <a:srgbClr val="C00000"/>
+                </a:solidFill>
+                <a:latin typeface="Palatino Linotype" pitchFamily="18" charset="0"/>
+              </a:rPr>
+              <a:t>= X</a:t>
+            </a:r>
+            <a:r>
+              <a:rPr lang="en-US" altLang="zh-CN" sz="2400" baseline="-25000" dirty="0">
+                <a:solidFill>
+                  <a:srgbClr val="C00000"/>
+                </a:solidFill>
+                <a:latin typeface="Palatino Linotype" pitchFamily="18" charset="0"/>
+              </a:rPr>
+              <a:t>i1</a:t>
+            </a:r>
+            <a:r>
+              <a:rPr lang="en-US" altLang="zh-CN" sz="2400" dirty="0">
+                <a:solidFill>
+                  <a:srgbClr val="C00000"/>
+                </a:solidFill>
+                <a:latin typeface="Palatino Linotype" pitchFamily="18" charset="0"/>
+              </a:rPr>
+              <a:t> – X</a:t>
+            </a:r>
+            <a:r>
+              <a:rPr lang="en-US" altLang="zh-CN" sz="2400" baseline="-25000" dirty="0">
+                <a:solidFill>
+                  <a:srgbClr val="C00000"/>
+                </a:solidFill>
+                <a:latin typeface="Palatino Linotype" pitchFamily="18" charset="0"/>
+              </a:rPr>
+              <a:t>i2</a:t>
+            </a:r>
+            <a:endParaRPr lang="en-US" altLang="zh-CN" sz="2400" dirty="0">
+              <a:solidFill>
+                <a:schemeClr val="tx2"/>
+              </a:solidFill>
+              <a:latin typeface="Palatino Linotype" pitchFamily="18" charset="0"/>
+            </a:endParaRPr>
+          </a:p>
+          <a:p>
+            <a:pPr marL="895350" lvl="1" indent="-438150"/>
+            <a:r>
+              <a:rPr lang="en-US" altLang="zh-CN" sz="2000" dirty="0">
+                <a:latin typeface="Palatino Linotype" pitchFamily="18" charset="0"/>
+              </a:rPr>
+              <a:t>X</a:t>
+            </a:r>
+            <a:r>
+              <a:rPr lang="en-US" altLang="zh-CN" sz="1200" dirty="0">
+                <a:latin typeface="Palatino Linotype" pitchFamily="18" charset="0"/>
+              </a:rPr>
+              <a:t>i1</a:t>
+            </a:r>
+            <a:r>
+              <a:rPr lang="en-US" altLang="zh-CN" sz="2000" dirty="0">
+                <a:latin typeface="Palatino Linotype" pitchFamily="18" charset="0"/>
+              </a:rPr>
+              <a:t> is the score on the dependent variable for treatment 1, and </a:t>
+            </a:r>
+          </a:p>
+          <a:p>
+            <a:pPr marL="895350" lvl="1" indent="-438150"/>
+            <a:r>
+              <a:rPr lang="en-US" altLang="zh-CN" sz="2000" dirty="0">
+                <a:latin typeface="Palatino Linotype" pitchFamily="18" charset="0"/>
+              </a:rPr>
+              <a:t>X</a:t>
+            </a:r>
+            <a:r>
+              <a:rPr lang="en-US" altLang="zh-CN" sz="1400" dirty="0">
+                <a:latin typeface="Palatino Linotype" pitchFamily="18" charset="0"/>
+              </a:rPr>
+              <a:t>i2</a:t>
+            </a:r>
+            <a:r>
+              <a:rPr lang="en-US" altLang="zh-CN" sz="2000" dirty="0">
+                <a:latin typeface="Palatino Linotype" pitchFamily="18" charset="0"/>
+              </a:rPr>
+              <a:t> is the score on the dependent variable for</a:t>
+            </a:r>
+            <a:r>
+              <a:rPr lang="en-US" altLang="zh-CN" dirty="0">
+                <a:latin typeface="Palatino Linotype" pitchFamily="18" charset="0"/>
+              </a:rPr>
+              <a:t/>
+            </a:r>
+            <a:br>
+              <a:rPr lang="en-US" altLang="zh-CN" dirty="0">
+                <a:latin typeface="Palatino Linotype" pitchFamily="18" charset="0"/>
+              </a:rPr>
+            </a:br>
+            <a:endParaRPr lang="en-US" altLang="zh-CN" dirty="0">
+              <a:latin typeface="Palatino Linotype" pitchFamily="18" charset="0"/>
+            </a:endParaRPr>
+          </a:p>
+          <a:p>
+            <a:endParaRPr lang="en-US" dirty="0">
+              <a:latin typeface="Palatino Linotype" pitchFamily="18" charset="0"/>
+            </a:endParaRPr>
+          </a:p>
+        </p:txBody>
+      </p:sp>
+      <p:graphicFrame>
+        <p:nvGraphicFramePr>
+          <p:cNvPr id="4" name="Object 3"/>
+          <p:cNvGraphicFramePr>
+            <a:graphicFrameLocks noChangeAspect="1"/>
+          </p:cNvGraphicFramePr>
+          <p:nvPr>
+            <p:extLst>
+              <p:ext uri="{D42A27DB-BD31-4B8C-83A1-F6EECF244321}">
+                <p14:modId xmlns:p14="http://schemas.microsoft.com/office/powerpoint/2010/main" val="2767655073"/>
+              </p:ext>
+            </p:extLst>
+          </p:nvPr>
+        </p:nvGraphicFramePr>
+        <p:xfrm>
+          <a:off x="838200" y="3352800"/>
+          <a:ext cx="7620000" cy="3048000"/>
+        </p:xfrm>
+        <a:graphic>
+          <a:graphicData uri="http://schemas.openxmlformats.org/presentationml/2006/ole">
+            <mc:AlternateContent xmlns:mc="http://schemas.openxmlformats.org/markup-compatibility/2006">
+              <mc:Choice xmlns:v="urn:schemas-microsoft-com:vml" Requires="v">
+                <p:oleObj spid="_x0000_s14402" name="Bitmap Image" r:id="rId3" imgW="6144483" imgH="1991003" progId="PBrush">
+                  <p:embed/>
+                </p:oleObj>
+              </mc:Choice>
+              <mc:Fallback>
+                <p:oleObj name="Bitmap Image" r:id="rId3" imgW="6144483" imgH="1991003" progId="PBrush">
+                  <p:embed/>
+                  <p:pic>
+                    <p:nvPicPr>
+                      <p:cNvPr id="0" name="Object 2"/>
+                      <p:cNvPicPr>
+                        <a:picLocks noChangeAspect="1" noChangeArrowheads="1"/>
+                      </p:cNvPicPr>
+                      <p:nvPr/>
+                    </p:nvPicPr>
+                    <p:blipFill>
+                      <a:blip r:embed="rId4">
+                        <a:extLst>
+                          <a:ext uri="{28A0092B-C50C-407E-A947-70E740481C1C}">
+                            <a14:useLocalDpi xmlns:a14="http://schemas.microsoft.com/office/drawing/2010/main" val="0"/>
+                          </a:ext>
+                        </a:extLst>
+                      </a:blip>
+                      <a:srcRect/>
+                      <a:stretch>
+                        <a:fillRect/>
+                      </a:stretch>
+                    </p:blipFill>
+                    <p:spPr bwMode="auto">
+                      <a:xfrm>
+                        <a:off x="838200" y="3352800"/>
+                        <a:ext cx="7620000" cy="3048000"/>
+                      </a:xfrm>
+                      <a:prstGeom prst="rect">
+                        <a:avLst/>
+                      </a:prstGeom>
+                      <a:noFill/>
+                      <a:ln>
+                        <a:noFill/>
+                      </a:ln>
+                      <a:effectLst/>
+                      <a:extLst>
+                        <a:ext uri="{909E8E84-426E-40dd-AFC4-6F175D3DCCD1}">
+                          <a14:hiddenFill xmlns:a14="http://schemas.microsoft.com/office/drawing/2010/main">
+                            <a:solidFill>
+                              <a:schemeClr val="accent1"/>
+                            </a:solidFill>
+                          </a14:hiddenFill>
+                        </a:ext>
+                        <a:ext uri="{91240B29-F687-4f45-9708-019B960494DF}">
+                          <a14:hiddenLine xmlns:a14="http://schemas.microsoft.com/office/drawing/2010/main" w="9525" algn="ctr">
+                            <a:solidFill>
+                              <a:schemeClr val="tx1"/>
+                            </a:solidFill>
+                            <a:miter lim="800000"/>
+                            <a:headEnd/>
+                            <a:tailEnd/>
+                          </a14:hiddenLine>
+                        </a:ext>
+                        <a:ext uri="{AF507438-7753-43e0-B8FC-AC1667EBCBE1}">
+                          <a14:hiddenEffects xmlns:a14="http://schemas.microsoft.com/office/drawing/2010/main">
+                            <a:effectLst>
+                              <a:outerShdw dist="35921" dir="2700000" algn="ctr" rotWithShape="0">
+                                <a:schemeClr val="bg2"/>
+                              </a:outerShdw>
+                            </a:effectLst>
+                          </a14:hiddenEffects>
+                        </a:ext>
+                      </a:extLst>
+                    </p:spPr>
+                  </p:pic>
+                </p:oleObj>
+              </mc:Fallback>
+            </mc:AlternateContent>
+          </a:graphicData>
+        </a:graphic>
+      </p:graphicFrame>
+      <p:sp>
+        <p:nvSpPr>
+          <p:cNvPr id="5" name="Slide Number Placeholder 4"/>
+          <p:cNvSpPr>
+            <a:spLocks noGrp="1"/>
+          </p:cNvSpPr>
+          <p:nvPr>
+            <p:ph type="sldNum" sz="quarter" idx="12"/>
+          </p:nvPr>
+        </p:nvSpPr>
+        <p:spPr/>
+        <p:txBody>
+          <a:bodyPr/>
+          <a:lstStyle/>
+          <a:p>
+            <a:fld id="{19892AFD-08A7-429B-863F-010284A09610}" type="slidenum">
+              <a:rPr lang="en-US" smtClean="0"/>
+              <a:t>10</a:t>
+            </a:fld>
+            <a:endParaRPr lang="en-US"/>
+          </a:p>
+        </p:txBody>
+      </p:sp>
+    </p:spTree>
+    <p:extLst>
+      <p:ext uri="{BB962C8B-B14F-4D97-AF65-F5344CB8AC3E}">
+        <p14:creationId xmlns:p14="http://schemas.microsoft.com/office/powerpoint/2010/main" val="3828281745"/>
+      </p:ext>
+    </p:extLst>
+  </p:cSld>
+  <p:clrMapOvr>
+    <a:masterClrMapping/>
+  </p:clrMapOvr>
+</p:sld>
+</file>
+
+<file path=ppt/slides/slide11.xml><?xml version="1.0" encoding="utf-8"?>
+<p:sld xmlns:a="http://schemas.openxmlformats.org/drawingml/2006/main" xmlns:r="http://schemas.openxmlformats.org/officeDocument/2006/relationships" xmlns:p="http://schemas.openxmlformats.org/presentationml/2006/main">
+  <p:cSld>
+    <p:spTree>
+      <p:nvGrpSpPr>
+        <p:cNvPr id="1" name=""/>
+        <p:cNvGrpSpPr/>
+        <p:nvPr/>
+      </p:nvGrpSpPr>
+      <p:grpSpPr>
+        <a:xfrm>
+          <a:off x="0" y="0"/>
+          <a:ext cx="0" cy="0"/>
+          <a:chOff x="0" y="0"/>
+          <a:chExt cx="0" cy="0"/>
+        </a:xfrm>
+      </p:grpSpPr>
+      <p:sp>
+        <p:nvSpPr>
           <p:cNvPr id="2052" name="Rectangle 3"/>
           <p:cNvSpPr>
             <a:spLocks noGrp="1" noChangeArrowheads="1"/>
@@ -6722,7 +7201,7 @@
           <a:graphicData uri="http://schemas.openxmlformats.org/presentationml/2006/ole">
             <mc:AlternateContent xmlns:mc="http://schemas.openxmlformats.org/markup-compatibility/2006">
               <mc:Choice xmlns:v="urn:schemas-microsoft-com:vml" Requires="v">
-                <p:oleObj spid="_x0000_s16557" name="Equation" r:id="rId4" imgW="774360" imgH="228600" progId="Equation.DSMT4">
+                <p:oleObj spid="_x0000_s16618" name="Equation" r:id="rId4" imgW="774360" imgH="228600" progId="Equation.DSMT4">
                   <p:embed/>
                 </p:oleObj>
               </mc:Choice>
@@ -6844,7 +7323,7 @@
           <a:graphicData uri="http://schemas.openxmlformats.org/presentationml/2006/ole">
             <mc:AlternateContent xmlns:mc="http://schemas.openxmlformats.org/markup-compatibility/2006">
               <mc:Choice xmlns:v="urn:schemas-microsoft-com:vml" Requires="v">
-                <p:oleObj spid="_x0000_s16558" name="Equation" r:id="rId6" imgW="736560" imgH="457200" progId="Equation.DSMT4">
+                <p:oleObj spid="_x0000_s16619" name="Equation" r:id="rId6" imgW="736560" imgH="457200" progId="Equation.DSMT4">
                   <p:embed/>
                 </p:oleObj>
               </mc:Choice>
@@ -6901,7 +7380,7 @@
           <a:graphicData uri="http://schemas.openxmlformats.org/presentationml/2006/ole">
             <mc:AlternateContent xmlns:mc="http://schemas.openxmlformats.org/markup-compatibility/2006">
               <mc:Choice xmlns:v="urn:schemas-microsoft-com:vml" Requires="v">
-                <p:oleObj spid="_x0000_s16559" name="Equation" r:id="rId8" imgW="723600" imgH="457200" progId="Equation.DSMT4">
+                <p:oleObj spid="_x0000_s16620" name="Equation" r:id="rId8" imgW="723600" imgH="457200" progId="Equation.DSMT4">
                   <p:embed/>
                 </p:oleObj>
               </mc:Choice>
@@ -6965,7 +7444,7 @@
           <a:graphicData uri="http://schemas.openxmlformats.org/presentationml/2006/ole">
             <mc:AlternateContent xmlns:mc="http://schemas.openxmlformats.org/markup-compatibility/2006">
               <mc:Choice xmlns:v="urn:schemas-microsoft-com:vml" Requires="v">
-                <p:oleObj spid="_x0000_s16560" name="Equation" r:id="rId10" imgW="723600" imgH="457200" progId="Equation.DSMT4">
+                <p:oleObj spid="_x0000_s16621" name="Equation" r:id="rId10" imgW="723600" imgH="457200" progId="Equation.DSMT4">
                   <p:embed/>
                 </p:oleObj>
               </mc:Choice>
@@ -7017,7 +7496,7 @@
           <a:p>
             <a:fld id="{19892AFD-08A7-429B-863F-010284A09610}" type="slidenum">
               <a:rPr lang="en-US" smtClean="0"/>
-              <a:t>10</a:t>
+              <a:t>11</a:t>
             </a:fld>
             <a:endParaRPr lang="en-US"/>
           </a:p>
@@ -7037,7 +7516,7 @@
 </p:sld>
 </file>
 
-<file path=ppt/slides/slide11.xml><?xml version="1.0" encoding="utf-8"?>
+<file path=ppt/slides/slide12.xml><?xml version="1.0" encoding="utf-8"?>
 <p:sld xmlns:a="http://schemas.openxmlformats.org/drawingml/2006/main" xmlns:r="http://schemas.openxmlformats.org/officeDocument/2006/relationships" xmlns:p="http://schemas.openxmlformats.org/presentationml/2006/main">
   <p:cSld>
     <p:spTree>
@@ -7790,7 +8269,7 @@
           <a:graphicData uri="http://schemas.openxmlformats.org/presentationml/2006/ole">
             <mc:AlternateContent xmlns:mc="http://schemas.openxmlformats.org/markup-compatibility/2006">
               <mc:Choice xmlns:v="urn:schemas-microsoft-com:vml" Requires="v">
-                <p:oleObj spid="_x0000_s18608" name="Equation" r:id="rId4" imgW="774360" imgH="228600" progId="Equation.DSMT4">
+                <p:oleObj spid="_x0000_s18669" name="Equation" r:id="rId4" imgW="774360" imgH="228600" progId="Equation.DSMT4">
                   <p:embed/>
                 </p:oleObj>
               </mc:Choice>
@@ -7955,7 +8434,7 @@
           <a:graphicData uri="http://schemas.openxmlformats.org/presentationml/2006/ole">
             <mc:AlternateContent xmlns:mc="http://schemas.openxmlformats.org/markup-compatibility/2006">
               <mc:Choice xmlns:v="urn:schemas-microsoft-com:vml" Requires="v">
-                <p:oleObj spid="_x0000_s18609" name="Equation" r:id="rId6" imgW="634680" imgH="609480" progId="Equation.DSMT4">
+                <p:oleObj spid="_x0000_s18670" name="Equation" r:id="rId6" imgW="634680" imgH="609480" progId="Equation.DSMT4">
                   <p:embed/>
                 </p:oleObj>
               </mc:Choice>
@@ -8016,7 +8495,7 @@
           <a:graphicData uri="http://schemas.openxmlformats.org/presentationml/2006/ole">
             <mc:AlternateContent xmlns:mc="http://schemas.openxmlformats.org/markup-compatibility/2006">
               <mc:Choice xmlns:v="urn:schemas-microsoft-com:vml" Requires="v">
-                <p:oleObj spid="_x0000_s18610" name="Equation" r:id="rId8" imgW="774360" imgH="241200" progId="Equation.DSMT4">
+                <p:oleObj spid="_x0000_s18671" name="Equation" r:id="rId8" imgW="774360" imgH="241200" progId="Equation.DSMT4">
                   <p:embed/>
                 </p:oleObj>
               </mc:Choice>
@@ -8073,7 +8552,7 @@
           <a:graphicData uri="http://schemas.openxmlformats.org/presentationml/2006/ole">
             <mc:AlternateContent xmlns:mc="http://schemas.openxmlformats.org/markup-compatibility/2006">
               <mc:Choice xmlns:v="urn:schemas-microsoft-com:vml" Requires="v">
-                <p:oleObj spid="_x0000_s18611" name="Equation" r:id="rId10" imgW="152280" imgH="203040" progId="Equation.DSMT4">
+                <p:oleObj spid="_x0000_s18672" name="Equation" r:id="rId10" imgW="152280" imgH="203040" progId="Equation.DSMT4">
                   <p:embed/>
                 </p:oleObj>
               </mc:Choice>
@@ -8151,7 +8630,7 @@
           <a:p>
             <a:fld id="{19892AFD-08A7-429B-863F-010284A09610}" type="slidenum">
               <a:rPr lang="en-US" smtClean="0"/>
-              <a:t>11</a:t>
+              <a:t>12</a:t>
             </a:fld>
             <a:endParaRPr lang="en-US"/>
           </a:p>
@@ -8171,7 +8650,7 @@
 </p:sld>
 </file>
 
-<file path=ppt/slides/slide12.xml><?xml version="1.0" encoding="utf-8"?>
+<file path=ppt/slides/slide13.xml><?xml version="1.0" encoding="utf-8"?>
 <p:sld xmlns:a="http://schemas.openxmlformats.org/drawingml/2006/main" xmlns:r="http://schemas.openxmlformats.org/officeDocument/2006/relationships" xmlns:p="http://schemas.openxmlformats.org/presentationml/2006/main">
   <p:cSld>
     <p:spTree>
@@ -8221,7 +8700,7 @@
                   <a:t>Properties of </a:t>
                 </a:r>
                 <a14:m>
-                  <m:oMath xmlns:m="http://schemas.openxmlformats.org/officeDocument/2006/math" xmlns="">
+                  <m:oMath xmlns="" xmlns:m="http://schemas.openxmlformats.org/officeDocument/2006/math">
                     <m:acc>
                       <m:accPr>
                         <m:chr m:val="̅"/>
@@ -8313,7 +8792,7 @@
                   <a:t>The distribution of </a:t>
                 </a:r>
                 <a14:m>
-                  <m:oMath xmlns:m="http://schemas.openxmlformats.org/officeDocument/2006/math" xmlns="">
+                  <m:oMath xmlns="" xmlns:m="http://schemas.openxmlformats.org/officeDocument/2006/math">
                     <m:acc>
                       <m:accPr>
                         <m:chr m:val="̅"/>
@@ -8454,7 +8933,7 @@
           <a:graphicData uri="http://schemas.openxmlformats.org/presentationml/2006/ole">
             <mc:AlternateContent xmlns:mc="http://schemas.openxmlformats.org/markup-compatibility/2006">
               <mc:Choice xmlns:v="urn:schemas-microsoft-com:vml" Requires="v">
-                <p:oleObj spid="_x0000_s20593" name="Equation" r:id="rId5" imgW="787320" imgH="228600" progId="Equation.DSMT4">
+                <p:oleObj spid="_x0000_s20639" name="Equation" r:id="rId5" imgW="787320" imgH="228600" progId="Equation.DSMT4">
                   <p:embed/>
                 </p:oleObj>
               </mc:Choice>
@@ -8518,7 +8997,7 @@
           <a:graphicData uri="http://schemas.openxmlformats.org/presentationml/2006/ole">
             <mc:AlternateContent xmlns:mc="http://schemas.openxmlformats.org/markup-compatibility/2006">
               <mc:Choice xmlns:v="urn:schemas-microsoft-com:vml" Requires="v">
-                <p:oleObj spid="_x0000_s20594" name="Equation" r:id="rId7" imgW="685800" imgH="457200" progId="Equation.DSMT4">
+                <p:oleObj spid="_x0000_s20640" name="Equation" r:id="rId7" imgW="685800" imgH="457200" progId="Equation.DSMT4">
                   <p:embed/>
                 </p:oleObj>
               </mc:Choice>
@@ -8575,7 +9054,7 @@
           <a:graphicData uri="http://schemas.openxmlformats.org/presentationml/2006/ole">
             <mc:AlternateContent xmlns:mc="http://schemas.openxmlformats.org/markup-compatibility/2006">
               <mc:Choice xmlns:v="urn:schemas-microsoft-com:vml" Requires="v">
-                <p:oleObj spid="_x0000_s20595" name="Equation" r:id="rId9" imgW="215713" imgH="241091" progId="Equation.3">
+                <p:oleObj spid="_x0000_s20641" name="Equation" r:id="rId9" imgW="215713" imgH="241091" progId="Equation.3">
                   <p:embed/>
                 </p:oleObj>
               </mc:Choice>
@@ -8640,7 +9119,7 @@
           <a:p>
             <a:fld id="{19892AFD-08A7-429B-863F-010284A09610}" type="slidenum">
               <a:rPr lang="en-US" smtClean="0"/>
-              <a:t>12</a:t>
+              <a:t>13</a:t>
             </a:fld>
             <a:endParaRPr lang="en-US"/>
           </a:p>
@@ -8659,7 +9138,7 @@
 </p:sld>
 </file>
 
-<file path=ppt/slides/slide13.xml><?xml version="1.0" encoding="utf-8"?>
+<file path=ppt/slides/slide14.xml><?xml version="1.0" encoding="utf-8"?>
 <p:sld xmlns:a="http://schemas.openxmlformats.org/drawingml/2006/main" xmlns:r="http://schemas.openxmlformats.org/officeDocument/2006/relationships" xmlns:p="http://schemas.openxmlformats.org/presentationml/2006/main">
   <p:cSld>
     <p:spTree>
@@ -9436,7 +9915,7 @@
           <a:graphicData uri="http://schemas.openxmlformats.org/presentationml/2006/ole">
             <mc:AlternateContent xmlns:mc="http://schemas.openxmlformats.org/markup-compatibility/2006">
               <mc:Choice xmlns:v="urn:schemas-microsoft-com:vml" Requires="v">
-                <p:oleObj spid="_x0000_s21604" name="Equation" r:id="rId4" imgW="215713" imgH="241091" progId="Equation.3">
+                <p:oleObj spid="_x0000_s21650" name="Equation" r:id="rId4" imgW="215713" imgH="241091" progId="Equation.3">
                   <p:embed/>
                 </p:oleObj>
               </mc:Choice>
@@ -9525,7 +10004,7 @@
           <a:graphicData uri="http://schemas.openxmlformats.org/presentationml/2006/ole">
             <mc:AlternateContent xmlns:mc="http://schemas.openxmlformats.org/markup-compatibility/2006">
               <mc:Choice xmlns:v="urn:schemas-microsoft-com:vml" Requires="v">
-                <p:oleObj spid="_x0000_s21605" name="Equation" r:id="rId6" imgW="1079280" imgH="609480" progId="Equation.DSMT4">
+                <p:oleObj spid="_x0000_s21651" name="Equation" r:id="rId6" imgW="1079280" imgH="609480" progId="Equation.DSMT4">
                   <p:embed/>
                 </p:oleObj>
               </mc:Choice>
@@ -9582,7 +10061,7 @@
           <a:graphicData uri="http://schemas.openxmlformats.org/presentationml/2006/ole">
             <mc:AlternateContent xmlns:mc="http://schemas.openxmlformats.org/markup-compatibility/2006">
               <mc:Choice xmlns:v="urn:schemas-microsoft-com:vml" Requires="v">
-                <p:oleObj spid="_x0000_s21606" name="Equation" r:id="rId8" imgW="609480" imgH="457200" progId="Equation.DSMT4">
+                <p:oleObj spid="_x0000_s21652" name="Equation" r:id="rId8" imgW="609480" imgH="457200" progId="Equation.DSMT4">
                   <p:embed/>
                 </p:oleObj>
               </mc:Choice>
@@ -9634,7 +10113,7 @@
           <a:p>
             <a:fld id="{19892AFD-08A7-429B-863F-010284A09610}" type="slidenum">
               <a:rPr lang="en-US" smtClean="0"/>
-              <a:t>13</a:t>
+              <a:t>14</a:t>
             </a:fld>
             <a:endParaRPr lang="en-US"/>
           </a:p>
@@ -9654,7 +10133,7 @@
 </p:sld>
 </file>
 
-<file path=ppt/slides/slide14.xml><?xml version="1.0" encoding="utf-8"?>
+<file path=ppt/slides/slide15.xml><?xml version="1.0" encoding="utf-8"?>
 <p:sld xmlns:a="http://schemas.openxmlformats.org/drawingml/2006/main" xmlns:r="http://schemas.openxmlformats.org/officeDocument/2006/relationships" xmlns:p="http://schemas.openxmlformats.org/presentationml/2006/main">
   <p:cSld>
     <p:spTree>
@@ -10537,7 +11016,7 @@
           <a:graphicData uri="http://schemas.openxmlformats.org/presentationml/2006/ole">
             <mc:AlternateContent xmlns:mc="http://schemas.openxmlformats.org/markup-compatibility/2006">
               <mc:Choice xmlns:v="urn:schemas-microsoft-com:vml" Requires="v">
-                <p:oleObj spid="_x0000_s22565" name="Equation" r:id="rId4" imgW="672840" imgH="672840" progId="Equation.DSMT4">
+                <p:oleObj spid="_x0000_s22581" name="Equation" r:id="rId4" imgW="672840" imgH="672840" progId="Equation.DSMT4">
                   <p:embed/>
                 </p:oleObj>
               </mc:Choice>
@@ -10589,7 +11068,7 @@
           <a:p>
             <a:fld id="{19892AFD-08A7-429B-863F-010284A09610}" type="slidenum">
               <a:rPr lang="en-US" smtClean="0"/>
-              <a:t>14</a:t>
+              <a:t>15</a:t>
             </a:fld>
             <a:endParaRPr lang="en-US"/>
           </a:p>
@@ -10599,880 +11078,6 @@
     <p:extLst>
       <p:ext uri="{BB962C8B-B14F-4D97-AF65-F5344CB8AC3E}">
         <p14:creationId xmlns:p14="http://schemas.microsoft.com/office/powerpoint/2010/main" val="3402957050"/>
-      </p:ext>
-    </p:extLst>
-  </p:cSld>
-  <p:clrMapOvr>
-    <a:masterClrMapping/>
-  </p:clrMapOvr>
-  <p:transition xmlns:p14="http://schemas.microsoft.com/office/powerpoint/2010/main"/>
-</p:sld>
-</file>
-
-<file path=ppt/slides/slide15.xml><?xml version="1.0" encoding="utf-8"?>
-<p:sld xmlns:a="http://schemas.openxmlformats.org/drawingml/2006/main" xmlns:r="http://schemas.openxmlformats.org/officeDocument/2006/relationships" xmlns:p="http://schemas.openxmlformats.org/presentationml/2006/main">
-  <p:cSld>
-    <p:spTree>
-      <p:nvGrpSpPr>
-        <p:cNvPr id="1" name=""/>
-        <p:cNvGrpSpPr/>
-        <p:nvPr/>
-      </p:nvGrpSpPr>
-      <p:grpSpPr>
-        <a:xfrm>
-          <a:off x="0" y="0"/>
-          <a:ext cx="0" cy="0"/>
-          <a:chOff x="0" y="0"/>
-          <a:chExt cx="0" cy="0"/>
-        </a:xfrm>
-      </p:grpSpPr>
-      <p:sp>
-        <p:nvSpPr>
-          <p:cNvPr id="25602" name="Rectangle 3"/>
-          <p:cNvSpPr>
-            <a:spLocks noGrp="1" noChangeArrowheads="1"/>
-          </p:cNvSpPr>
-          <p:nvPr>
-            <p:ph type="body" idx="4294967295"/>
-          </p:nvPr>
-        </p:nvSpPr>
-        <p:spPr>
-          <a:xfrm>
-            <a:off x="381000" y="2057400"/>
-            <a:ext cx="8458200" cy="2514600"/>
-          </a:xfrm>
-        </p:spPr>
-        <p:txBody>
-          <a:bodyPr>
-            <a:normAutofit lnSpcReduction="10000"/>
-          </a:bodyPr>
-          <a:lstStyle/>
-          <a:p>
-            <a:pPr marL="623888" indent="-514350" eaLnBrk="1" hangingPunct="1">
-              <a:lnSpc>
-                <a:spcPct val="90000"/>
-              </a:lnSpc>
-              <a:buFont typeface="Wingdings 3" pitchFamily="18" charset="2"/>
-              <a:buAutoNum type="arabicPeriod"/>
-            </a:pPr>
-            <a:r>
-              <a:rPr lang="en-US" altLang="zh-CN" sz="2800" dirty="0">
-                <a:latin typeface="Palatino Linotype" pitchFamily="18" charset="0"/>
-              </a:rPr>
-              <a:t>The difference scores on the dependent variable are measured independently.</a:t>
-            </a:r>
-          </a:p>
-          <a:p>
-            <a:pPr marL="623888" indent="-514350" eaLnBrk="1" hangingPunct="1">
-              <a:lnSpc>
-                <a:spcPct val="90000"/>
-              </a:lnSpc>
-              <a:buFont typeface="Arial" charset="0"/>
-              <a:buNone/>
-            </a:pPr>
-            <a:endParaRPr lang="en-US" altLang="zh-CN" sz="2800" dirty="0">
-              <a:latin typeface="Palatino Linotype" pitchFamily="18" charset="0"/>
-            </a:endParaRPr>
-          </a:p>
-          <a:p>
-            <a:pPr marL="623888" indent="-514350" eaLnBrk="1" hangingPunct="1">
-              <a:lnSpc>
-                <a:spcPct val="90000"/>
-              </a:lnSpc>
-              <a:buFont typeface="Arial" charset="0"/>
-              <a:buNone/>
-            </a:pPr>
-            <a:r>
-              <a:rPr lang="en-US" altLang="zh-CN" sz="2800" dirty="0">
-                <a:latin typeface="Palatino Linotype" pitchFamily="18" charset="0"/>
-              </a:rPr>
-              <a:t>2. The population of difference scores is normally distributed</a:t>
-            </a:r>
-          </a:p>
-          <a:p>
-            <a:pPr marL="623888" indent="-514350" eaLnBrk="1" hangingPunct="1">
-              <a:lnSpc>
-                <a:spcPct val="90000"/>
-              </a:lnSpc>
-              <a:buFont typeface="Wingdings 3" pitchFamily="18" charset="2"/>
-              <a:buNone/>
-            </a:pPr>
-            <a:r>
-              <a:rPr lang="en-US" altLang="zh-CN" sz="2800" dirty="0">
-                <a:solidFill>
-                  <a:schemeClr val="tx2"/>
-                </a:solidFill>
-                <a:latin typeface="Palatino Linotype" pitchFamily="18" charset="0"/>
-              </a:rPr>
-              <a:t>	</a:t>
-            </a:r>
-            <a:endParaRPr lang="en-US" altLang="zh-CN" sz="2800" dirty="0">
-              <a:latin typeface="Palatino Linotype" pitchFamily="18" charset="0"/>
-            </a:endParaRPr>
-          </a:p>
-        </p:txBody>
-      </p:sp>
-      <p:sp>
-        <p:nvSpPr>
-          <p:cNvPr id="25604" name="Text Box 6"/>
-          <p:cNvSpPr txBox="1">
-            <a:spLocks noChangeArrowheads="1"/>
-          </p:cNvSpPr>
-          <p:nvPr/>
-        </p:nvSpPr>
-        <p:spPr bwMode="auto">
-          <a:xfrm>
-            <a:off x="228600" y="228600"/>
-            <a:ext cx="8382000" cy="1200329"/>
-          </a:xfrm>
-          <a:prstGeom prst="rect">
-            <a:avLst/>
-          </a:prstGeom>
-          <a:noFill/>
-          <a:ln>
-            <a:noFill/>
-          </a:ln>
-          <a:extLst>
-            <a:ext uri="{909E8E84-426E-40dd-AFC4-6F175D3DCCD1}">
-              <a14:hiddenFill xmlns:a14="http://schemas.microsoft.com/office/drawing/2010/main">
-                <a:solidFill>
-                  <a:srgbClr val="FFFFFF"/>
-                </a:solidFill>
-              </a14:hiddenFill>
-            </a:ext>
-            <a:ext uri="{91240B29-F687-4f45-9708-019B960494DF}">
-              <a14:hiddenLine xmlns:a14="http://schemas.microsoft.com/office/drawing/2010/main" w="9525" algn="ctr">
-                <a:solidFill>
-                  <a:srgbClr val="000000"/>
-                </a:solidFill>
-                <a:miter lim="800000"/>
-                <a:headEnd/>
-                <a:tailEnd/>
-              </a14:hiddenLine>
-            </a:ext>
-          </a:extLst>
-        </p:spPr>
-        <p:txBody>
-          <a:bodyPr>
-            <a:spAutoFit/>
-          </a:bodyPr>
-          <a:lstStyle>
-            <a:lvl1pPr eaLnBrk="0" hangingPunct="0">
-              <a:defRPr>
-                <a:solidFill>
-                  <a:schemeClr val="tx1"/>
-                </a:solidFill>
-                <a:latin typeface="Arial" charset="0"/>
-              </a:defRPr>
-            </a:lvl1pPr>
-            <a:lvl2pPr marL="742950" indent="-285750" eaLnBrk="0" hangingPunct="0">
-              <a:defRPr>
-                <a:solidFill>
-                  <a:schemeClr val="tx1"/>
-                </a:solidFill>
-                <a:latin typeface="Arial" charset="0"/>
-              </a:defRPr>
-            </a:lvl2pPr>
-            <a:lvl3pPr marL="1143000" indent="-228600" eaLnBrk="0" hangingPunct="0">
-              <a:defRPr>
-                <a:solidFill>
-                  <a:schemeClr val="tx1"/>
-                </a:solidFill>
-                <a:latin typeface="Arial" charset="0"/>
-              </a:defRPr>
-            </a:lvl3pPr>
-            <a:lvl4pPr marL="1600200" indent="-228600" eaLnBrk="0" hangingPunct="0">
-              <a:defRPr>
-                <a:solidFill>
-                  <a:schemeClr val="tx1"/>
-                </a:solidFill>
-                <a:latin typeface="Arial" charset="0"/>
-              </a:defRPr>
-            </a:lvl4pPr>
-            <a:lvl5pPr marL="2057400" indent="-228600" eaLnBrk="0" hangingPunct="0">
-              <a:defRPr>
-                <a:solidFill>
-                  <a:schemeClr val="tx1"/>
-                </a:solidFill>
-                <a:latin typeface="Arial" charset="0"/>
-              </a:defRPr>
-            </a:lvl5pPr>
-            <a:lvl6pPr marL="2514600" indent="-228600" eaLnBrk="0" fontAlgn="base" hangingPunct="0">
-              <a:spcBef>
-                <a:spcPct val="0"/>
-              </a:spcBef>
-              <a:spcAft>
-                <a:spcPct val="0"/>
-              </a:spcAft>
-              <a:defRPr>
-                <a:solidFill>
-                  <a:schemeClr val="tx1"/>
-                </a:solidFill>
-                <a:latin typeface="Arial" charset="0"/>
-              </a:defRPr>
-            </a:lvl6pPr>
-            <a:lvl7pPr marL="2971800" indent="-228600" eaLnBrk="0" fontAlgn="base" hangingPunct="0">
-              <a:spcBef>
-                <a:spcPct val="0"/>
-              </a:spcBef>
-              <a:spcAft>
-                <a:spcPct val="0"/>
-              </a:spcAft>
-              <a:defRPr>
-                <a:solidFill>
-                  <a:schemeClr val="tx1"/>
-                </a:solidFill>
-                <a:latin typeface="Arial" charset="0"/>
-              </a:defRPr>
-            </a:lvl7pPr>
-            <a:lvl8pPr marL="3429000" indent="-228600" eaLnBrk="0" fontAlgn="base" hangingPunct="0">
-              <a:spcBef>
-                <a:spcPct val="0"/>
-              </a:spcBef>
-              <a:spcAft>
-                <a:spcPct val="0"/>
-              </a:spcAft>
-              <a:defRPr>
-                <a:solidFill>
-                  <a:schemeClr val="tx1"/>
-                </a:solidFill>
-                <a:latin typeface="Arial" charset="0"/>
-              </a:defRPr>
-            </a:lvl8pPr>
-            <a:lvl9pPr marL="3886200" indent="-228600" eaLnBrk="0" fontAlgn="base" hangingPunct="0">
-              <a:spcBef>
-                <a:spcPct val="0"/>
-              </a:spcBef>
-              <a:spcAft>
-                <a:spcPct val="0"/>
-              </a:spcAft>
-              <a:defRPr>
-                <a:solidFill>
-                  <a:schemeClr val="tx1"/>
-                </a:solidFill>
-                <a:latin typeface="Arial" charset="0"/>
-              </a:defRPr>
-            </a:lvl9pPr>
-          </a:lstStyle>
-          <a:p>
-            <a:pPr algn="ctr" eaLnBrk="1" hangingPunct="1">
-              <a:spcBef>
-                <a:spcPct val="50000"/>
-              </a:spcBef>
-            </a:pPr>
-            <a:r>
-              <a:rPr lang="en-US" altLang="zh-CN" sz="3600" b="1" dirty="0">
-                <a:solidFill>
-                  <a:srgbClr val="000099"/>
-                </a:solidFill>
-                <a:latin typeface="Palatino Linotype" pitchFamily="18" charset="0"/>
-                <a:ea typeface="Cambria Math" pitchFamily="18" charset="0"/>
-                <a:cs typeface="+mj-cs"/>
-              </a:rPr>
-              <a:t>Underlying assumptions for the Two Sample t Test for Dependent Groups</a:t>
-            </a:r>
-          </a:p>
-        </p:txBody>
-      </p:sp>
-      <p:sp>
-        <p:nvSpPr>
-          <p:cNvPr id="25605" name="Rectangle 5"/>
-          <p:cNvSpPr>
-            <a:spLocks noChangeArrowheads="1"/>
-          </p:cNvSpPr>
-          <p:nvPr/>
-        </p:nvSpPr>
-        <p:spPr bwMode="auto">
-          <a:xfrm>
-            <a:off x="0" y="3153847"/>
-            <a:ext cx="184731" cy="369332"/>
-          </a:xfrm>
-          <a:prstGeom prst="rect">
-            <a:avLst/>
-          </a:prstGeom>
-          <a:noFill/>
-          <a:ln>
-            <a:noFill/>
-          </a:ln>
-          <a:extLst>
-            <a:ext uri="{909E8E84-426E-40dd-AFC4-6F175D3DCCD1}">
-              <a14:hiddenFill xmlns:a14="http://schemas.microsoft.com/office/drawing/2010/main">
-                <a:solidFill>
-                  <a:srgbClr val="FFFFFF"/>
-                </a:solidFill>
-              </a14:hiddenFill>
-            </a:ext>
-            <a:ext uri="{91240B29-F687-4f45-9708-019B960494DF}">
-              <a14:hiddenLine xmlns:a14="http://schemas.microsoft.com/office/drawing/2010/main" w="9525" algn="ctr">
-                <a:solidFill>
-                  <a:srgbClr val="000000"/>
-                </a:solidFill>
-                <a:miter lim="800000"/>
-                <a:headEnd/>
-                <a:tailEnd/>
-              </a14:hiddenLine>
-            </a:ext>
-          </a:extLst>
-        </p:spPr>
-        <p:txBody>
-          <a:bodyPr wrap="none" anchor="ctr">
-            <a:spAutoFit/>
-          </a:bodyPr>
-          <a:lstStyle/>
-          <a:p>
-            <a:endParaRPr lang="en-US">
-              <a:latin typeface="Palatino Linotype" pitchFamily="18" charset="0"/>
-            </a:endParaRPr>
-          </a:p>
-        </p:txBody>
-      </p:sp>
-      <p:sp>
-        <p:nvSpPr>
-          <p:cNvPr id="25606" name="Rectangle 6"/>
-          <p:cNvSpPr>
-            <a:spLocks noChangeArrowheads="1"/>
-          </p:cNvSpPr>
-          <p:nvPr/>
-        </p:nvSpPr>
-        <p:spPr bwMode="auto">
-          <a:xfrm>
-            <a:off x="0" y="-184666"/>
-            <a:ext cx="184731" cy="369332"/>
-          </a:xfrm>
-          <a:prstGeom prst="rect">
-            <a:avLst/>
-          </a:prstGeom>
-          <a:noFill/>
-          <a:ln>
-            <a:noFill/>
-          </a:ln>
-          <a:extLst>
-            <a:ext uri="{909E8E84-426E-40dd-AFC4-6F175D3DCCD1}">
-              <a14:hiddenFill xmlns:a14="http://schemas.microsoft.com/office/drawing/2010/main">
-                <a:solidFill>
-                  <a:srgbClr val="FFFFFF"/>
-                </a:solidFill>
-              </a14:hiddenFill>
-            </a:ext>
-            <a:ext uri="{91240B29-F687-4f45-9708-019B960494DF}">
-              <a14:hiddenLine xmlns:a14="http://schemas.microsoft.com/office/drawing/2010/main" w="9525" algn="ctr">
-                <a:solidFill>
-                  <a:srgbClr val="000000"/>
-                </a:solidFill>
-                <a:miter lim="800000"/>
-                <a:headEnd/>
-                <a:tailEnd/>
-              </a14:hiddenLine>
-            </a:ext>
-          </a:extLst>
-        </p:spPr>
-        <p:txBody>
-          <a:bodyPr wrap="none" anchor="ctr">
-            <a:spAutoFit/>
-          </a:bodyPr>
-          <a:lstStyle/>
-          <a:p>
-            <a:endParaRPr lang="en-US">
-              <a:latin typeface="Palatino Linotype" pitchFamily="18" charset="0"/>
-            </a:endParaRPr>
-          </a:p>
-        </p:txBody>
-      </p:sp>
-      <p:sp>
-        <p:nvSpPr>
-          <p:cNvPr id="25607" name="Rectangle 7"/>
-          <p:cNvSpPr>
-            <a:spLocks noChangeArrowheads="1"/>
-          </p:cNvSpPr>
-          <p:nvPr/>
-        </p:nvSpPr>
-        <p:spPr bwMode="auto">
-          <a:xfrm>
-            <a:off x="0" y="3149084"/>
-            <a:ext cx="184731" cy="369332"/>
-          </a:xfrm>
-          <a:prstGeom prst="rect">
-            <a:avLst/>
-          </a:prstGeom>
-          <a:noFill/>
-          <a:ln>
-            <a:noFill/>
-          </a:ln>
-          <a:extLst>
-            <a:ext uri="{909E8E84-426E-40dd-AFC4-6F175D3DCCD1}">
-              <a14:hiddenFill xmlns:a14="http://schemas.microsoft.com/office/drawing/2010/main">
-                <a:solidFill>
-                  <a:srgbClr val="FFFFFF"/>
-                </a:solidFill>
-              </a14:hiddenFill>
-            </a:ext>
-            <a:ext uri="{91240B29-F687-4f45-9708-019B960494DF}">
-              <a14:hiddenLine xmlns:a14="http://schemas.microsoft.com/office/drawing/2010/main" w="9525" algn="ctr">
-                <a:solidFill>
-                  <a:srgbClr val="000000"/>
-                </a:solidFill>
-                <a:miter lim="800000"/>
-                <a:headEnd/>
-                <a:tailEnd/>
-              </a14:hiddenLine>
-            </a:ext>
-          </a:extLst>
-        </p:spPr>
-        <p:txBody>
-          <a:bodyPr wrap="none" anchor="ctr">
-            <a:spAutoFit/>
-          </a:bodyPr>
-          <a:lstStyle/>
-          <a:p>
-            <a:endParaRPr lang="en-US">
-              <a:latin typeface="Palatino Linotype" pitchFamily="18" charset="0"/>
-            </a:endParaRPr>
-          </a:p>
-        </p:txBody>
-      </p:sp>
-      <p:sp>
-        <p:nvSpPr>
-          <p:cNvPr id="25608" name="Rectangle 8"/>
-          <p:cNvSpPr>
-            <a:spLocks noChangeArrowheads="1"/>
-          </p:cNvSpPr>
-          <p:nvPr/>
-        </p:nvSpPr>
-        <p:spPr bwMode="auto">
-          <a:xfrm>
-            <a:off x="0" y="-184666"/>
-            <a:ext cx="184731" cy="369332"/>
-          </a:xfrm>
-          <a:prstGeom prst="rect">
-            <a:avLst/>
-          </a:prstGeom>
-          <a:noFill/>
-          <a:ln>
-            <a:noFill/>
-          </a:ln>
-          <a:extLst>
-            <a:ext uri="{909E8E84-426E-40dd-AFC4-6F175D3DCCD1}">
-              <a14:hiddenFill xmlns:a14="http://schemas.microsoft.com/office/drawing/2010/main">
-                <a:solidFill>
-                  <a:srgbClr val="FFFFFF"/>
-                </a:solidFill>
-              </a14:hiddenFill>
-            </a:ext>
-            <a:ext uri="{91240B29-F687-4f45-9708-019B960494DF}">
-              <a14:hiddenLine xmlns:a14="http://schemas.microsoft.com/office/drawing/2010/main" w="9525" algn="ctr">
-                <a:solidFill>
-                  <a:srgbClr val="000000"/>
-                </a:solidFill>
-                <a:miter lim="800000"/>
-                <a:headEnd/>
-                <a:tailEnd/>
-              </a14:hiddenLine>
-            </a:ext>
-          </a:extLst>
-        </p:spPr>
-        <p:txBody>
-          <a:bodyPr wrap="none" anchor="ctr">
-            <a:spAutoFit/>
-          </a:bodyPr>
-          <a:lstStyle/>
-          <a:p>
-            <a:endParaRPr lang="en-US">
-              <a:latin typeface="Palatino Linotype" pitchFamily="18" charset="0"/>
-            </a:endParaRPr>
-          </a:p>
-        </p:txBody>
-      </p:sp>
-      <p:sp>
-        <p:nvSpPr>
-          <p:cNvPr id="25609" name="Rectangle 9"/>
-          <p:cNvSpPr>
-            <a:spLocks noChangeArrowheads="1"/>
-          </p:cNvSpPr>
-          <p:nvPr/>
-        </p:nvSpPr>
-        <p:spPr bwMode="auto">
-          <a:xfrm>
-            <a:off x="0" y="-184666"/>
-            <a:ext cx="184731" cy="369332"/>
-          </a:xfrm>
-          <a:prstGeom prst="rect">
-            <a:avLst/>
-          </a:prstGeom>
-          <a:noFill/>
-          <a:ln>
-            <a:noFill/>
-          </a:ln>
-          <a:extLst>
-            <a:ext uri="{909E8E84-426E-40dd-AFC4-6F175D3DCCD1}">
-              <a14:hiddenFill xmlns:a14="http://schemas.microsoft.com/office/drawing/2010/main">
-                <a:solidFill>
-                  <a:srgbClr val="FFFFFF"/>
-                </a:solidFill>
-              </a14:hiddenFill>
-            </a:ext>
-            <a:ext uri="{91240B29-F687-4f45-9708-019B960494DF}">
-              <a14:hiddenLine xmlns:a14="http://schemas.microsoft.com/office/drawing/2010/main" w="9525" algn="ctr">
-                <a:solidFill>
-                  <a:srgbClr val="000000"/>
-                </a:solidFill>
-                <a:miter lim="800000"/>
-                <a:headEnd/>
-                <a:tailEnd/>
-              </a14:hiddenLine>
-            </a:ext>
-          </a:extLst>
-        </p:spPr>
-        <p:txBody>
-          <a:bodyPr wrap="none" anchor="ctr">
-            <a:spAutoFit/>
-          </a:bodyPr>
-          <a:lstStyle/>
-          <a:p>
-            <a:endParaRPr lang="en-US">
-              <a:latin typeface="Palatino Linotype" pitchFamily="18" charset="0"/>
-            </a:endParaRPr>
-          </a:p>
-        </p:txBody>
-      </p:sp>
-      <p:sp>
-        <p:nvSpPr>
-          <p:cNvPr id="25610" name="Rectangle 10"/>
-          <p:cNvSpPr>
-            <a:spLocks noChangeArrowheads="1"/>
-          </p:cNvSpPr>
-          <p:nvPr/>
-        </p:nvSpPr>
-        <p:spPr bwMode="auto">
-          <a:xfrm>
-            <a:off x="0" y="3015734"/>
-            <a:ext cx="184731" cy="369332"/>
-          </a:xfrm>
-          <a:prstGeom prst="rect">
-            <a:avLst/>
-          </a:prstGeom>
-          <a:noFill/>
-          <a:ln>
-            <a:noFill/>
-          </a:ln>
-          <a:extLst>
-            <a:ext uri="{909E8E84-426E-40dd-AFC4-6F175D3DCCD1}">
-              <a14:hiddenFill xmlns:a14="http://schemas.microsoft.com/office/drawing/2010/main">
-                <a:solidFill>
-                  <a:srgbClr val="FFFFFF"/>
-                </a:solidFill>
-              </a14:hiddenFill>
-            </a:ext>
-            <a:ext uri="{91240B29-F687-4f45-9708-019B960494DF}">
-              <a14:hiddenLine xmlns:a14="http://schemas.microsoft.com/office/drawing/2010/main" w="9525" algn="ctr">
-                <a:solidFill>
-                  <a:srgbClr val="000000"/>
-                </a:solidFill>
-                <a:miter lim="800000"/>
-                <a:headEnd/>
-                <a:tailEnd/>
-              </a14:hiddenLine>
-            </a:ext>
-          </a:extLst>
-        </p:spPr>
-        <p:txBody>
-          <a:bodyPr wrap="none" anchor="ctr">
-            <a:spAutoFit/>
-          </a:bodyPr>
-          <a:lstStyle/>
-          <a:p>
-            <a:endParaRPr lang="en-US">
-              <a:latin typeface="Palatino Linotype" pitchFamily="18" charset="0"/>
-            </a:endParaRPr>
-          </a:p>
-        </p:txBody>
-      </p:sp>
-      <p:sp>
-        <p:nvSpPr>
-          <p:cNvPr id="25611" name="Rectangle 11"/>
-          <p:cNvSpPr>
-            <a:spLocks noChangeArrowheads="1"/>
-          </p:cNvSpPr>
-          <p:nvPr/>
-        </p:nvSpPr>
-        <p:spPr bwMode="auto">
-          <a:xfrm>
-            <a:off x="0" y="-184666"/>
-            <a:ext cx="184731" cy="369332"/>
-          </a:xfrm>
-          <a:prstGeom prst="rect">
-            <a:avLst/>
-          </a:prstGeom>
-          <a:noFill/>
-          <a:ln>
-            <a:noFill/>
-          </a:ln>
-          <a:extLst>
-            <a:ext uri="{909E8E84-426E-40dd-AFC4-6F175D3DCCD1}">
-              <a14:hiddenFill xmlns:a14="http://schemas.microsoft.com/office/drawing/2010/main">
-                <a:solidFill>
-                  <a:srgbClr val="FFFFFF"/>
-                </a:solidFill>
-              </a14:hiddenFill>
-            </a:ext>
-            <a:ext uri="{91240B29-F687-4f45-9708-019B960494DF}">
-              <a14:hiddenLine xmlns:a14="http://schemas.microsoft.com/office/drawing/2010/main" w="9525" algn="ctr">
-                <a:solidFill>
-                  <a:srgbClr val="000000"/>
-                </a:solidFill>
-                <a:miter lim="800000"/>
-                <a:headEnd/>
-                <a:tailEnd/>
-              </a14:hiddenLine>
-            </a:ext>
-          </a:extLst>
-        </p:spPr>
-        <p:txBody>
-          <a:bodyPr wrap="none" anchor="ctr">
-            <a:spAutoFit/>
-          </a:bodyPr>
-          <a:lstStyle/>
-          <a:p>
-            <a:endParaRPr lang="en-US">
-              <a:latin typeface="Palatino Linotype" pitchFamily="18" charset="0"/>
-            </a:endParaRPr>
-          </a:p>
-        </p:txBody>
-      </p:sp>
-      <p:sp>
-        <p:nvSpPr>
-          <p:cNvPr id="25612" name="Rectangle 12"/>
-          <p:cNvSpPr>
-            <a:spLocks noChangeArrowheads="1"/>
-          </p:cNvSpPr>
-          <p:nvPr/>
-        </p:nvSpPr>
-        <p:spPr bwMode="auto">
-          <a:xfrm>
-            <a:off x="0" y="2939534"/>
-            <a:ext cx="184731" cy="369332"/>
-          </a:xfrm>
-          <a:prstGeom prst="rect">
-            <a:avLst/>
-          </a:prstGeom>
-          <a:noFill/>
-          <a:ln>
-            <a:noFill/>
-          </a:ln>
-          <a:extLst>
-            <a:ext uri="{909E8E84-426E-40dd-AFC4-6F175D3DCCD1}">
-              <a14:hiddenFill xmlns:a14="http://schemas.microsoft.com/office/drawing/2010/main">
-                <a:solidFill>
-                  <a:srgbClr val="FFFFFF"/>
-                </a:solidFill>
-              </a14:hiddenFill>
-            </a:ext>
-            <a:ext uri="{91240B29-F687-4f45-9708-019B960494DF}">
-              <a14:hiddenLine xmlns:a14="http://schemas.microsoft.com/office/drawing/2010/main" w="9525" algn="ctr">
-                <a:solidFill>
-                  <a:srgbClr val="000000"/>
-                </a:solidFill>
-                <a:miter lim="800000"/>
-                <a:headEnd/>
-                <a:tailEnd/>
-              </a14:hiddenLine>
-            </a:ext>
-          </a:extLst>
-        </p:spPr>
-        <p:txBody>
-          <a:bodyPr wrap="none" anchor="ctr">
-            <a:spAutoFit/>
-          </a:bodyPr>
-          <a:lstStyle/>
-          <a:p>
-            <a:endParaRPr lang="en-US">
-              <a:latin typeface="Palatino Linotype" pitchFamily="18" charset="0"/>
-            </a:endParaRPr>
-          </a:p>
-        </p:txBody>
-      </p:sp>
-      <p:sp>
-        <p:nvSpPr>
-          <p:cNvPr id="25613" name="Rectangle 13"/>
-          <p:cNvSpPr>
-            <a:spLocks noChangeArrowheads="1"/>
-          </p:cNvSpPr>
-          <p:nvPr/>
-        </p:nvSpPr>
-        <p:spPr bwMode="auto">
-          <a:xfrm>
-            <a:off x="0" y="2982397"/>
-            <a:ext cx="184731" cy="369332"/>
-          </a:xfrm>
-          <a:prstGeom prst="rect">
-            <a:avLst/>
-          </a:prstGeom>
-          <a:noFill/>
-          <a:ln>
-            <a:noFill/>
-          </a:ln>
-          <a:extLst>
-            <a:ext uri="{909E8E84-426E-40dd-AFC4-6F175D3DCCD1}">
-              <a14:hiddenFill xmlns:a14="http://schemas.microsoft.com/office/drawing/2010/main">
-                <a:solidFill>
-                  <a:srgbClr val="FFFFFF"/>
-                </a:solidFill>
-              </a14:hiddenFill>
-            </a:ext>
-            <a:ext uri="{91240B29-F687-4f45-9708-019B960494DF}">
-              <a14:hiddenLine xmlns:a14="http://schemas.microsoft.com/office/drawing/2010/main" w="9525" algn="ctr">
-                <a:solidFill>
-                  <a:srgbClr val="000000"/>
-                </a:solidFill>
-                <a:miter lim="800000"/>
-                <a:headEnd/>
-                <a:tailEnd/>
-              </a14:hiddenLine>
-            </a:ext>
-          </a:extLst>
-        </p:spPr>
-        <p:txBody>
-          <a:bodyPr wrap="none" anchor="ctr">
-            <a:spAutoFit/>
-          </a:bodyPr>
-          <a:lstStyle/>
-          <a:p>
-            <a:endParaRPr lang="en-US">
-              <a:latin typeface="Palatino Linotype" pitchFamily="18" charset="0"/>
-            </a:endParaRPr>
-          </a:p>
-        </p:txBody>
-      </p:sp>
-      <p:sp>
-        <p:nvSpPr>
-          <p:cNvPr id="25614" name="Rectangle 14"/>
-          <p:cNvSpPr>
-            <a:spLocks noChangeArrowheads="1"/>
-          </p:cNvSpPr>
-          <p:nvPr/>
-        </p:nvSpPr>
-        <p:spPr bwMode="auto">
-          <a:xfrm>
-            <a:off x="0" y="-184666"/>
-            <a:ext cx="184731" cy="369332"/>
-          </a:xfrm>
-          <a:prstGeom prst="rect">
-            <a:avLst/>
-          </a:prstGeom>
-          <a:noFill/>
-          <a:ln>
-            <a:noFill/>
-          </a:ln>
-          <a:extLst>
-            <a:ext uri="{909E8E84-426E-40dd-AFC4-6F175D3DCCD1}">
-              <a14:hiddenFill xmlns:a14="http://schemas.microsoft.com/office/drawing/2010/main">
-                <a:solidFill>
-                  <a:srgbClr val="FFFFFF"/>
-                </a:solidFill>
-              </a14:hiddenFill>
-            </a:ext>
-            <a:ext uri="{91240B29-F687-4f45-9708-019B960494DF}">
-              <a14:hiddenLine xmlns:a14="http://schemas.microsoft.com/office/drawing/2010/main" w="9525" algn="ctr">
-                <a:solidFill>
-                  <a:srgbClr val="000000"/>
-                </a:solidFill>
-                <a:miter lim="800000"/>
-                <a:headEnd/>
-                <a:tailEnd/>
-              </a14:hiddenLine>
-            </a:ext>
-          </a:extLst>
-        </p:spPr>
-        <p:txBody>
-          <a:bodyPr wrap="none" anchor="ctr">
-            <a:spAutoFit/>
-          </a:bodyPr>
-          <a:lstStyle/>
-          <a:p>
-            <a:endParaRPr lang="en-US">
-              <a:latin typeface="Palatino Linotype" pitchFamily="18" charset="0"/>
-            </a:endParaRPr>
-          </a:p>
-        </p:txBody>
-      </p:sp>
-      <p:sp>
-        <p:nvSpPr>
-          <p:cNvPr id="25615" name="Rectangle 17"/>
-          <p:cNvSpPr>
-            <a:spLocks noChangeArrowheads="1"/>
-          </p:cNvSpPr>
-          <p:nvPr/>
-        </p:nvSpPr>
-        <p:spPr bwMode="auto">
-          <a:xfrm>
-            <a:off x="0" y="-184666"/>
-            <a:ext cx="184731" cy="369332"/>
-          </a:xfrm>
-          <a:prstGeom prst="rect">
-            <a:avLst/>
-          </a:prstGeom>
-          <a:noFill/>
-          <a:ln>
-            <a:noFill/>
-          </a:ln>
-          <a:extLst>
-            <a:ext uri="{909E8E84-426E-40dd-AFC4-6F175D3DCCD1}">
-              <a14:hiddenFill xmlns:a14="http://schemas.microsoft.com/office/drawing/2010/main">
-                <a:solidFill>
-                  <a:srgbClr val="FFFFFF"/>
-                </a:solidFill>
-              </a14:hiddenFill>
-            </a:ext>
-            <a:ext uri="{91240B29-F687-4f45-9708-019B960494DF}">
-              <a14:hiddenLine xmlns:a14="http://schemas.microsoft.com/office/drawing/2010/main" w="9525" algn="ctr">
-                <a:solidFill>
-                  <a:srgbClr val="000000"/>
-                </a:solidFill>
-                <a:miter lim="800000"/>
-                <a:headEnd/>
-                <a:tailEnd/>
-              </a14:hiddenLine>
-            </a:ext>
-          </a:extLst>
-        </p:spPr>
-        <p:txBody>
-          <a:bodyPr wrap="none" anchor="ctr">
-            <a:spAutoFit/>
-          </a:bodyPr>
-          <a:lstStyle/>
-          <a:p>
-            <a:endParaRPr lang="en-US">
-              <a:latin typeface="Palatino Linotype" pitchFamily="18" charset="0"/>
-            </a:endParaRPr>
-          </a:p>
-        </p:txBody>
-      </p:sp>
-      <p:sp>
-        <p:nvSpPr>
-          <p:cNvPr id="2" name="Slide Number Placeholder 1"/>
-          <p:cNvSpPr>
-            <a:spLocks noGrp="1"/>
-          </p:cNvSpPr>
-          <p:nvPr>
-            <p:ph type="sldNum" sz="quarter" idx="12"/>
-          </p:nvPr>
-        </p:nvSpPr>
-        <p:spPr/>
-        <p:txBody>
-          <a:bodyPr/>
-          <a:lstStyle/>
-          <a:p>
-            <a:fld id="{19892AFD-08A7-429B-863F-010284A09610}" type="slidenum">
-              <a:rPr lang="en-US" smtClean="0"/>
-              <a:t>15</a:t>
-            </a:fld>
-            <a:endParaRPr lang="en-US"/>
-          </a:p>
-        </p:txBody>
-      </p:sp>
-    </p:spTree>
-    <p:extLst>
-      <p:ext uri="{BB962C8B-B14F-4D97-AF65-F5344CB8AC3E}">
-        <p14:creationId xmlns:p14="http://schemas.microsoft.com/office/powerpoint/2010/main" val="4092999270"/>
       </p:ext>
     </p:extLst>
   </p:cSld>
@@ -11502,7 +11107,7 @@
       </p:grpSpPr>
       <p:sp>
         <p:nvSpPr>
-          <p:cNvPr id="809986" name="Rectangle 3"/>
+          <p:cNvPr id="25602" name="Rectangle 3"/>
           <p:cNvSpPr>
             <a:spLocks noGrp="1" noChangeArrowheads="1"/>
           </p:cNvSpPr>
@@ -11512,47 +11117,67 @@
         </p:nvSpPr>
         <p:spPr>
           <a:xfrm>
-            <a:off x="457200" y="1524000"/>
-            <a:ext cx="8458200" cy="4343400"/>
+            <a:off x="381000" y="2057400"/>
+            <a:ext cx="8458200" cy="2514600"/>
           </a:xfrm>
         </p:spPr>
         <p:txBody>
-          <a:bodyPr rtlCol="0">
-            <a:noAutofit/>
+          <a:bodyPr>
+            <a:normAutofit lnSpcReduction="10000"/>
           </a:bodyPr>
           <a:lstStyle/>
           <a:p>
-            <a:pPr marL="457200" lvl="1" indent="0" eaLnBrk="1" fontAlgn="auto" hangingPunct="1">
+            <a:pPr marL="623888" indent="-514350" eaLnBrk="1" hangingPunct="1">
               <a:lnSpc>
                 <a:spcPct val="90000"/>
               </a:lnSpc>
-              <a:spcAft>
-                <a:spcPts val="0"/>
-              </a:spcAft>
-              <a:buNone/>
-              <a:defRPr/>
+              <a:buFont typeface="Wingdings 3" pitchFamily="18" charset="2"/>
+              <a:buAutoNum type="arabicPeriod"/>
             </a:pPr>
             <a:r>
-              <a:rPr lang="en-US" altLang="zh-CN" sz="2400" dirty="0">
+              <a:rPr lang="en-US" altLang="zh-CN" sz="2800" dirty="0">
                 <a:latin typeface="Palatino Linotype" pitchFamily="18" charset="0"/>
               </a:rPr>
-              <a:t>Dr. Fredericks believes that environment has an effect on intelligence, specifically, that being raised in an enriched environment results in higher IQ test scores than being raised in an impoverished environment.  He locates 12 pairs of identical twins that have been reared apart, one twin in each pair in an enriched environment and the other in an impoverished environment. He administers a standardized IQ test and obtains the results shown below</a:t>
-            </a:r>
-          </a:p>
-          <a:p>
-            <a:pPr marL="623888" indent="-514350" eaLnBrk="1" fontAlgn="auto" hangingPunct="1">
+              <a:t>The difference scores on the dependent variable are measured independently.</a:t>
+            </a:r>
+          </a:p>
+          <a:p>
+            <a:pPr marL="623888" indent="-514350" eaLnBrk="1" hangingPunct="1">
               <a:lnSpc>
                 <a:spcPct val="90000"/>
               </a:lnSpc>
-              <a:spcAft>
-                <a:spcPts val="0"/>
-              </a:spcAft>
+              <a:buFont typeface="Arial" charset="0"/>
+              <a:buNone/>
+            </a:pPr>
+            <a:endParaRPr lang="en-US" altLang="zh-CN" sz="2800" dirty="0">
+              <a:latin typeface="Palatino Linotype" pitchFamily="18" charset="0"/>
+            </a:endParaRPr>
+          </a:p>
+          <a:p>
+            <a:pPr marL="623888" indent="-514350" eaLnBrk="1" hangingPunct="1">
+              <a:lnSpc>
+                <a:spcPct val="90000"/>
+              </a:lnSpc>
+              <a:buFont typeface="Arial" charset="0"/>
+              <a:buNone/>
+            </a:pPr>
+            <a:r>
+              <a:rPr lang="en-US" altLang="zh-CN" sz="2800" dirty="0">
+                <a:latin typeface="Palatino Linotype" pitchFamily="18" charset="0"/>
+              </a:rPr>
+              <a:t>2. The population of difference scores is normally distributed</a:t>
+            </a:r>
+          </a:p>
+          <a:p>
+            <a:pPr marL="623888" indent="-514350" eaLnBrk="1" hangingPunct="1">
+              <a:lnSpc>
+                <a:spcPct val="90000"/>
+              </a:lnSpc>
               <a:buFont typeface="Wingdings 3" pitchFamily="18" charset="2"/>
               <a:buNone/>
-              <a:defRPr/>
             </a:pPr>
             <a:r>
-              <a:rPr lang="en-US" altLang="zh-CN" sz="2400" dirty="0">
+              <a:rPr lang="en-US" altLang="zh-CN" sz="2800" dirty="0">
                 <a:solidFill>
                   <a:schemeClr val="tx2"/>
                 </a:solidFill>
@@ -11560,12 +11185,15 @@
               </a:rPr>
               <a:t>	</a:t>
             </a:r>
-          </a:p>
-        </p:txBody>
-      </p:sp>
-      <p:sp>
-        <p:nvSpPr>
-          <p:cNvPr id="26628" name="Text Box 6"/>
+            <a:endParaRPr lang="en-US" altLang="zh-CN" sz="2800" dirty="0">
+              <a:latin typeface="Palatino Linotype" pitchFamily="18" charset="0"/>
+            </a:endParaRPr>
+          </a:p>
+        </p:txBody>
+      </p:sp>
+      <p:sp>
+        <p:nvSpPr>
+          <p:cNvPr id="25604" name="Text Box 6"/>
           <p:cNvSpPr txBox="1">
             <a:spLocks noChangeArrowheads="1"/>
           </p:cNvSpPr>
@@ -11573,8 +11201,8 @@
         </p:nvSpPr>
         <p:spPr bwMode="auto">
           <a:xfrm>
-            <a:off x="304800" y="228600"/>
-            <a:ext cx="8382000" cy="646331"/>
+            <a:off x="228600" y="228600"/>
+            <a:ext cx="8382000" cy="1200329"/>
           </a:xfrm>
           <a:prstGeom prst="rect">
             <a:avLst/>
@@ -11720,14 +11348,14 @@
                 <a:ea typeface="Cambria Math" pitchFamily="18" charset="0"/>
                 <a:cs typeface="+mj-cs"/>
               </a:rPr>
-              <a:t>Example</a:t>
-            </a:r>
-          </a:p>
-        </p:txBody>
-      </p:sp>
-      <p:sp>
-        <p:nvSpPr>
-          <p:cNvPr id="26629" name="Rectangle 5"/>
+              <a:t>Underlying assumptions for the Two Sample t Test for Dependent Groups</a:t>
+            </a:r>
+          </a:p>
+        </p:txBody>
+      </p:sp>
+      <p:sp>
+        <p:nvSpPr>
+          <p:cNvPr id="25605" name="Rectangle 5"/>
           <p:cNvSpPr>
             <a:spLocks noChangeArrowheads="1"/>
           </p:cNvSpPr>
@@ -11779,7 +11407,7 @@
       </p:sp>
       <p:sp>
         <p:nvSpPr>
-          <p:cNvPr id="26630" name="Rectangle 6"/>
+          <p:cNvPr id="25606" name="Rectangle 6"/>
           <p:cNvSpPr>
             <a:spLocks noChangeArrowheads="1"/>
           </p:cNvSpPr>
@@ -11831,7 +11459,7 @@
       </p:sp>
       <p:sp>
         <p:nvSpPr>
-          <p:cNvPr id="26631" name="Rectangle 7"/>
+          <p:cNvPr id="25607" name="Rectangle 7"/>
           <p:cNvSpPr>
             <a:spLocks noChangeArrowheads="1"/>
           </p:cNvSpPr>
@@ -11883,7 +11511,7 @@
       </p:sp>
       <p:sp>
         <p:nvSpPr>
-          <p:cNvPr id="26632" name="Rectangle 8"/>
+          <p:cNvPr id="25608" name="Rectangle 8"/>
           <p:cNvSpPr>
             <a:spLocks noChangeArrowheads="1"/>
           </p:cNvSpPr>
@@ -11935,7 +11563,7 @@
       </p:sp>
       <p:sp>
         <p:nvSpPr>
-          <p:cNvPr id="26633" name="Rectangle 9"/>
+          <p:cNvPr id="25609" name="Rectangle 9"/>
           <p:cNvSpPr>
             <a:spLocks noChangeArrowheads="1"/>
           </p:cNvSpPr>
@@ -11987,7 +11615,7 @@
       </p:sp>
       <p:sp>
         <p:nvSpPr>
-          <p:cNvPr id="26634" name="Rectangle 10"/>
+          <p:cNvPr id="25610" name="Rectangle 10"/>
           <p:cNvSpPr>
             <a:spLocks noChangeArrowheads="1"/>
           </p:cNvSpPr>
@@ -12039,7 +11667,7 @@
       </p:sp>
       <p:sp>
         <p:nvSpPr>
-          <p:cNvPr id="26635" name="Rectangle 11"/>
+          <p:cNvPr id="25611" name="Rectangle 11"/>
           <p:cNvSpPr>
             <a:spLocks noChangeArrowheads="1"/>
           </p:cNvSpPr>
@@ -12091,7 +11719,7 @@
       </p:sp>
       <p:sp>
         <p:nvSpPr>
-          <p:cNvPr id="26636" name="Rectangle 12"/>
+          <p:cNvPr id="25612" name="Rectangle 12"/>
           <p:cNvSpPr>
             <a:spLocks noChangeArrowheads="1"/>
           </p:cNvSpPr>
@@ -12143,7 +11771,7 @@
       </p:sp>
       <p:sp>
         <p:nvSpPr>
-          <p:cNvPr id="26637" name="Rectangle 13"/>
+          <p:cNvPr id="25613" name="Rectangle 13"/>
           <p:cNvSpPr>
             <a:spLocks noChangeArrowheads="1"/>
           </p:cNvSpPr>
@@ -12195,7 +11823,7 @@
       </p:sp>
       <p:sp>
         <p:nvSpPr>
-          <p:cNvPr id="26638" name="Rectangle 14"/>
+          <p:cNvPr id="25614" name="Rectangle 14"/>
           <p:cNvSpPr>
             <a:spLocks noChangeArrowheads="1"/>
           </p:cNvSpPr>
@@ -12247,7 +11875,7 @@
       </p:sp>
       <p:sp>
         <p:nvSpPr>
-          <p:cNvPr id="26639" name="Rectangle 15"/>
+          <p:cNvPr id="25615" name="Rectangle 17"/>
           <p:cNvSpPr>
             <a:spLocks noChangeArrowheads="1"/>
           </p:cNvSpPr>
@@ -12323,7 +11951,7 @@
     </p:spTree>
     <p:extLst>
       <p:ext uri="{BB962C8B-B14F-4D97-AF65-F5344CB8AC3E}">
-        <p14:creationId xmlns:p14="http://schemas.microsoft.com/office/powerpoint/2010/main" val="1039694430"/>
+        <p14:creationId xmlns:p14="http://schemas.microsoft.com/office/powerpoint/2010/main" val="4092999270"/>
       </p:ext>
     </p:extLst>
   </p:cSld>
@@ -12353,6 +11981,857 @@
       </p:grpSpPr>
       <p:sp>
         <p:nvSpPr>
+          <p:cNvPr id="809986" name="Rectangle 3"/>
+          <p:cNvSpPr>
+            <a:spLocks noGrp="1" noChangeArrowheads="1"/>
+          </p:cNvSpPr>
+          <p:nvPr>
+            <p:ph type="body" idx="4294967295"/>
+          </p:nvPr>
+        </p:nvSpPr>
+        <p:spPr>
+          <a:xfrm>
+            <a:off x="457200" y="1524000"/>
+            <a:ext cx="8458200" cy="4343400"/>
+          </a:xfrm>
+        </p:spPr>
+        <p:txBody>
+          <a:bodyPr rtlCol="0">
+            <a:noAutofit/>
+          </a:bodyPr>
+          <a:lstStyle/>
+          <a:p>
+            <a:pPr marL="457200" lvl="1" indent="0" eaLnBrk="1" fontAlgn="auto" hangingPunct="1">
+              <a:lnSpc>
+                <a:spcPct val="90000"/>
+              </a:lnSpc>
+              <a:spcAft>
+                <a:spcPts val="0"/>
+              </a:spcAft>
+              <a:buNone/>
+              <a:defRPr/>
+            </a:pPr>
+            <a:r>
+              <a:rPr lang="en-US" altLang="zh-CN" sz="2400" dirty="0">
+                <a:latin typeface="Palatino Linotype" pitchFamily="18" charset="0"/>
+              </a:rPr>
+              <a:t>Dr. Fredericks believes that environment has an effect on intelligence, specifically, that being raised in an enriched environment results in higher IQ test scores than being raised in an impoverished environment.  He locates 12 pairs of identical twins that have been reared apart, one twin in each pair in an enriched environment and the other in an impoverished environment. He administers a standardized IQ test and obtains the results shown below</a:t>
+            </a:r>
+          </a:p>
+          <a:p>
+            <a:pPr marL="623888" indent="-514350" eaLnBrk="1" fontAlgn="auto" hangingPunct="1">
+              <a:lnSpc>
+                <a:spcPct val="90000"/>
+              </a:lnSpc>
+              <a:spcAft>
+                <a:spcPts val="0"/>
+              </a:spcAft>
+              <a:buFont typeface="Wingdings 3" pitchFamily="18" charset="2"/>
+              <a:buNone/>
+              <a:defRPr/>
+            </a:pPr>
+            <a:r>
+              <a:rPr lang="en-US" altLang="zh-CN" sz="2400" dirty="0">
+                <a:solidFill>
+                  <a:schemeClr val="tx2"/>
+                </a:solidFill>
+                <a:latin typeface="Palatino Linotype" pitchFamily="18" charset="0"/>
+              </a:rPr>
+              <a:t>	</a:t>
+            </a:r>
+          </a:p>
+        </p:txBody>
+      </p:sp>
+      <p:sp>
+        <p:nvSpPr>
+          <p:cNvPr id="26628" name="Text Box 6"/>
+          <p:cNvSpPr txBox="1">
+            <a:spLocks noChangeArrowheads="1"/>
+          </p:cNvSpPr>
+          <p:nvPr/>
+        </p:nvSpPr>
+        <p:spPr bwMode="auto">
+          <a:xfrm>
+            <a:off x="304800" y="228600"/>
+            <a:ext cx="8382000" cy="646331"/>
+          </a:xfrm>
+          <a:prstGeom prst="rect">
+            <a:avLst/>
+          </a:prstGeom>
+          <a:noFill/>
+          <a:ln>
+            <a:noFill/>
+          </a:ln>
+          <a:extLst>
+            <a:ext uri="{909E8E84-426E-40dd-AFC4-6F175D3DCCD1}">
+              <a14:hiddenFill xmlns:a14="http://schemas.microsoft.com/office/drawing/2010/main">
+                <a:solidFill>
+                  <a:srgbClr val="FFFFFF"/>
+                </a:solidFill>
+              </a14:hiddenFill>
+            </a:ext>
+            <a:ext uri="{91240B29-F687-4f45-9708-019B960494DF}">
+              <a14:hiddenLine xmlns:a14="http://schemas.microsoft.com/office/drawing/2010/main" w="9525" algn="ctr">
+                <a:solidFill>
+                  <a:srgbClr val="000000"/>
+                </a:solidFill>
+                <a:miter lim="800000"/>
+                <a:headEnd/>
+                <a:tailEnd/>
+              </a14:hiddenLine>
+            </a:ext>
+          </a:extLst>
+        </p:spPr>
+        <p:txBody>
+          <a:bodyPr>
+            <a:spAutoFit/>
+          </a:bodyPr>
+          <a:lstStyle>
+            <a:lvl1pPr eaLnBrk="0" hangingPunct="0">
+              <a:defRPr>
+                <a:solidFill>
+                  <a:schemeClr val="tx1"/>
+                </a:solidFill>
+                <a:latin typeface="Arial" charset="0"/>
+              </a:defRPr>
+            </a:lvl1pPr>
+            <a:lvl2pPr marL="742950" indent="-285750" eaLnBrk="0" hangingPunct="0">
+              <a:defRPr>
+                <a:solidFill>
+                  <a:schemeClr val="tx1"/>
+                </a:solidFill>
+                <a:latin typeface="Arial" charset="0"/>
+              </a:defRPr>
+            </a:lvl2pPr>
+            <a:lvl3pPr marL="1143000" indent="-228600" eaLnBrk="0" hangingPunct="0">
+              <a:defRPr>
+                <a:solidFill>
+                  <a:schemeClr val="tx1"/>
+                </a:solidFill>
+                <a:latin typeface="Arial" charset="0"/>
+              </a:defRPr>
+            </a:lvl3pPr>
+            <a:lvl4pPr marL="1600200" indent="-228600" eaLnBrk="0" hangingPunct="0">
+              <a:defRPr>
+                <a:solidFill>
+                  <a:schemeClr val="tx1"/>
+                </a:solidFill>
+                <a:latin typeface="Arial" charset="0"/>
+              </a:defRPr>
+            </a:lvl4pPr>
+            <a:lvl5pPr marL="2057400" indent="-228600" eaLnBrk="0" hangingPunct="0">
+              <a:defRPr>
+                <a:solidFill>
+                  <a:schemeClr val="tx1"/>
+                </a:solidFill>
+                <a:latin typeface="Arial" charset="0"/>
+              </a:defRPr>
+            </a:lvl5pPr>
+            <a:lvl6pPr marL="2514600" indent="-228600" eaLnBrk="0" fontAlgn="base" hangingPunct="0">
+              <a:spcBef>
+                <a:spcPct val="0"/>
+              </a:spcBef>
+              <a:spcAft>
+                <a:spcPct val="0"/>
+              </a:spcAft>
+              <a:defRPr>
+                <a:solidFill>
+                  <a:schemeClr val="tx1"/>
+                </a:solidFill>
+                <a:latin typeface="Arial" charset="0"/>
+              </a:defRPr>
+            </a:lvl6pPr>
+            <a:lvl7pPr marL="2971800" indent="-228600" eaLnBrk="0" fontAlgn="base" hangingPunct="0">
+              <a:spcBef>
+                <a:spcPct val="0"/>
+              </a:spcBef>
+              <a:spcAft>
+                <a:spcPct val="0"/>
+              </a:spcAft>
+              <a:defRPr>
+                <a:solidFill>
+                  <a:schemeClr val="tx1"/>
+                </a:solidFill>
+                <a:latin typeface="Arial" charset="0"/>
+              </a:defRPr>
+            </a:lvl7pPr>
+            <a:lvl8pPr marL="3429000" indent="-228600" eaLnBrk="0" fontAlgn="base" hangingPunct="0">
+              <a:spcBef>
+                <a:spcPct val="0"/>
+              </a:spcBef>
+              <a:spcAft>
+                <a:spcPct val="0"/>
+              </a:spcAft>
+              <a:defRPr>
+                <a:solidFill>
+                  <a:schemeClr val="tx1"/>
+                </a:solidFill>
+                <a:latin typeface="Arial" charset="0"/>
+              </a:defRPr>
+            </a:lvl8pPr>
+            <a:lvl9pPr marL="3886200" indent="-228600" eaLnBrk="0" fontAlgn="base" hangingPunct="0">
+              <a:spcBef>
+                <a:spcPct val="0"/>
+              </a:spcBef>
+              <a:spcAft>
+                <a:spcPct val="0"/>
+              </a:spcAft>
+              <a:defRPr>
+                <a:solidFill>
+                  <a:schemeClr val="tx1"/>
+                </a:solidFill>
+                <a:latin typeface="Arial" charset="0"/>
+              </a:defRPr>
+            </a:lvl9pPr>
+          </a:lstStyle>
+          <a:p>
+            <a:pPr algn="ctr" eaLnBrk="1" hangingPunct="1">
+              <a:spcBef>
+                <a:spcPct val="50000"/>
+              </a:spcBef>
+            </a:pPr>
+            <a:r>
+              <a:rPr lang="en-US" altLang="zh-CN" sz="3600" b="1" dirty="0">
+                <a:solidFill>
+                  <a:srgbClr val="000099"/>
+                </a:solidFill>
+                <a:latin typeface="Palatino Linotype" pitchFamily="18" charset="0"/>
+                <a:ea typeface="Cambria Math" pitchFamily="18" charset="0"/>
+                <a:cs typeface="+mj-cs"/>
+              </a:rPr>
+              <a:t>Example</a:t>
+            </a:r>
+          </a:p>
+        </p:txBody>
+      </p:sp>
+      <p:sp>
+        <p:nvSpPr>
+          <p:cNvPr id="26629" name="Rectangle 5"/>
+          <p:cNvSpPr>
+            <a:spLocks noChangeArrowheads="1"/>
+          </p:cNvSpPr>
+          <p:nvPr/>
+        </p:nvSpPr>
+        <p:spPr bwMode="auto">
+          <a:xfrm>
+            <a:off x="0" y="3153847"/>
+            <a:ext cx="184731" cy="369332"/>
+          </a:xfrm>
+          <a:prstGeom prst="rect">
+            <a:avLst/>
+          </a:prstGeom>
+          <a:noFill/>
+          <a:ln>
+            <a:noFill/>
+          </a:ln>
+          <a:extLst>
+            <a:ext uri="{909E8E84-426E-40dd-AFC4-6F175D3DCCD1}">
+              <a14:hiddenFill xmlns:a14="http://schemas.microsoft.com/office/drawing/2010/main">
+                <a:solidFill>
+                  <a:srgbClr val="FFFFFF"/>
+                </a:solidFill>
+              </a14:hiddenFill>
+            </a:ext>
+            <a:ext uri="{91240B29-F687-4f45-9708-019B960494DF}">
+              <a14:hiddenLine xmlns:a14="http://schemas.microsoft.com/office/drawing/2010/main" w="9525" algn="ctr">
+                <a:solidFill>
+                  <a:srgbClr val="000000"/>
+                </a:solidFill>
+                <a:miter lim="800000"/>
+                <a:headEnd/>
+                <a:tailEnd/>
+              </a14:hiddenLine>
+            </a:ext>
+          </a:extLst>
+        </p:spPr>
+        <p:txBody>
+          <a:bodyPr wrap="none" anchor="ctr">
+            <a:spAutoFit/>
+          </a:bodyPr>
+          <a:lstStyle/>
+          <a:p>
+            <a:endParaRPr lang="en-US">
+              <a:latin typeface="Palatino Linotype" pitchFamily="18" charset="0"/>
+            </a:endParaRPr>
+          </a:p>
+        </p:txBody>
+      </p:sp>
+      <p:sp>
+        <p:nvSpPr>
+          <p:cNvPr id="26630" name="Rectangle 6"/>
+          <p:cNvSpPr>
+            <a:spLocks noChangeArrowheads="1"/>
+          </p:cNvSpPr>
+          <p:nvPr/>
+        </p:nvSpPr>
+        <p:spPr bwMode="auto">
+          <a:xfrm>
+            <a:off x="0" y="-184666"/>
+            <a:ext cx="184731" cy="369332"/>
+          </a:xfrm>
+          <a:prstGeom prst="rect">
+            <a:avLst/>
+          </a:prstGeom>
+          <a:noFill/>
+          <a:ln>
+            <a:noFill/>
+          </a:ln>
+          <a:extLst>
+            <a:ext uri="{909E8E84-426E-40dd-AFC4-6F175D3DCCD1}">
+              <a14:hiddenFill xmlns:a14="http://schemas.microsoft.com/office/drawing/2010/main">
+                <a:solidFill>
+                  <a:srgbClr val="FFFFFF"/>
+                </a:solidFill>
+              </a14:hiddenFill>
+            </a:ext>
+            <a:ext uri="{91240B29-F687-4f45-9708-019B960494DF}">
+              <a14:hiddenLine xmlns:a14="http://schemas.microsoft.com/office/drawing/2010/main" w="9525" algn="ctr">
+                <a:solidFill>
+                  <a:srgbClr val="000000"/>
+                </a:solidFill>
+                <a:miter lim="800000"/>
+                <a:headEnd/>
+                <a:tailEnd/>
+              </a14:hiddenLine>
+            </a:ext>
+          </a:extLst>
+        </p:spPr>
+        <p:txBody>
+          <a:bodyPr wrap="none" anchor="ctr">
+            <a:spAutoFit/>
+          </a:bodyPr>
+          <a:lstStyle/>
+          <a:p>
+            <a:endParaRPr lang="en-US">
+              <a:latin typeface="Palatino Linotype" pitchFamily="18" charset="0"/>
+            </a:endParaRPr>
+          </a:p>
+        </p:txBody>
+      </p:sp>
+      <p:sp>
+        <p:nvSpPr>
+          <p:cNvPr id="26631" name="Rectangle 7"/>
+          <p:cNvSpPr>
+            <a:spLocks noChangeArrowheads="1"/>
+          </p:cNvSpPr>
+          <p:nvPr/>
+        </p:nvSpPr>
+        <p:spPr bwMode="auto">
+          <a:xfrm>
+            <a:off x="0" y="3149084"/>
+            <a:ext cx="184731" cy="369332"/>
+          </a:xfrm>
+          <a:prstGeom prst="rect">
+            <a:avLst/>
+          </a:prstGeom>
+          <a:noFill/>
+          <a:ln>
+            <a:noFill/>
+          </a:ln>
+          <a:extLst>
+            <a:ext uri="{909E8E84-426E-40dd-AFC4-6F175D3DCCD1}">
+              <a14:hiddenFill xmlns:a14="http://schemas.microsoft.com/office/drawing/2010/main">
+                <a:solidFill>
+                  <a:srgbClr val="FFFFFF"/>
+                </a:solidFill>
+              </a14:hiddenFill>
+            </a:ext>
+            <a:ext uri="{91240B29-F687-4f45-9708-019B960494DF}">
+              <a14:hiddenLine xmlns:a14="http://schemas.microsoft.com/office/drawing/2010/main" w="9525" algn="ctr">
+                <a:solidFill>
+                  <a:srgbClr val="000000"/>
+                </a:solidFill>
+                <a:miter lim="800000"/>
+                <a:headEnd/>
+                <a:tailEnd/>
+              </a14:hiddenLine>
+            </a:ext>
+          </a:extLst>
+        </p:spPr>
+        <p:txBody>
+          <a:bodyPr wrap="none" anchor="ctr">
+            <a:spAutoFit/>
+          </a:bodyPr>
+          <a:lstStyle/>
+          <a:p>
+            <a:endParaRPr lang="en-US">
+              <a:latin typeface="Palatino Linotype" pitchFamily="18" charset="0"/>
+            </a:endParaRPr>
+          </a:p>
+        </p:txBody>
+      </p:sp>
+      <p:sp>
+        <p:nvSpPr>
+          <p:cNvPr id="26632" name="Rectangle 8"/>
+          <p:cNvSpPr>
+            <a:spLocks noChangeArrowheads="1"/>
+          </p:cNvSpPr>
+          <p:nvPr/>
+        </p:nvSpPr>
+        <p:spPr bwMode="auto">
+          <a:xfrm>
+            <a:off x="0" y="-184666"/>
+            <a:ext cx="184731" cy="369332"/>
+          </a:xfrm>
+          <a:prstGeom prst="rect">
+            <a:avLst/>
+          </a:prstGeom>
+          <a:noFill/>
+          <a:ln>
+            <a:noFill/>
+          </a:ln>
+          <a:extLst>
+            <a:ext uri="{909E8E84-426E-40dd-AFC4-6F175D3DCCD1}">
+              <a14:hiddenFill xmlns:a14="http://schemas.microsoft.com/office/drawing/2010/main">
+                <a:solidFill>
+                  <a:srgbClr val="FFFFFF"/>
+                </a:solidFill>
+              </a14:hiddenFill>
+            </a:ext>
+            <a:ext uri="{91240B29-F687-4f45-9708-019B960494DF}">
+              <a14:hiddenLine xmlns:a14="http://schemas.microsoft.com/office/drawing/2010/main" w="9525" algn="ctr">
+                <a:solidFill>
+                  <a:srgbClr val="000000"/>
+                </a:solidFill>
+                <a:miter lim="800000"/>
+                <a:headEnd/>
+                <a:tailEnd/>
+              </a14:hiddenLine>
+            </a:ext>
+          </a:extLst>
+        </p:spPr>
+        <p:txBody>
+          <a:bodyPr wrap="none" anchor="ctr">
+            <a:spAutoFit/>
+          </a:bodyPr>
+          <a:lstStyle/>
+          <a:p>
+            <a:endParaRPr lang="en-US">
+              <a:latin typeface="Palatino Linotype" pitchFamily="18" charset="0"/>
+            </a:endParaRPr>
+          </a:p>
+        </p:txBody>
+      </p:sp>
+      <p:sp>
+        <p:nvSpPr>
+          <p:cNvPr id="26633" name="Rectangle 9"/>
+          <p:cNvSpPr>
+            <a:spLocks noChangeArrowheads="1"/>
+          </p:cNvSpPr>
+          <p:nvPr/>
+        </p:nvSpPr>
+        <p:spPr bwMode="auto">
+          <a:xfrm>
+            <a:off x="0" y="-184666"/>
+            <a:ext cx="184731" cy="369332"/>
+          </a:xfrm>
+          <a:prstGeom prst="rect">
+            <a:avLst/>
+          </a:prstGeom>
+          <a:noFill/>
+          <a:ln>
+            <a:noFill/>
+          </a:ln>
+          <a:extLst>
+            <a:ext uri="{909E8E84-426E-40dd-AFC4-6F175D3DCCD1}">
+              <a14:hiddenFill xmlns:a14="http://schemas.microsoft.com/office/drawing/2010/main">
+                <a:solidFill>
+                  <a:srgbClr val="FFFFFF"/>
+                </a:solidFill>
+              </a14:hiddenFill>
+            </a:ext>
+            <a:ext uri="{91240B29-F687-4f45-9708-019B960494DF}">
+              <a14:hiddenLine xmlns:a14="http://schemas.microsoft.com/office/drawing/2010/main" w="9525" algn="ctr">
+                <a:solidFill>
+                  <a:srgbClr val="000000"/>
+                </a:solidFill>
+                <a:miter lim="800000"/>
+                <a:headEnd/>
+                <a:tailEnd/>
+              </a14:hiddenLine>
+            </a:ext>
+          </a:extLst>
+        </p:spPr>
+        <p:txBody>
+          <a:bodyPr wrap="none" anchor="ctr">
+            <a:spAutoFit/>
+          </a:bodyPr>
+          <a:lstStyle/>
+          <a:p>
+            <a:endParaRPr lang="en-US">
+              <a:latin typeface="Palatino Linotype" pitchFamily="18" charset="0"/>
+            </a:endParaRPr>
+          </a:p>
+        </p:txBody>
+      </p:sp>
+      <p:sp>
+        <p:nvSpPr>
+          <p:cNvPr id="26634" name="Rectangle 10"/>
+          <p:cNvSpPr>
+            <a:spLocks noChangeArrowheads="1"/>
+          </p:cNvSpPr>
+          <p:nvPr/>
+        </p:nvSpPr>
+        <p:spPr bwMode="auto">
+          <a:xfrm>
+            <a:off x="0" y="3015734"/>
+            <a:ext cx="184731" cy="369332"/>
+          </a:xfrm>
+          <a:prstGeom prst="rect">
+            <a:avLst/>
+          </a:prstGeom>
+          <a:noFill/>
+          <a:ln>
+            <a:noFill/>
+          </a:ln>
+          <a:extLst>
+            <a:ext uri="{909E8E84-426E-40dd-AFC4-6F175D3DCCD1}">
+              <a14:hiddenFill xmlns:a14="http://schemas.microsoft.com/office/drawing/2010/main">
+                <a:solidFill>
+                  <a:srgbClr val="FFFFFF"/>
+                </a:solidFill>
+              </a14:hiddenFill>
+            </a:ext>
+            <a:ext uri="{91240B29-F687-4f45-9708-019B960494DF}">
+              <a14:hiddenLine xmlns:a14="http://schemas.microsoft.com/office/drawing/2010/main" w="9525" algn="ctr">
+                <a:solidFill>
+                  <a:srgbClr val="000000"/>
+                </a:solidFill>
+                <a:miter lim="800000"/>
+                <a:headEnd/>
+                <a:tailEnd/>
+              </a14:hiddenLine>
+            </a:ext>
+          </a:extLst>
+        </p:spPr>
+        <p:txBody>
+          <a:bodyPr wrap="none" anchor="ctr">
+            <a:spAutoFit/>
+          </a:bodyPr>
+          <a:lstStyle/>
+          <a:p>
+            <a:endParaRPr lang="en-US">
+              <a:latin typeface="Palatino Linotype" pitchFamily="18" charset="0"/>
+            </a:endParaRPr>
+          </a:p>
+        </p:txBody>
+      </p:sp>
+      <p:sp>
+        <p:nvSpPr>
+          <p:cNvPr id="26635" name="Rectangle 11"/>
+          <p:cNvSpPr>
+            <a:spLocks noChangeArrowheads="1"/>
+          </p:cNvSpPr>
+          <p:nvPr/>
+        </p:nvSpPr>
+        <p:spPr bwMode="auto">
+          <a:xfrm>
+            <a:off x="0" y="-184666"/>
+            <a:ext cx="184731" cy="369332"/>
+          </a:xfrm>
+          <a:prstGeom prst="rect">
+            <a:avLst/>
+          </a:prstGeom>
+          <a:noFill/>
+          <a:ln>
+            <a:noFill/>
+          </a:ln>
+          <a:extLst>
+            <a:ext uri="{909E8E84-426E-40dd-AFC4-6F175D3DCCD1}">
+              <a14:hiddenFill xmlns:a14="http://schemas.microsoft.com/office/drawing/2010/main">
+                <a:solidFill>
+                  <a:srgbClr val="FFFFFF"/>
+                </a:solidFill>
+              </a14:hiddenFill>
+            </a:ext>
+            <a:ext uri="{91240B29-F687-4f45-9708-019B960494DF}">
+              <a14:hiddenLine xmlns:a14="http://schemas.microsoft.com/office/drawing/2010/main" w="9525" algn="ctr">
+                <a:solidFill>
+                  <a:srgbClr val="000000"/>
+                </a:solidFill>
+                <a:miter lim="800000"/>
+                <a:headEnd/>
+                <a:tailEnd/>
+              </a14:hiddenLine>
+            </a:ext>
+          </a:extLst>
+        </p:spPr>
+        <p:txBody>
+          <a:bodyPr wrap="none" anchor="ctr">
+            <a:spAutoFit/>
+          </a:bodyPr>
+          <a:lstStyle/>
+          <a:p>
+            <a:endParaRPr lang="en-US">
+              <a:latin typeface="Palatino Linotype" pitchFamily="18" charset="0"/>
+            </a:endParaRPr>
+          </a:p>
+        </p:txBody>
+      </p:sp>
+      <p:sp>
+        <p:nvSpPr>
+          <p:cNvPr id="26636" name="Rectangle 12"/>
+          <p:cNvSpPr>
+            <a:spLocks noChangeArrowheads="1"/>
+          </p:cNvSpPr>
+          <p:nvPr/>
+        </p:nvSpPr>
+        <p:spPr bwMode="auto">
+          <a:xfrm>
+            <a:off x="0" y="2939534"/>
+            <a:ext cx="184731" cy="369332"/>
+          </a:xfrm>
+          <a:prstGeom prst="rect">
+            <a:avLst/>
+          </a:prstGeom>
+          <a:noFill/>
+          <a:ln>
+            <a:noFill/>
+          </a:ln>
+          <a:extLst>
+            <a:ext uri="{909E8E84-426E-40dd-AFC4-6F175D3DCCD1}">
+              <a14:hiddenFill xmlns:a14="http://schemas.microsoft.com/office/drawing/2010/main">
+                <a:solidFill>
+                  <a:srgbClr val="FFFFFF"/>
+                </a:solidFill>
+              </a14:hiddenFill>
+            </a:ext>
+            <a:ext uri="{91240B29-F687-4f45-9708-019B960494DF}">
+              <a14:hiddenLine xmlns:a14="http://schemas.microsoft.com/office/drawing/2010/main" w="9525" algn="ctr">
+                <a:solidFill>
+                  <a:srgbClr val="000000"/>
+                </a:solidFill>
+                <a:miter lim="800000"/>
+                <a:headEnd/>
+                <a:tailEnd/>
+              </a14:hiddenLine>
+            </a:ext>
+          </a:extLst>
+        </p:spPr>
+        <p:txBody>
+          <a:bodyPr wrap="none" anchor="ctr">
+            <a:spAutoFit/>
+          </a:bodyPr>
+          <a:lstStyle/>
+          <a:p>
+            <a:endParaRPr lang="en-US">
+              <a:latin typeface="Palatino Linotype" pitchFamily="18" charset="0"/>
+            </a:endParaRPr>
+          </a:p>
+        </p:txBody>
+      </p:sp>
+      <p:sp>
+        <p:nvSpPr>
+          <p:cNvPr id="26637" name="Rectangle 13"/>
+          <p:cNvSpPr>
+            <a:spLocks noChangeArrowheads="1"/>
+          </p:cNvSpPr>
+          <p:nvPr/>
+        </p:nvSpPr>
+        <p:spPr bwMode="auto">
+          <a:xfrm>
+            <a:off x="0" y="2982397"/>
+            <a:ext cx="184731" cy="369332"/>
+          </a:xfrm>
+          <a:prstGeom prst="rect">
+            <a:avLst/>
+          </a:prstGeom>
+          <a:noFill/>
+          <a:ln>
+            <a:noFill/>
+          </a:ln>
+          <a:extLst>
+            <a:ext uri="{909E8E84-426E-40dd-AFC4-6F175D3DCCD1}">
+              <a14:hiddenFill xmlns:a14="http://schemas.microsoft.com/office/drawing/2010/main">
+                <a:solidFill>
+                  <a:srgbClr val="FFFFFF"/>
+                </a:solidFill>
+              </a14:hiddenFill>
+            </a:ext>
+            <a:ext uri="{91240B29-F687-4f45-9708-019B960494DF}">
+              <a14:hiddenLine xmlns:a14="http://schemas.microsoft.com/office/drawing/2010/main" w="9525" algn="ctr">
+                <a:solidFill>
+                  <a:srgbClr val="000000"/>
+                </a:solidFill>
+                <a:miter lim="800000"/>
+                <a:headEnd/>
+                <a:tailEnd/>
+              </a14:hiddenLine>
+            </a:ext>
+          </a:extLst>
+        </p:spPr>
+        <p:txBody>
+          <a:bodyPr wrap="none" anchor="ctr">
+            <a:spAutoFit/>
+          </a:bodyPr>
+          <a:lstStyle/>
+          <a:p>
+            <a:endParaRPr lang="en-US">
+              <a:latin typeface="Palatino Linotype" pitchFamily="18" charset="0"/>
+            </a:endParaRPr>
+          </a:p>
+        </p:txBody>
+      </p:sp>
+      <p:sp>
+        <p:nvSpPr>
+          <p:cNvPr id="26638" name="Rectangle 14"/>
+          <p:cNvSpPr>
+            <a:spLocks noChangeArrowheads="1"/>
+          </p:cNvSpPr>
+          <p:nvPr/>
+        </p:nvSpPr>
+        <p:spPr bwMode="auto">
+          <a:xfrm>
+            <a:off x="0" y="-184666"/>
+            <a:ext cx="184731" cy="369332"/>
+          </a:xfrm>
+          <a:prstGeom prst="rect">
+            <a:avLst/>
+          </a:prstGeom>
+          <a:noFill/>
+          <a:ln>
+            <a:noFill/>
+          </a:ln>
+          <a:extLst>
+            <a:ext uri="{909E8E84-426E-40dd-AFC4-6F175D3DCCD1}">
+              <a14:hiddenFill xmlns:a14="http://schemas.microsoft.com/office/drawing/2010/main">
+                <a:solidFill>
+                  <a:srgbClr val="FFFFFF"/>
+                </a:solidFill>
+              </a14:hiddenFill>
+            </a:ext>
+            <a:ext uri="{91240B29-F687-4f45-9708-019B960494DF}">
+              <a14:hiddenLine xmlns:a14="http://schemas.microsoft.com/office/drawing/2010/main" w="9525" algn="ctr">
+                <a:solidFill>
+                  <a:srgbClr val="000000"/>
+                </a:solidFill>
+                <a:miter lim="800000"/>
+                <a:headEnd/>
+                <a:tailEnd/>
+              </a14:hiddenLine>
+            </a:ext>
+          </a:extLst>
+        </p:spPr>
+        <p:txBody>
+          <a:bodyPr wrap="none" anchor="ctr">
+            <a:spAutoFit/>
+          </a:bodyPr>
+          <a:lstStyle/>
+          <a:p>
+            <a:endParaRPr lang="en-US">
+              <a:latin typeface="Palatino Linotype" pitchFamily="18" charset="0"/>
+            </a:endParaRPr>
+          </a:p>
+        </p:txBody>
+      </p:sp>
+      <p:sp>
+        <p:nvSpPr>
+          <p:cNvPr id="26639" name="Rectangle 15"/>
+          <p:cNvSpPr>
+            <a:spLocks noChangeArrowheads="1"/>
+          </p:cNvSpPr>
+          <p:nvPr/>
+        </p:nvSpPr>
+        <p:spPr bwMode="auto">
+          <a:xfrm>
+            <a:off x="0" y="-184666"/>
+            <a:ext cx="184731" cy="369332"/>
+          </a:xfrm>
+          <a:prstGeom prst="rect">
+            <a:avLst/>
+          </a:prstGeom>
+          <a:noFill/>
+          <a:ln>
+            <a:noFill/>
+          </a:ln>
+          <a:extLst>
+            <a:ext uri="{909E8E84-426E-40dd-AFC4-6F175D3DCCD1}">
+              <a14:hiddenFill xmlns:a14="http://schemas.microsoft.com/office/drawing/2010/main">
+                <a:solidFill>
+                  <a:srgbClr val="FFFFFF"/>
+                </a:solidFill>
+              </a14:hiddenFill>
+            </a:ext>
+            <a:ext uri="{91240B29-F687-4f45-9708-019B960494DF}">
+              <a14:hiddenLine xmlns:a14="http://schemas.microsoft.com/office/drawing/2010/main" w="9525" algn="ctr">
+                <a:solidFill>
+                  <a:srgbClr val="000000"/>
+                </a:solidFill>
+                <a:miter lim="800000"/>
+                <a:headEnd/>
+                <a:tailEnd/>
+              </a14:hiddenLine>
+            </a:ext>
+          </a:extLst>
+        </p:spPr>
+        <p:txBody>
+          <a:bodyPr wrap="none" anchor="ctr">
+            <a:spAutoFit/>
+          </a:bodyPr>
+          <a:lstStyle/>
+          <a:p>
+            <a:endParaRPr lang="en-US">
+              <a:latin typeface="Palatino Linotype" pitchFamily="18" charset="0"/>
+            </a:endParaRPr>
+          </a:p>
+        </p:txBody>
+      </p:sp>
+      <p:sp>
+        <p:nvSpPr>
+          <p:cNvPr id="2" name="Slide Number Placeholder 1"/>
+          <p:cNvSpPr>
+            <a:spLocks noGrp="1"/>
+          </p:cNvSpPr>
+          <p:nvPr>
+            <p:ph type="sldNum" sz="quarter" idx="12"/>
+          </p:nvPr>
+        </p:nvSpPr>
+        <p:spPr/>
+        <p:txBody>
+          <a:bodyPr/>
+          <a:lstStyle/>
+          <a:p>
+            <a:fld id="{19892AFD-08A7-429B-863F-010284A09610}" type="slidenum">
+              <a:rPr lang="en-US" smtClean="0"/>
+              <a:t>17</a:t>
+            </a:fld>
+            <a:endParaRPr lang="en-US"/>
+          </a:p>
+        </p:txBody>
+      </p:sp>
+    </p:spTree>
+    <p:extLst>
+      <p:ext uri="{BB962C8B-B14F-4D97-AF65-F5344CB8AC3E}">
+        <p14:creationId xmlns:p14="http://schemas.microsoft.com/office/powerpoint/2010/main" val="1039694430"/>
+      </p:ext>
+    </p:extLst>
+  </p:cSld>
+  <p:clrMapOvr>
+    <a:masterClrMapping/>
+  </p:clrMapOvr>
+  <p:transition xmlns:p14="http://schemas.microsoft.com/office/powerpoint/2010/main"/>
+</p:sld>
+</file>
+
+<file path=ppt/slides/slide18.xml><?xml version="1.0" encoding="utf-8"?>
+<p:sld xmlns:a="http://schemas.openxmlformats.org/drawingml/2006/main" xmlns:r="http://schemas.openxmlformats.org/officeDocument/2006/relationships" xmlns:p="http://schemas.openxmlformats.org/presentationml/2006/main">
+  <p:cSld>
+    <p:spTree>
+      <p:nvGrpSpPr>
+        <p:cNvPr id="1" name=""/>
+        <p:cNvGrpSpPr/>
+        <p:nvPr/>
+      </p:nvGrpSpPr>
+      <p:grpSpPr>
+        <a:xfrm>
+          <a:off x="0" y="0"/>
+          <a:ext cx="0" cy="0"/>
+          <a:chOff x="0" y="0"/>
+          <a:chExt cx="0" cy="0"/>
+        </a:xfrm>
+      </p:grpSpPr>
+      <p:sp>
+        <p:nvSpPr>
           <p:cNvPr id="9219" name="Rectangle 3"/>
           <p:cNvSpPr>
             <a:spLocks noGrp="1" noChangeArrowheads="1"/>
@@ -12988,7 +13467,7 @@
           <a:graphicData uri="http://schemas.openxmlformats.org/presentationml/2006/ole">
             <mc:AlternateContent xmlns:mc="http://schemas.openxmlformats.org/markup-compatibility/2006">
               <mc:Choice xmlns:v="urn:schemas-microsoft-com:vml" Requires="v">
-                <p:oleObj spid="_x0000_s23588" name="Bitmap Image" r:id="rId4" imgW="2352381" imgH="2172003" progId="Paint.Picture">
+                <p:oleObj spid="_x0000_s23604" name="Bitmap Image" r:id="rId4" imgW="2352381" imgH="2172003" progId="Paint.Picture">
                   <p:embed/>
                 </p:oleObj>
               </mc:Choice>
@@ -13082,7 +13561,7 @@
           <a:p>
             <a:fld id="{19892AFD-08A7-429B-863F-010284A09610}" type="slidenum">
               <a:rPr lang="en-US" smtClean="0"/>
-              <a:t>17</a:t>
+              <a:t>18</a:t>
             </a:fld>
             <a:endParaRPr lang="en-US"/>
           </a:p>
@@ -13099,309 +13578,6 @@
     <a:masterClrMapping/>
   </p:clrMapOvr>
   <p:transition xmlns:p14="http://schemas.microsoft.com/office/powerpoint/2010/main"/>
-</p:sld>
-</file>
-
-<file path=ppt/slides/slide18.xml><?xml version="1.0" encoding="utf-8"?>
-<p:sld xmlns:a="http://schemas.openxmlformats.org/drawingml/2006/main" xmlns:r="http://schemas.openxmlformats.org/officeDocument/2006/relationships" xmlns:p="http://schemas.openxmlformats.org/presentationml/2006/main">
-  <p:cSld>
-    <p:spTree>
-      <p:nvGrpSpPr>
-        <p:cNvPr id="1" name=""/>
-        <p:cNvGrpSpPr/>
-        <p:nvPr/>
-      </p:nvGrpSpPr>
-      <p:grpSpPr>
-        <a:xfrm>
-          <a:off x="0" y="0"/>
-          <a:ext cx="0" cy="0"/>
-          <a:chOff x="0" y="0"/>
-          <a:chExt cx="0" cy="0"/>
-        </a:xfrm>
-      </p:grpSpPr>
-      <p:sp>
-        <p:nvSpPr>
-          <p:cNvPr id="2" name="Title 1"/>
-          <p:cNvSpPr>
-            <a:spLocks noGrp="1"/>
-          </p:cNvSpPr>
-          <p:nvPr>
-            <p:ph type="title"/>
-          </p:nvPr>
-        </p:nvSpPr>
-        <p:spPr/>
-        <p:txBody>
-          <a:bodyPr/>
-          <a:lstStyle/>
-          <a:p>
-            <a:endParaRPr lang="en-US">
-              <a:latin typeface="Palatino Linotype" pitchFamily="18" charset="0"/>
-            </a:endParaRPr>
-          </a:p>
-        </p:txBody>
-      </p:sp>
-      <p:sp>
-        <p:nvSpPr>
-          <p:cNvPr id="3" name="Content Placeholder 2"/>
-          <p:cNvSpPr>
-            <a:spLocks noGrp="1"/>
-          </p:cNvSpPr>
-          <p:nvPr>
-            <p:ph idx="1"/>
-          </p:nvPr>
-        </p:nvSpPr>
-        <p:spPr/>
-        <p:txBody>
-          <a:bodyPr>
-            <a:normAutofit fontScale="92500" lnSpcReduction="20000"/>
-          </a:bodyPr>
-          <a:lstStyle/>
-          <a:p>
-            <a:r>
-              <a:rPr lang="en-US" altLang="zh-CN" sz="2400" u="sng" dirty="0">
-                <a:latin typeface="Palatino Linotype" pitchFamily="18" charset="0"/>
-              </a:rPr>
-              <a:t>Step1.</a:t>
-            </a:r>
-            <a:r>
-              <a:rPr lang="en-US" altLang="zh-CN" sz="2400" dirty="0">
-                <a:latin typeface="Palatino Linotype" pitchFamily="18" charset="0"/>
-              </a:rPr>
-              <a:t>  Based on the Research Hypotheses, specify the appropriate statistical hypotheses (H</a:t>
-            </a:r>
-            <a:r>
-              <a:rPr lang="en-US" altLang="zh-CN" sz="2400" baseline="-25000" dirty="0">
-                <a:latin typeface="Palatino Linotype" pitchFamily="18" charset="0"/>
-              </a:rPr>
-              <a:t>A</a:t>
-            </a:r>
-            <a:r>
-              <a:rPr lang="en-US" altLang="zh-CN" sz="2400" dirty="0">
-                <a:latin typeface="Palatino Linotype" pitchFamily="18" charset="0"/>
-              </a:rPr>
-              <a:t> and H</a:t>
-            </a:r>
-            <a:r>
-              <a:rPr lang="en-US" altLang="zh-CN" sz="2400" baseline="-25000" dirty="0">
-                <a:latin typeface="Palatino Linotype" pitchFamily="18" charset="0"/>
-              </a:rPr>
-              <a:t>0</a:t>
-            </a:r>
-            <a:r>
-              <a:rPr lang="en-US" altLang="zh-CN" sz="2400" dirty="0">
-                <a:latin typeface="Palatino Linotype" pitchFamily="18" charset="0"/>
-              </a:rPr>
-              <a:t>). </a:t>
-            </a:r>
-          </a:p>
-          <a:p>
-            <a:endParaRPr lang="en-US" altLang="zh-CN" dirty="0">
-              <a:latin typeface="Palatino Linotype" pitchFamily="18" charset="0"/>
-            </a:endParaRPr>
-          </a:p>
-          <a:p>
-            <a:pPr marL="0" indent="0">
-              <a:spcBef>
-                <a:spcPts val="0"/>
-              </a:spcBef>
-              <a:defRPr/>
-            </a:pPr>
-            <a:r>
-              <a:rPr lang="en-US" altLang="zh-CN" sz="2400" dirty="0">
-                <a:latin typeface="Palatino Linotype" pitchFamily="18" charset="0"/>
-              </a:rPr>
-              <a:t>   </a:t>
-            </a:r>
-            <a:r>
-              <a:rPr lang="en-US" altLang="zh-CN" sz="2400" u="sng" dirty="0">
-                <a:latin typeface="Palatino Linotype" pitchFamily="18" charset="0"/>
-              </a:rPr>
-              <a:t>Step2.</a:t>
-            </a:r>
-            <a:r>
-              <a:rPr lang="en-US" altLang="zh-CN" sz="2400" dirty="0">
-                <a:latin typeface="Palatino Linotype" pitchFamily="18" charset="0"/>
-              </a:rPr>
-              <a:t> Specify the test to perform, the level of significance, sample size (degrees of freedom, if needed) and the directionality of the test</a:t>
-            </a:r>
-          </a:p>
-          <a:p>
-            <a:pPr marL="895350" lvl="1" indent="-438150">
-              <a:lnSpc>
-                <a:spcPct val="90000"/>
-              </a:lnSpc>
-              <a:defRPr/>
-            </a:pPr>
-            <a:r>
-              <a:rPr lang="en-US" altLang="zh-CN" sz="2400" dirty="0">
-                <a:latin typeface="Palatino Linotype" pitchFamily="18" charset="0"/>
-              </a:rPr>
-              <a:t>Two Sample t Test for Dependent Groups</a:t>
-            </a:r>
-            <a:endParaRPr lang="en-US" altLang="zh-CN" sz="2400" dirty="0">
-              <a:latin typeface="Palatino Linotype" pitchFamily="18" charset="0"/>
-              <a:sym typeface="Symbol" pitchFamily="18" charset="2"/>
-            </a:endParaRPr>
-          </a:p>
-          <a:p>
-            <a:pPr marL="895350" lvl="1" indent="-438150">
-              <a:lnSpc>
-                <a:spcPct val="90000"/>
-              </a:lnSpc>
-              <a:defRPr/>
-            </a:pPr>
-            <a:r>
-              <a:rPr lang="en-US" altLang="zh-CN" sz="2400" dirty="0">
-                <a:latin typeface="Palatino Linotype" pitchFamily="18" charset="0"/>
-                <a:sym typeface="Symbol" pitchFamily="18" charset="2"/>
-              </a:rPr>
-              <a:t></a:t>
-            </a:r>
-            <a:r>
-              <a:rPr lang="en-US" altLang="zh-CN" sz="2400" dirty="0">
-                <a:latin typeface="Palatino Linotype" pitchFamily="18" charset="0"/>
-              </a:rPr>
-              <a:t> = .05</a:t>
-            </a:r>
-          </a:p>
-          <a:p>
-            <a:pPr marL="895350" lvl="1" indent="-438150">
-              <a:lnSpc>
-                <a:spcPct val="90000"/>
-              </a:lnSpc>
-              <a:defRPr/>
-            </a:pPr>
-            <a:r>
-              <a:rPr lang="en-US" altLang="zh-CN" sz="2400" dirty="0">
-                <a:latin typeface="Palatino Linotype" pitchFamily="18" charset="0"/>
-              </a:rPr>
-              <a:t>n = 12</a:t>
-            </a:r>
-          </a:p>
-          <a:p>
-            <a:pPr marL="895350" lvl="1" indent="-438150">
-              <a:lnSpc>
-                <a:spcPct val="90000"/>
-              </a:lnSpc>
-              <a:defRPr/>
-            </a:pPr>
-            <a:r>
-              <a:rPr lang="en-US" altLang="zh-CN" sz="2400" dirty="0" err="1">
-                <a:latin typeface="Palatino Linotype" pitchFamily="18" charset="0"/>
-              </a:rPr>
-              <a:t>df</a:t>
-            </a:r>
-            <a:r>
-              <a:rPr lang="en-US" altLang="zh-CN" sz="2400" dirty="0">
-                <a:latin typeface="Palatino Linotype" pitchFamily="18" charset="0"/>
-              </a:rPr>
-              <a:t> = n – 1 = 12 – 1 = 11</a:t>
-            </a:r>
-          </a:p>
-          <a:p>
-            <a:pPr marL="895350" lvl="1" indent="-438150">
-              <a:lnSpc>
-                <a:spcPct val="90000"/>
-              </a:lnSpc>
-              <a:defRPr/>
-            </a:pPr>
-            <a:endParaRPr lang="en-US" altLang="zh-CN" sz="2400" dirty="0">
-              <a:latin typeface="Palatino Linotype" pitchFamily="18" charset="0"/>
-            </a:endParaRPr>
-          </a:p>
-          <a:p>
-            <a:pPr marL="0" lvl="1" indent="0">
-              <a:lnSpc>
-                <a:spcPct val="120000"/>
-              </a:lnSpc>
-              <a:spcBef>
-                <a:spcPts val="0"/>
-              </a:spcBef>
-              <a:defRPr/>
-            </a:pPr>
-            <a:r>
-              <a:rPr lang="en-US" altLang="zh-CN" sz="2400" dirty="0">
-                <a:latin typeface="Palatino Linotype" pitchFamily="18" charset="0"/>
-              </a:rPr>
-              <a:t>Since H</a:t>
-            </a:r>
-            <a:r>
-              <a:rPr lang="en-US" altLang="zh-CN" sz="2400" baseline="-25000" dirty="0">
-                <a:latin typeface="Palatino Linotype" pitchFamily="18" charset="0"/>
-              </a:rPr>
-              <a:t>A</a:t>
-            </a:r>
-            <a:r>
-              <a:rPr lang="en-US" altLang="zh-CN" sz="2400" dirty="0">
-                <a:latin typeface="Palatino Linotype" pitchFamily="18" charset="0"/>
-              </a:rPr>
-              <a:t>: </a:t>
-            </a:r>
-            <a:r>
-              <a:rPr lang="en-US" altLang="zh-CN" sz="2400" dirty="0">
-                <a:latin typeface="Palatino Linotype" pitchFamily="18" charset="0"/>
-                <a:sym typeface="Symbol" pitchFamily="18" charset="2"/>
-              </a:rPr>
-              <a:t></a:t>
-            </a:r>
-            <a:r>
-              <a:rPr lang="en-US" altLang="zh-CN" sz="2400" baseline="-25000" dirty="0">
-                <a:latin typeface="Palatino Linotype" pitchFamily="18" charset="0"/>
-              </a:rPr>
-              <a:t>d</a:t>
-            </a:r>
-            <a:r>
-              <a:rPr lang="en-US" altLang="zh-CN" sz="2400" dirty="0">
-                <a:latin typeface="Palatino Linotype" pitchFamily="18" charset="0"/>
-              </a:rPr>
-              <a:t> &gt; 0, this will be a one tailed test with region of rejection in the upper tail of the distribution; the area under the curve in the region of rejection will be .05. </a:t>
-            </a:r>
-          </a:p>
-          <a:p>
-            <a:endParaRPr lang="en-US" altLang="zh-CN" dirty="0">
-              <a:latin typeface="Palatino Linotype" pitchFamily="18" charset="0"/>
-            </a:endParaRPr>
-          </a:p>
-          <a:p>
-            <a:endParaRPr lang="en-US" dirty="0">
-              <a:latin typeface="Palatino Linotype" pitchFamily="18" charset="0"/>
-            </a:endParaRPr>
-          </a:p>
-        </p:txBody>
-      </p:sp>
-      <p:sp>
-        <p:nvSpPr>
-          <p:cNvPr id="4" name="Slide Number Placeholder 3"/>
-          <p:cNvSpPr>
-            <a:spLocks noGrp="1"/>
-          </p:cNvSpPr>
-          <p:nvPr>
-            <p:ph type="sldNum" sz="quarter" idx="12"/>
-          </p:nvPr>
-        </p:nvSpPr>
-        <p:spPr/>
-        <p:txBody>
-          <a:bodyPr/>
-          <a:lstStyle/>
-          <a:p>
-            <a:fld id="{19892AFD-08A7-429B-863F-010284A09610}" type="slidenum">
-              <a:rPr lang="en-US" smtClean="0"/>
-              <a:t>18</a:t>
-            </a:fld>
-            <a:endParaRPr lang="en-US"/>
-          </a:p>
-        </p:txBody>
-      </p:sp>
-    </p:spTree>
-    <p:extLst>
-      <p:ext uri="{BB962C8B-B14F-4D97-AF65-F5344CB8AC3E}">
-        <p14:creationId xmlns:p14="http://schemas.microsoft.com/office/powerpoint/2010/main" val="590455646"/>
-      </p:ext>
-    </p:extLst>
-  </p:cSld>
-  <p:clrMapOvr>
-    <a:masterClrMapping/>
-  </p:clrMapOvr>
 </p:sld>
 </file>
 
@@ -13437,7 +13613,7 @@
           <a:bodyPr/>
           <a:lstStyle/>
           <a:p>
-            <a:endParaRPr lang="en-US" sz="2000">
+            <a:endParaRPr lang="en-US">
               <a:latin typeface="Palatino Linotype" pitchFamily="18" charset="0"/>
             </a:endParaRPr>
           </a:p>
@@ -13456,7 +13632,7 @@
         <p:spPr/>
         <p:txBody>
           <a:bodyPr>
-            <a:normAutofit/>
+            <a:normAutofit fontScale="92500" lnSpcReduction="20000"/>
           </a:bodyPr>
           <a:lstStyle/>
           <a:p>
@@ -13464,20 +13640,50 @@
               <a:rPr lang="en-US" altLang="zh-CN" sz="2400" u="sng" dirty="0">
                 <a:latin typeface="Palatino Linotype" pitchFamily="18" charset="0"/>
               </a:rPr>
-              <a:t>Step3.</a:t>
+              <a:t>Step1.</a:t>
             </a:r>
             <a:r>
               <a:rPr lang="en-US" altLang="zh-CN" sz="2400" dirty="0">
                 <a:latin typeface="Palatino Linotype" pitchFamily="18" charset="0"/>
               </a:rPr>
-              <a:t> Sketch the sampling distribution of the test statistic with the region of rejection shaded and the critical value(s) clearly indicated</a:t>
-            </a:r>
+              <a:t>  Based on the Research Hypotheses, specify the appropriate statistical hypotheses (H</a:t>
+            </a:r>
+            <a:r>
+              <a:rPr lang="en-US" altLang="zh-CN" sz="2400" baseline="-25000" dirty="0">
+                <a:latin typeface="Palatino Linotype" pitchFamily="18" charset="0"/>
+              </a:rPr>
+              <a:t>A</a:t>
+            </a:r>
+            <a:r>
+              <a:rPr lang="en-US" altLang="zh-CN" sz="2400" dirty="0">
+                <a:latin typeface="Palatino Linotype" pitchFamily="18" charset="0"/>
+              </a:rPr>
+              <a:t> and H</a:t>
+            </a:r>
+            <a:r>
+              <a:rPr lang="en-US" altLang="zh-CN" sz="2400" baseline="-25000" dirty="0">
+                <a:latin typeface="Palatino Linotype" pitchFamily="18" charset="0"/>
+              </a:rPr>
+              <a:t>0</a:t>
+            </a:r>
+            <a:r>
+              <a:rPr lang="en-US" altLang="zh-CN" sz="2400" dirty="0">
+                <a:latin typeface="Palatino Linotype" pitchFamily="18" charset="0"/>
+              </a:rPr>
+              <a:t>). </a:t>
+            </a:r>
+          </a:p>
+          <a:p>
+            <a:endParaRPr lang="en-US" altLang="zh-CN" dirty="0">
+              <a:latin typeface="Palatino Linotype" pitchFamily="18" charset="0"/>
+            </a:endParaRPr>
           </a:p>
           <a:p>
             <a:pPr marL="0" indent="0">
               <a:spcBef>
-                <a:spcPct val="0"/>
+                <a:spcPts val="0"/>
               </a:spcBef>
+              <a:defRPr/>
             </a:pPr>
             <a:r>
               <a:rPr lang="en-US" altLang="zh-CN" sz="2400" dirty="0">
@@ -13489,45 +13695,154 @@
               <a:rPr lang="en-US" altLang="zh-CN" sz="2400" u="sng" dirty="0">
                 <a:latin typeface="Palatino Linotype" pitchFamily="18" charset="0"/>
               </a:rPr>
-              <a:t>Step4.</a:t>
+              <a:t>Step2.</a:t>
             </a:r>
             <a:r>
               <a:rPr lang="en-US" altLang="zh-CN" sz="2400" dirty="0">
                 <a:latin typeface="Palatino Linotype" pitchFamily="18" charset="0"/>
               </a:rPr>
-              <a:t> Compute the test statistic using the sample data. </a:t>
-            </a:r>
-          </a:p>
-          <a:p>
-            <a:pPr marL="0" indent="0">
-              <a:spcBef>
-                <a:spcPct val="0"/>
-              </a:spcBef>
+              <a:t> Specify the test to perform, the level of significance, sample size (degrees of freedom, if needed) and the directionality of the test</a:t>
+            </a:r>
+          </a:p>
+          <a:p>
+            <a:pPr marL="895350" lvl="1" indent="-438150">
+              <a:lnSpc>
+                <a:spcPct val="90000"/>
+              </a:lnSpc>
+              <a:defRPr/>
+            </a:pPr>
+            <a:r>
+              <a:rPr lang="en-US" altLang="zh-CN" sz="2400" dirty="0">
+                <a:latin typeface="Palatino Linotype" pitchFamily="18" charset="0"/>
+              </a:rPr>
+              <a:t>Two Sample t Test for Dependent Groups</a:t>
+            </a:r>
+            <a:endParaRPr lang="en-US" altLang="zh-CN" sz="2400" dirty="0">
+              <a:latin typeface="Palatino Linotype" pitchFamily="18" charset="0"/>
+              <a:sym typeface="Symbol" pitchFamily="18" charset="2"/>
+            </a:endParaRPr>
+          </a:p>
+          <a:p>
+            <a:pPr marL="895350" lvl="1" indent="-438150">
+              <a:lnSpc>
+                <a:spcPct val="90000"/>
+              </a:lnSpc>
+              <a:defRPr/>
+            </a:pPr>
+            <a:r>
+              <a:rPr lang="en-US" altLang="zh-CN" sz="2400" dirty="0">
+                <a:latin typeface="Palatino Linotype" pitchFamily="18" charset="0"/>
+                <a:sym typeface="Symbol" pitchFamily="18" charset="2"/>
+              </a:rPr>
+              <a:t></a:t>
+            </a:r>
+            <a:r>
+              <a:rPr lang="en-US" altLang="zh-CN" sz="2400" dirty="0">
+                <a:latin typeface="Palatino Linotype" pitchFamily="18" charset="0"/>
+              </a:rPr>
+              <a:t> = .05</a:t>
+            </a:r>
+          </a:p>
+          <a:p>
+            <a:pPr marL="895350" lvl="1" indent="-438150">
+              <a:lnSpc>
+                <a:spcPct val="90000"/>
+              </a:lnSpc>
+              <a:defRPr/>
+            </a:pPr>
+            <a:r>
+              <a:rPr lang="en-US" altLang="zh-CN" sz="2400" dirty="0">
+                <a:latin typeface="Palatino Linotype" pitchFamily="18" charset="0"/>
+              </a:rPr>
+              <a:t>n = 12</a:t>
+            </a:r>
+          </a:p>
+          <a:p>
+            <a:pPr marL="895350" lvl="1" indent="-438150">
+              <a:lnSpc>
+                <a:spcPct val="90000"/>
+              </a:lnSpc>
+              <a:defRPr/>
+            </a:pPr>
+            <a:r>
+              <a:rPr lang="en-US" altLang="zh-CN" sz="2400" dirty="0" err="1">
+                <a:latin typeface="Palatino Linotype" pitchFamily="18" charset="0"/>
+              </a:rPr>
+              <a:t>df</a:t>
+            </a:r>
+            <a:r>
+              <a:rPr lang="en-US" altLang="zh-CN" sz="2400" dirty="0">
+                <a:latin typeface="Palatino Linotype" pitchFamily="18" charset="0"/>
+              </a:rPr>
+              <a:t> = n – 1 = 12 – 1 = 11</a:t>
+            </a:r>
+          </a:p>
+          <a:p>
+            <a:pPr marL="895350" lvl="1" indent="-438150">
+              <a:lnSpc>
+                <a:spcPct val="90000"/>
+              </a:lnSpc>
+              <a:defRPr/>
             </a:pPr>
             <a:endParaRPr lang="en-US" altLang="zh-CN" sz="2400" dirty="0">
               <a:latin typeface="Palatino Linotype" pitchFamily="18" charset="0"/>
             </a:endParaRPr>
           </a:p>
           <a:p>
-            <a:pPr marL="0" indent="0">
+            <a:pPr marL="0" lvl="1" indent="0">
+              <a:lnSpc>
+                <a:spcPct val="120000"/>
+              </a:lnSpc>
               <a:spcBef>
-                <a:spcPct val="0"/>
+                <a:spcPts val="0"/>
               </a:spcBef>
+              <a:defRPr/>
             </a:pPr>
             <a:r>
               <a:rPr lang="en-US" altLang="zh-CN" sz="2400" dirty="0">
                 <a:latin typeface="Palatino Linotype" pitchFamily="18" charset="0"/>
               </a:rPr>
-              <a:t>Before you can compute the test statistics, you need to compute the difference scores. Be sure that the method used to calculate the difference scores matches the way the statistical hypotheses were formulated in Step 1! </a:t>
-            </a:r>
-          </a:p>
-          <a:p>
-            <a:endParaRPr lang="en-US" altLang="zh-CN" sz="2000" dirty="0">
+              <a:t>Since H</a:t>
+            </a:r>
+            <a:r>
+              <a:rPr lang="en-US" altLang="zh-CN" sz="2400" baseline="-25000" dirty="0">
+                <a:latin typeface="Palatino Linotype" pitchFamily="18" charset="0"/>
+              </a:rPr>
+              <a:t>A</a:t>
+            </a:r>
+            <a:r>
+              <a:rPr lang="en-US" altLang="zh-CN" sz="2400" dirty="0">
+                <a:latin typeface="Palatino Linotype" pitchFamily="18" charset="0"/>
+              </a:rPr>
+              <a:t>: </a:t>
+            </a:r>
+            <a:r>
+              <a:rPr lang="en-US" altLang="zh-CN" sz="2400" dirty="0">
+                <a:latin typeface="Palatino Linotype" pitchFamily="18" charset="0"/>
+                <a:sym typeface="Symbol" pitchFamily="18" charset="2"/>
+              </a:rPr>
+              <a:t></a:t>
+            </a:r>
+            <a:r>
+              <a:rPr lang="en-US" altLang="zh-CN" sz="2400" baseline="-25000" dirty="0">
+                <a:latin typeface="Palatino Linotype" pitchFamily="18" charset="0"/>
+              </a:rPr>
+              <a:t>d</a:t>
+            </a:r>
+            <a:r>
+              <a:rPr lang="en-US" altLang="zh-CN" sz="2400" dirty="0">
+                <a:latin typeface="Palatino Linotype" pitchFamily="18" charset="0"/>
+              </a:rPr>
+              <a:t> &gt; 0, this will be a one tailed test with region of rejection in the upper tail of the distribution; the area under the curve in the region of rejection will be .05. </a:t>
+            </a:r>
+          </a:p>
+          <a:p>
+            <a:endParaRPr lang="en-US" altLang="zh-CN" dirty="0">
               <a:latin typeface="Palatino Linotype" pitchFamily="18" charset="0"/>
             </a:endParaRPr>
           </a:p>
           <a:p>
-            <a:endParaRPr lang="en-US" sz="2000" dirty="0">
+            <a:endParaRPr lang="en-US" dirty="0">
               <a:latin typeface="Palatino Linotype" pitchFamily="18" charset="0"/>
             </a:endParaRPr>
           </a:p>
@@ -13559,7 +13874,7 @@
     </p:spTree>
     <p:extLst>
       <p:ext uri="{BB962C8B-B14F-4D97-AF65-F5344CB8AC3E}">
-        <p14:creationId xmlns:p14="http://schemas.microsoft.com/office/powerpoint/2010/main" val="552084644"/>
+        <p14:creationId xmlns:p14="http://schemas.microsoft.com/office/powerpoint/2010/main" val="590455646"/>
       </p:ext>
     </p:extLst>
   </p:cSld>
@@ -14114,6 +14429,170 @@
       </p:grpSpPr>
       <p:sp>
         <p:nvSpPr>
+          <p:cNvPr id="2" name="Title 1"/>
+          <p:cNvSpPr>
+            <a:spLocks noGrp="1"/>
+          </p:cNvSpPr>
+          <p:nvPr>
+            <p:ph type="title"/>
+          </p:nvPr>
+        </p:nvSpPr>
+        <p:spPr/>
+        <p:txBody>
+          <a:bodyPr/>
+          <a:lstStyle/>
+          <a:p>
+            <a:endParaRPr lang="en-US" sz="2000">
+              <a:latin typeface="Palatino Linotype" pitchFamily="18" charset="0"/>
+            </a:endParaRPr>
+          </a:p>
+        </p:txBody>
+      </p:sp>
+      <p:sp>
+        <p:nvSpPr>
+          <p:cNvPr id="3" name="Content Placeholder 2"/>
+          <p:cNvSpPr>
+            <a:spLocks noGrp="1"/>
+          </p:cNvSpPr>
+          <p:nvPr>
+            <p:ph idx="1"/>
+          </p:nvPr>
+        </p:nvSpPr>
+        <p:spPr/>
+        <p:txBody>
+          <a:bodyPr>
+            <a:normAutofit/>
+          </a:bodyPr>
+          <a:lstStyle/>
+          <a:p>
+            <a:r>
+              <a:rPr lang="en-US" altLang="zh-CN" sz="2400" u="sng" dirty="0">
+                <a:latin typeface="Palatino Linotype" pitchFamily="18" charset="0"/>
+              </a:rPr>
+              <a:t>Step3.</a:t>
+            </a:r>
+            <a:r>
+              <a:rPr lang="en-US" altLang="zh-CN" sz="2400" dirty="0">
+                <a:latin typeface="Palatino Linotype" pitchFamily="18" charset="0"/>
+              </a:rPr>
+              <a:t> Sketch the sampling distribution of the test statistic with the region of rejection shaded and the critical value(s) clearly indicated</a:t>
+            </a:r>
+          </a:p>
+          <a:p>
+            <a:pPr marL="0" indent="0">
+              <a:spcBef>
+                <a:spcPct val="0"/>
+              </a:spcBef>
+            </a:pPr>
+            <a:r>
+              <a:rPr lang="en-US" altLang="zh-CN" sz="2400" dirty="0">
+                <a:latin typeface="Palatino Linotype" pitchFamily="18" charset="0"/>
+              </a:rPr>
+              <a:t>   </a:t>
+            </a:r>
+            <a:r>
+              <a:rPr lang="en-US" altLang="zh-CN" sz="2400" u="sng" dirty="0">
+                <a:latin typeface="Palatino Linotype" pitchFamily="18" charset="0"/>
+              </a:rPr>
+              <a:t>Step4.</a:t>
+            </a:r>
+            <a:r>
+              <a:rPr lang="en-US" altLang="zh-CN" sz="2400" dirty="0">
+                <a:latin typeface="Palatino Linotype" pitchFamily="18" charset="0"/>
+              </a:rPr>
+              <a:t> Compute the test statistic using the sample data. </a:t>
+            </a:r>
+          </a:p>
+          <a:p>
+            <a:pPr marL="0" indent="0">
+              <a:spcBef>
+                <a:spcPct val="0"/>
+              </a:spcBef>
+            </a:pPr>
+            <a:endParaRPr lang="en-US" altLang="zh-CN" sz="2400" dirty="0">
+              <a:latin typeface="Palatino Linotype" pitchFamily="18" charset="0"/>
+            </a:endParaRPr>
+          </a:p>
+          <a:p>
+            <a:pPr marL="0" indent="0">
+              <a:spcBef>
+                <a:spcPct val="0"/>
+              </a:spcBef>
+            </a:pPr>
+            <a:r>
+              <a:rPr lang="en-US" altLang="zh-CN" sz="2400" dirty="0">
+                <a:latin typeface="Palatino Linotype" pitchFamily="18" charset="0"/>
+              </a:rPr>
+              <a:t>Before you can compute the test statistics, you need to compute the difference scores. Be sure that the method used to calculate the difference scores matches the way the statistical hypotheses were formulated in Step 1! </a:t>
+            </a:r>
+          </a:p>
+          <a:p>
+            <a:endParaRPr lang="en-US" altLang="zh-CN" sz="2000" dirty="0">
+              <a:latin typeface="Palatino Linotype" pitchFamily="18" charset="0"/>
+            </a:endParaRPr>
+          </a:p>
+          <a:p>
+            <a:endParaRPr lang="en-US" sz="2000" dirty="0">
+              <a:latin typeface="Palatino Linotype" pitchFamily="18" charset="0"/>
+            </a:endParaRPr>
+          </a:p>
+        </p:txBody>
+      </p:sp>
+      <p:sp>
+        <p:nvSpPr>
+          <p:cNvPr id="4" name="Slide Number Placeholder 3"/>
+          <p:cNvSpPr>
+            <a:spLocks noGrp="1"/>
+          </p:cNvSpPr>
+          <p:nvPr>
+            <p:ph type="sldNum" sz="quarter" idx="12"/>
+          </p:nvPr>
+        </p:nvSpPr>
+        <p:spPr/>
+        <p:txBody>
+          <a:bodyPr/>
+          <a:lstStyle/>
+          <a:p>
+            <a:fld id="{19892AFD-08A7-429B-863F-010284A09610}" type="slidenum">
+              <a:rPr lang="en-US" smtClean="0"/>
+              <a:t>20</a:t>
+            </a:fld>
+            <a:endParaRPr lang="en-US"/>
+          </a:p>
+        </p:txBody>
+      </p:sp>
+    </p:spTree>
+    <p:extLst>
+      <p:ext uri="{BB962C8B-B14F-4D97-AF65-F5344CB8AC3E}">
+        <p14:creationId xmlns:p14="http://schemas.microsoft.com/office/powerpoint/2010/main" val="552084644"/>
+      </p:ext>
+    </p:extLst>
+  </p:cSld>
+  <p:clrMapOvr>
+    <a:masterClrMapping/>
+  </p:clrMapOvr>
+</p:sld>
+</file>
+
+<file path=ppt/slides/slide21.xml><?xml version="1.0" encoding="utf-8"?>
+<p:sld xmlns:a="http://schemas.openxmlformats.org/drawingml/2006/main" xmlns:r="http://schemas.openxmlformats.org/officeDocument/2006/relationships" xmlns:p="http://schemas.openxmlformats.org/presentationml/2006/main">
+  <p:cSld>
+    <p:spTree>
+      <p:nvGrpSpPr>
+        <p:cNvPr id="1" name=""/>
+        <p:cNvGrpSpPr/>
+        <p:nvPr/>
+      </p:nvGrpSpPr>
+      <p:grpSpPr>
+        <a:xfrm>
+          <a:off x="0" y="0"/>
+          <a:ext cx="0" cy="0"/>
+          <a:chOff x="0" y="0"/>
+          <a:chExt cx="0" cy="0"/>
+        </a:xfrm>
+      </p:grpSpPr>
+      <p:sp>
+        <p:nvSpPr>
           <p:cNvPr id="12293" name="Rectangle 5"/>
           <p:cNvSpPr>
             <a:spLocks noChangeArrowheads="1"/>
@@ -14700,7 +15179,7 @@
           <a:graphicData uri="http://schemas.openxmlformats.org/presentationml/2006/ole">
             <mc:AlternateContent xmlns:mc="http://schemas.openxmlformats.org/markup-compatibility/2006">
               <mc:Choice xmlns:v="urn:schemas-microsoft-com:vml" Requires="v">
-                <p:oleObj spid="_x0000_s29727" name="Bitmap Image" r:id="rId4" imgW="4657143" imgH="2685714" progId="Paint.Picture">
+                <p:oleObj spid="_x0000_s29743" name="Bitmap Image" r:id="rId4" imgW="4657143" imgH="2685714" progId="Paint.Picture">
                   <p:embed/>
                 </p:oleObj>
               </mc:Choice>
@@ -14794,7 +15273,7 @@
           <a:p>
             <a:fld id="{19892AFD-08A7-429B-863F-010284A09610}" type="slidenum">
               <a:rPr lang="en-US" smtClean="0"/>
-              <a:t>20</a:t>
+              <a:t>21</a:t>
             </a:fld>
             <a:endParaRPr lang="en-US"/>
           </a:p>
@@ -14804,749 +15283,6 @@
     <p:extLst>
       <p:ext uri="{BB962C8B-B14F-4D97-AF65-F5344CB8AC3E}">
         <p14:creationId xmlns:p14="http://schemas.microsoft.com/office/powerpoint/2010/main" val="3834897605"/>
-      </p:ext>
-    </p:extLst>
-  </p:cSld>
-  <p:clrMapOvr>
-    <a:masterClrMapping/>
-  </p:clrMapOvr>
-  <p:transition xmlns:p14="http://schemas.microsoft.com/office/powerpoint/2010/main"/>
-</p:sld>
-</file>
-
-<file path=ppt/slides/slide21.xml><?xml version="1.0" encoding="utf-8"?>
-<p:sld xmlns:a="http://schemas.openxmlformats.org/drawingml/2006/main" xmlns:r="http://schemas.openxmlformats.org/officeDocument/2006/relationships" xmlns:p="http://schemas.openxmlformats.org/presentationml/2006/main">
-  <p:cSld>
-    <p:spTree>
-      <p:nvGrpSpPr>
-        <p:cNvPr id="1" name=""/>
-        <p:cNvGrpSpPr/>
-        <p:nvPr/>
-      </p:nvGrpSpPr>
-      <p:grpSpPr>
-        <a:xfrm>
-          <a:off x="0" y="0"/>
-          <a:ext cx="0" cy="0"/>
-          <a:chOff x="0" y="0"/>
-          <a:chExt cx="0" cy="0"/>
-        </a:xfrm>
-      </p:grpSpPr>
-      <p:sp>
-        <p:nvSpPr>
-          <p:cNvPr id="29698" name="Rectangle 3"/>
-          <p:cNvSpPr>
-            <a:spLocks noGrp="1" noChangeArrowheads="1"/>
-          </p:cNvSpPr>
-          <p:nvPr>
-            <p:ph type="body" idx="4294967295"/>
-          </p:nvPr>
-        </p:nvSpPr>
-        <p:spPr>
-          <a:xfrm>
-            <a:off x="457200" y="1524000"/>
-            <a:ext cx="8458200" cy="4343400"/>
-          </a:xfrm>
-        </p:spPr>
-        <p:txBody>
-          <a:bodyPr>
-            <a:normAutofit/>
-          </a:bodyPr>
-          <a:lstStyle/>
-          <a:p>
-            <a:pPr marL="0" indent="0" eaLnBrk="1" hangingPunct="1">
-              <a:spcBef>
-                <a:spcPct val="0"/>
-              </a:spcBef>
-            </a:pPr>
-            <a:r>
-              <a:rPr lang="en-US" altLang="zh-CN" sz="2400" u="sng" dirty="0">
-                <a:latin typeface="Palatino Linotype" pitchFamily="18" charset="0"/>
-              </a:rPr>
-              <a:t>Step5</a:t>
-            </a:r>
-            <a:r>
-              <a:rPr lang="en-US" altLang="zh-CN" sz="2400" dirty="0">
-                <a:latin typeface="Palatino Linotype" pitchFamily="18" charset="0"/>
-              </a:rPr>
-              <a:t>. Locate the observed test statistic on the sampling distribution and state the decision regarding H</a:t>
-            </a:r>
-            <a:r>
-              <a:rPr lang="en-US" altLang="zh-CN" sz="2400" baseline="-25000" dirty="0">
-                <a:latin typeface="Palatino Linotype" pitchFamily="18" charset="0"/>
-              </a:rPr>
-              <a:t>0</a:t>
-            </a:r>
-          </a:p>
-          <a:p>
-            <a:pPr marL="228600" lvl="4" indent="0" eaLnBrk="1" hangingPunct="1">
-              <a:spcBef>
-                <a:spcPct val="0"/>
-              </a:spcBef>
-            </a:pPr>
-            <a:r>
-              <a:rPr lang="en-US" altLang="zh-CN" sz="2400" dirty="0">
-                <a:latin typeface="Palatino Linotype" pitchFamily="18" charset="0"/>
-              </a:rPr>
-              <a:t>Reject the null hypothesis </a:t>
-            </a:r>
-          </a:p>
-          <a:p>
-            <a:pPr marL="0" indent="0" eaLnBrk="1" hangingPunct="1">
-              <a:spcBef>
-                <a:spcPct val="0"/>
-              </a:spcBef>
-            </a:pPr>
-            <a:endParaRPr lang="en-US" altLang="zh-CN" sz="2400" u="sng" dirty="0">
-              <a:latin typeface="Palatino Linotype" pitchFamily="18" charset="0"/>
-            </a:endParaRPr>
-          </a:p>
-          <a:p>
-            <a:pPr marL="0" indent="0" eaLnBrk="1" hangingPunct="1">
-              <a:spcBef>
-                <a:spcPct val="0"/>
-              </a:spcBef>
-            </a:pPr>
-            <a:r>
-              <a:rPr lang="en-US" altLang="zh-CN" sz="2400" u="sng" dirty="0">
-                <a:latin typeface="Palatino Linotype" pitchFamily="18" charset="0"/>
-              </a:rPr>
-              <a:t>Step6</a:t>
-            </a:r>
-            <a:r>
-              <a:rPr lang="en-US" altLang="zh-CN" sz="2400" dirty="0">
-                <a:latin typeface="Palatino Linotype" pitchFamily="18" charset="0"/>
-              </a:rPr>
-              <a:t>.  Interpret the results to answer the researcher’s question. </a:t>
-            </a:r>
-          </a:p>
-          <a:p>
-            <a:pPr marL="0" lvl="1" indent="-228600" eaLnBrk="1" hangingPunct="1">
-              <a:spcBef>
-                <a:spcPct val="0"/>
-              </a:spcBef>
-              <a:buFont typeface="Arial" charset="0"/>
-              <a:buNone/>
-            </a:pPr>
-            <a:endParaRPr lang="en-US" altLang="zh-CN" sz="2400" dirty="0">
-              <a:latin typeface="Palatino Linotype" pitchFamily="18" charset="0"/>
-            </a:endParaRPr>
-          </a:p>
-          <a:p>
-            <a:pPr marL="0" lvl="1" indent="-228600" eaLnBrk="1" hangingPunct="1">
-              <a:spcBef>
-                <a:spcPct val="0"/>
-              </a:spcBef>
-              <a:buFont typeface="Arial" charset="0"/>
-              <a:buNone/>
-            </a:pPr>
-            <a:r>
-              <a:rPr lang="en-US" altLang="zh-CN" sz="2400" dirty="0">
-                <a:latin typeface="Palatino Linotype" pitchFamily="18" charset="0"/>
-              </a:rPr>
-              <a:t>There is statistically significant evidence that being raised in an enriched environment results in higher IQ test scores than being raised in an impoverished environment </a:t>
-            </a:r>
-          </a:p>
-        </p:txBody>
-      </p:sp>
-      <p:sp>
-        <p:nvSpPr>
-          <p:cNvPr id="29701" name="Rectangle 5"/>
-          <p:cNvSpPr>
-            <a:spLocks noChangeArrowheads="1"/>
-          </p:cNvSpPr>
-          <p:nvPr/>
-        </p:nvSpPr>
-        <p:spPr bwMode="auto">
-          <a:xfrm>
-            <a:off x="0" y="3153847"/>
-            <a:ext cx="184731" cy="369332"/>
-          </a:xfrm>
-          <a:prstGeom prst="rect">
-            <a:avLst/>
-          </a:prstGeom>
-          <a:noFill/>
-          <a:ln>
-            <a:noFill/>
-          </a:ln>
-          <a:extLst>
-            <a:ext uri="{909E8E84-426E-40dd-AFC4-6F175D3DCCD1}">
-              <a14:hiddenFill xmlns:a14="http://schemas.microsoft.com/office/drawing/2010/main">
-                <a:solidFill>
-                  <a:srgbClr val="FFFFFF"/>
-                </a:solidFill>
-              </a14:hiddenFill>
-            </a:ext>
-            <a:ext uri="{91240B29-F687-4f45-9708-019B960494DF}">
-              <a14:hiddenLine xmlns:a14="http://schemas.microsoft.com/office/drawing/2010/main" w="9525" algn="ctr">
-                <a:solidFill>
-                  <a:srgbClr val="000000"/>
-                </a:solidFill>
-                <a:miter lim="800000"/>
-                <a:headEnd/>
-                <a:tailEnd/>
-              </a14:hiddenLine>
-            </a:ext>
-          </a:extLst>
-        </p:spPr>
-        <p:txBody>
-          <a:bodyPr wrap="none" anchor="ctr">
-            <a:spAutoFit/>
-          </a:bodyPr>
-          <a:lstStyle/>
-          <a:p>
-            <a:endParaRPr lang="en-US">
-              <a:latin typeface="Palatino Linotype" pitchFamily="18" charset="0"/>
-            </a:endParaRPr>
-          </a:p>
-        </p:txBody>
-      </p:sp>
-      <p:sp>
-        <p:nvSpPr>
-          <p:cNvPr id="29702" name="Rectangle 6"/>
-          <p:cNvSpPr>
-            <a:spLocks noChangeArrowheads="1"/>
-          </p:cNvSpPr>
-          <p:nvPr/>
-        </p:nvSpPr>
-        <p:spPr bwMode="auto">
-          <a:xfrm>
-            <a:off x="0" y="-184666"/>
-            <a:ext cx="184731" cy="369332"/>
-          </a:xfrm>
-          <a:prstGeom prst="rect">
-            <a:avLst/>
-          </a:prstGeom>
-          <a:noFill/>
-          <a:ln>
-            <a:noFill/>
-          </a:ln>
-          <a:extLst>
-            <a:ext uri="{909E8E84-426E-40dd-AFC4-6F175D3DCCD1}">
-              <a14:hiddenFill xmlns:a14="http://schemas.microsoft.com/office/drawing/2010/main">
-                <a:solidFill>
-                  <a:srgbClr val="FFFFFF"/>
-                </a:solidFill>
-              </a14:hiddenFill>
-            </a:ext>
-            <a:ext uri="{91240B29-F687-4f45-9708-019B960494DF}">
-              <a14:hiddenLine xmlns:a14="http://schemas.microsoft.com/office/drawing/2010/main" w="9525" algn="ctr">
-                <a:solidFill>
-                  <a:srgbClr val="000000"/>
-                </a:solidFill>
-                <a:miter lim="800000"/>
-                <a:headEnd/>
-                <a:tailEnd/>
-              </a14:hiddenLine>
-            </a:ext>
-          </a:extLst>
-        </p:spPr>
-        <p:txBody>
-          <a:bodyPr wrap="none" anchor="ctr">
-            <a:spAutoFit/>
-          </a:bodyPr>
-          <a:lstStyle/>
-          <a:p>
-            <a:endParaRPr lang="en-US">
-              <a:latin typeface="Palatino Linotype" pitchFamily="18" charset="0"/>
-            </a:endParaRPr>
-          </a:p>
-        </p:txBody>
-      </p:sp>
-      <p:sp>
-        <p:nvSpPr>
-          <p:cNvPr id="29703" name="Rectangle 7"/>
-          <p:cNvSpPr>
-            <a:spLocks noChangeArrowheads="1"/>
-          </p:cNvSpPr>
-          <p:nvPr/>
-        </p:nvSpPr>
-        <p:spPr bwMode="auto">
-          <a:xfrm>
-            <a:off x="0" y="3149084"/>
-            <a:ext cx="184731" cy="369332"/>
-          </a:xfrm>
-          <a:prstGeom prst="rect">
-            <a:avLst/>
-          </a:prstGeom>
-          <a:noFill/>
-          <a:ln>
-            <a:noFill/>
-          </a:ln>
-          <a:extLst>
-            <a:ext uri="{909E8E84-426E-40dd-AFC4-6F175D3DCCD1}">
-              <a14:hiddenFill xmlns:a14="http://schemas.microsoft.com/office/drawing/2010/main">
-                <a:solidFill>
-                  <a:srgbClr val="FFFFFF"/>
-                </a:solidFill>
-              </a14:hiddenFill>
-            </a:ext>
-            <a:ext uri="{91240B29-F687-4f45-9708-019B960494DF}">
-              <a14:hiddenLine xmlns:a14="http://schemas.microsoft.com/office/drawing/2010/main" w="9525" algn="ctr">
-                <a:solidFill>
-                  <a:srgbClr val="000000"/>
-                </a:solidFill>
-                <a:miter lim="800000"/>
-                <a:headEnd/>
-                <a:tailEnd/>
-              </a14:hiddenLine>
-            </a:ext>
-          </a:extLst>
-        </p:spPr>
-        <p:txBody>
-          <a:bodyPr wrap="none" anchor="ctr">
-            <a:spAutoFit/>
-          </a:bodyPr>
-          <a:lstStyle/>
-          <a:p>
-            <a:endParaRPr lang="en-US">
-              <a:latin typeface="Palatino Linotype" pitchFamily="18" charset="0"/>
-            </a:endParaRPr>
-          </a:p>
-        </p:txBody>
-      </p:sp>
-      <p:sp>
-        <p:nvSpPr>
-          <p:cNvPr id="29704" name="Rectangle 8"/>
-          <p:cNvSpPr>
-            <a:spLocks noChangeArrowheads="1"/>
-          </p:cNvSpPr>
-          <p:nvPr/>
-        </p:nvSpPr>
-        <p:spPr bwMode="auto">
-          <a:xfrm>
-            <a:off x="0" y="-184666"/>
-            <a:ext cx="184731" cy="369332"/>
-          </a:xfrm>
-          <a:prstGeom prst="rect">
-            <a:avLst/>
-          </a:prstGeom>
-          <a:noFill/>
-          <a:ln>
-            <a:noFill/>
-          </a:ln>
-          <a:extLst>
-            <a:ext uri="{909E8E84-426E-40dd-AFC4-6F175D3DCCD1}">
-              <a14:hiddenFill xmlns:a14="http://schemas.microsoft.com/office/drawing/2010/main">
-                <a:solidFill>
-                  <a:srgbClr val="FFFFFF"/>
-                </a:solidFill>
-              </a14:hiddenFill>
-            </a:ext>
-            <a:ext uri="{91240B29-F687-4f45-9708-019B960494DF}">
-              <a14:hiddenLine xmlns:a14="http://schemas.microsoft.com/office/drawing/2010/main" w="9525" algn="ctr">
-                <a:solidFill>
-                  <a:srgbClr val="000000"/>
-                </a:solidFill>
-                <a:miter lim="800000"/>
-                <a:headEnd/>
-                <a:tailEnd/>
-              </a14:hiddenLine>
-            </a:ext>
-          </a:extLst>
-        </p:spPr>
-        <p:txBody>
-          <a:bodyPr wrap="none" anchor="ctr">
-            <a:spAutoFit/>
-          </a:bodyPr>
-          <a:lstStyle/>
-          <a:p>
-            <a:endParaRPr lang="en-US">
-              <a:latin typeface="Palatino Linotype" pitchFamily="18" charset="0"/>
-            </a:endParaRPr>
-          </a:p>
-        </p:txBody>
-      </p:sp>
-      <p:sp>
-        <p:nvSpPr>
-          <p:cNvPr id="29705" name="Rectangle 9"/>
-          <p:cNvSpPr>
-            <a:spLocks noChangeArrowheads="1"/>
-          </p:cNvSpPr>
-          <p:nvPr/>
-        </p:nvSpPr>
-        <p:spPr bwMode="auto">
-          <a:xfrm>
-            <a:off x="0" y="-184666"/>
-            <a:ext cx="184731" cy="369332"/>
-          </a:xfrm>
-          <a:prstGeom prst="rect">
-            <a:avLst/>
-          </a:prstGeom>
-          <a:noFill/>
-          <a:ln>
-            <a:noFill/>
-          </a:ln>
-          <a:extLst>
-            <a:ext uri="{909E8E84-426E-40dd-AFC4-6F175D3DCCD1}">
-              <a14:hiddenFill xmlns:a14="http://schemas.microsoft.com/office/drawing/2010/main">
-                <a:solidFill>
-                  <a:srgbClr val="FFFFFF"/>
-                </a:solidFill>
-              </a14:hiddenFill>
-            </a:ext>
-            <a:ext uri="{91240B29-F687-4f45-9708-019B960494DF}">
-              <a14:hiddenLine xmlns:a14="http://schemas.microsoft.com/office/drawing/2010/main" w="9525" algn="ctr">
-                <a:solidFill>
-                  <a:srgbClr val="000000"/>
-                </a:solidFill>
-                <a:miter lim="800000"/>
-                <a:headEnd/>
-                <a:tailEnd/>
-              </a14:hiddenLine>
-            </a:ext>
-          </a:extLst>
-        </p:spPr>
-        <p:txBody>
-          <a:bodyPr wrap="none" anchor="ctr">
-            <a:spAutoFit/>
-          </a:bodyPr>
-          <a:lstStyle/>
-          <a:p>
-            <a:endParaRPr lang="en-US">
-              <a:latin typeface="Palatino Linotype" pitchFamily="18" charset="0"/>
-            </a:endParaRPr>
-          </a:p>
-        </p:txBody>
-      </p:sp>
-      <p:sp>
-        <p:nvSpPr>
-          <p:cNvPr id="29706" name="Rectangle 10"/>
-          <p:cNvSpPr>
-            <a:spLocks noChangeArrowheads="1"/>
-          </p:cNvSpPr>
-          <p:nvPr/>
-        </p:nvSpPr>
-        <p:spPr bwMode="auto">
-          <a:xfrm>
-            <a:off x="0" y="3015734"/>
-            <a:ext cx="184731" cy="369332"/>
-          </a:xfrm>
-          <a:prstGeom prst="rect">
-            <a:avLst/>
-          </a:prstGeom>
-          <a:noFill/>
-          <a:ln>
-            <a:noFill/>
-          </a:ln>
-          <a:extLst>
-            <a:ext uri="{909E8E84-426E-40dd-AFC4-6F175D3DCCD1}">
-              <a14:hiddenFill xmlns:a14="http://schemas.microsoft.com/office/drawing/2010/main">
-                <a:solidFill>
-                  <a:srgbClr val="FFFFFF"/>
-                </a:solidFill>
-              </a14:hiddenFill>
-            </a:ext>
-            <a:ext uri="{91240B29-F687-4f45-9708-019B960494DF}">
-              <a14:hiddenLine xmlns:a14="http://schemas.microsoft.com/office/drawing/2010/main" w="9525" algn="ctr">
-                <a:solidFill>
-                  <a:srgbClr val="000000"/>
-                </a:solidFill>
-                <a:miter lim="800000"/>
-                <a:headEnd/>
-                <a:tailEnd/>
-              </a14:hiddenLine>
-            </a:ext>
-          </a:extLst>
-        </p:spPr>
-        <p:txBody>
-          <a:bodyPr wrap="none" anchor="ctr">
-            <a:spAutoFit/>
-          </a:bodyPr>
-          <a:lstStyle/>
-          <a:p>
-            <a:endParaRPr lang="en-US">
-              <a:latin typeface="Palatino Linotype" pitchFamily="18" charset="0"/>
-            </a:endParaRPr>
-          </a:p>
-        </p:txBody>
-      </p:sp>
-      <p:sp>
-        <p:nvSpPr>
-          <p:cNvPr id="29707" name="Rectangle 11"/>
-          <p:cNvSpPr>
-            <a:spLocks noChangeArrowheads="1"/>
-          </p:cNvSpPr>
-          <p:nvPr/>
-        </p:nvSpPr>
-        <p:spPr bwMode="auto">
-          <a:xfrm>
-            <a:off x="0" y="-184666"/>
-            <a:ext cx="184731" cy="369332"/>
-          </a:xfrm>
-          <a:prstGeom prst="rect">
-            <a:avLst/>
-          </a:prstGeom>
-          <a:noFill/>
-          <a:ln>
-            <a:noFill/>
-          </a:ln>
-          <a:extLst>
-            <a:ext uri="{909E8E84-426E-40dd-AFC4-6F175D3DCCD1}">
-              <a14:hiddenFill xmlns:a14="http://schemas.microsoft.com/office/drawing/2010/main">
-                <a:solidFill>
-                  <a:srgbClr val="FFFFFF"/>
-                </a:solidFill>
-              </a14:hiddenFill>
-            </a:ext>
-            <a:ext uri="{91240B29-F687-4f45-9708-019B960494DF}">
-              <a14:hiddenLine xmlns:a14="http://schemas.microsoft.com/office/drawing/2010/main" w="9525" algn="ctr">
-                <a:solidFill>
-                  <a:srgbClr val="000000"/>
-                </a:solidFill>
-                <a:miter lim="800000"/>
-                <a:headEnd/>
-                <a:tailEnd/>
-              </a14:hiddenLine>
-            </a:ext>
-          </a:extLst>
-        </p:spPr>
-        <p:txBody>
-          <a:bodyPr wrap="none" anchor="ctr">
-            <a:spAutoFit/>
-          </a:bodyPr>
-          <a:lstStyle/>
-          <a:p>
-            <a:endParaRPr lang="en-US">
-              <a:latin typeface="Palatino Linotype" pitchFamily="18" charset="0"/>
-            </a:endParaRPr>
-          </a:p>
-        </p:txBody>
-      </p:sp>
-      <p:sp>
-        <p:nvSpPr>
-          <p:cNvPr id="29708" name="Rectangle 12"/>
-          <p:cNvSpPr>
-            <a:spLocks noChangeArrowheads="1"/>
-          </p:cNvSpPr>
-          <p:nvPr/>
-        </p:nvSpPr>
-        <p:spPr bwMode="auto">
-          <a:xfrm>
-            <a:off x="0" y="2939534"/>
-            <a:ext cx="184731" cy="369332"/>
-          </a:xfrm>
-          <a:prstGeom prst="rect">
-            <a:avLst/>
-          </a:prstGeom>
-          <a:noFill/>
-          <a:ln>
-            <a:noFill/>
-          </a:ln>
-          <a:extLst>
-            <a:ext uri="{909E8E84-426E-40dd-AFC4-6F175D3DCCD1}">
-              <a14:hiddenFill xmlns:a14="http://schemas.microsoft.com/office/drawing/2010/main">
-                <a:solidFill>
-                  <a:srgbClr val="FFFFFF"/>
-                </a:solidFill>
-              </a14:hiddenFill>
-            </a:ext>
-            <a:ext uri="{91240B29-F687-4f45-9708-019B960494DF}">
-              <a14:hiddenLine xmlns:a14="http://schemas.microsoft.com/office/drawing/2010/main" w="9525" algn="ctr">
-                <a:solidFill>
-                  <a:srgbClr val="000000"/>
-                </a:solidFill>
-                <a:miter lim="800000"/>
-                <a:headEnd/>
-                <a:tailEnd/>
-              </a14:hiddenLine>
-            </a:ext>
-          </a:extLst>
-        </p:spPr>
-        <p:txBody>
-          <a:bodyPr wrap="none" anchor="ctr">
-            <a:spAutoFit/>
-          </a:bodyPr>
-          <a:lstStyle/>
-          <a:p>
-            <a:endParaRPr lang="en-US">
-              <a:latin typeface="Palatino Linotype" pitchFamily="18" charset="0"/>
-            </a:endParaRPr>
-          </a:p>
-        </p:txBody>
-      </p:sp>
-      <p:sp>
-        <p:nvSpPr>
-          <p:cNvPr id="29709" name="Rectangle 13"/>
-          <p:cNvSpPr>
-            <a:spLocks noChangeArrowheads="1"/>
-          </p:cNvSpPr>
-          <p:nvPr/>
-        </p:nvSpPr>
-        <p:spPr bwMode="auto">
-          <a:xfrm>
-            <a:off x="0" y="2982397"/>
-            <a:ext cx="184731" cy="369332"/>
-          </a:xfrm>
-          <a:prstGeom prst="rect">
-            <a:avLst/>
-          </a:prstGeom>
-          <a:noFill/>
-          <a:ln>
-            <a:noFill/>
-          </a:ln>
-          <a:extLst>
-            <a:ext uri="{909E8E84-426E-40dd-AFC4-6F175D3DCCD1}">
-              <a14:hiddenFill xmlns:a14="http://schemas.microsoft.com/office/drawing/2010/main">
-                <a:solidFill>
-                  <a:srgbClr val="FFFFFF"/>
-                </a:solidFill>
-              </a14:hiddenFill>
-            </a:ext>
-            <a:ext uri="{91240B29-F687-4f45-9708-019B960494DF}">
-              <a14:hiddenLine xmlns:a14="http://schemas.microsoft.com/office/drawing/2010/main" w="9525" algn="ctr">
-                <a:solidFill>
-                  <a:srgbClr val="000000"/>
-                </a:solidFill>
-                <a:miter lim="800000"/>
-                <a:headEnd/>
-                <a:tailEnd/>
-              </a14:hiddenLine>
-            </a:ext>
-          </a:extLst>
-        </p:spPr>
-        <p:txBody>
-          <a:bodyPr wrap="none" anchor="ctr">
-            <a:spAutoFit/>
-          </a:bodyPr>
-          <a:lstStyle/>
-          <a:p>
-            <a:endParaRPr lang="en-US">
-              <a:latin typeface="Palatino Linotype" pitchFamily="18" charset="0"/>
-            </a:endParaRPr>
-          </a:p>
-        </p:txBody>
-      </p:sp>
-      <p:sp>
-        <p:nvSpPr>
-          <p:cNvPr id="29710" name="Rectangle 14"/>
-          <p:cNvSpPr>
-            <a:spLocks noChangeArrowheads="1"/>
-          </p:cNvSpPr>
-          <p:nvPr/>
-        </p:nvSpPr>
-        <p:spPr bwMode="auto">
-          <a:xfrm>
-            <a:off x="0" y="-184666"/>
-            <a:ext cx="184731" cy="369332"/>
-          </a:xfrm>
-          <a:prstGeom prst="rect">
-            <a:avLst/>
-          </a:prstGeom>
-          <a:noFill/>
-          <a:ln>
-            <a:noFill/>
-          </a:ln>
-          <a:extLst>
-            <a:ext uri="{909E8E84-426E-40dd-AFC4-6F175D3DCCD1}">
-              <a14:hiddenFill xmlns:a14="http://schemas.microsoft.com/office/drawing/2010/main">
-                <a:solidFill>
-                  <a:srgbClr val="FFFFFF"/>
-                </a:solidFill>
-              </a14:hiddenFill>
-            </a:ext>
-            <a:ext uri="{91240B29-F687-4f45-9708-019B960494DF}">
-              <a14:hiddenLine xmlns:a14="http://schemas.microsoft.com/office/drawing/2010/main" w="9525" algn="ctr">
-                <a:solidFill>
-                  <a:srgbClr val="000000"/>
-                </a:solidFill>
-                <a:miter lim="800000"/>
-                <a:headEnd/>
-                <a:tailEnd/>
-              </a14:hiddenLine>
-            </a:ext>
-          </a:extLst>
-        </p:spPr>
-        <p:txBody>
-          <a:bodyPr wrap="none" anchor="ctr">
-            <a:spAutoFit/>
-          </a:bodyPr>
-          <a:lstStyle/>
-          <a:p>
-            <a:endParaRPr lang="en-US">
-              <a:latin typeface="Palatino Linotype" pitchFamily="18" charset="0"/>
-            </a:endParaRPr>
-          </a:p>
-        </p:txBody>
-      </p:sp>
-      <p:sp>
-        <p:nvSpPr>
-          <p:cNvPr id="29711" name="Rectangle 15"/>
-          <p:cNvSpPr>
-            <a:spLocks noChangeArrowheads="1"/>
-          </p:cNvSpPr>
-          <p:nvPr/>
-        </p:nvSpPr>
-        <p:spPr bwMode="auto">
-          <a:xfrm>
-            <a:off x="0" y="-184666"/>
-            <a:ext cx="184731" cy="369332"/>
-          </a:xfrm>
-          <a:prstGeom prst="rect">
-            <a:avLst/>
-          </a:prstGeom>
-          <a:noFill/>
-          <a:ln>
-            <a:noFill/>
-          </a:ln>
-          <a:extLst>
-            <a:ext uri="{909E8E84-426E-40dd-AFC4-6F175D3DCCD1}">
-              <a14:hiddenFill xmlns:a14="http://schemas.microsoft.com/office/drawing/2010/main">
-                <a:solidFill>
-                  <a:srgbClr val="FFFFFF"/>
-                </a:solidFill>
-              </a14:hiddenFill>
-            </a:ext>
-            <a:ext uri="{91240B29-F687-4f45-9708-019B960494DF}">
-              <a14:hiddenLine xmlns:a14="http://schemas.microsoft.com/office/drawing/2010/main" w="9525" algn="ctr">
-                <a:solidFill>
-                  <a:srgbClr val="000000"/>
-                </a:solidFill>
-                <a:miter lim="800000"/>
-                <a:headEnd/>
-                <a:tailEnd/>
-              </a14:hiddenLine>
-            </a:ext>
-          </a:extLst>
-        </p:spPr>
-        <p:txBody>
-          <a:bodyPr wrap="none" anchor="ctr">
-            <a:spAutoFit/>
-          </a:bodyPr>
-          <a:lstStyle/>
-          <a:p>
-            <a:endParaRPr lang="en-US">
-              <a:latin typeface="Palatino Linotype" pitchFamily="18" charset="0"/>
-            </a:endParaRPr>
-          </a:p>
-        </p:txBody>
-      </p:sp>
-      <p:sp>
-        <p:nvSpPr>
-          <p:cNvPr id="2" name="Slide Number Placeholder 1"/>
-          <p:cNvSpPr>
-            <a:spLocks noGrp="1"/>
-          </p:cNvSpPr>
-          <p:nvPr>
-            <p:ph type="sldNum" sz="quarter" idx="12"/>
-          </p:nvPr>
-        </p:nvSpPr>
-        <p:spPr/>
-        <p:txBody>
-          <a:bodyPr/>
-          <a:lstStyle/>
-          <a:p>
-            <a:fld id="{19892AFD-08A7-429B-863F-010284A09610}" type="slidenum">
-              <a:rPr lang="en-US" smtClean="0"/>
-              <a:t>21</a:t>
-            </a:fld>
-            <a:endParaRPr lang="en-US"/>
-          </a:p>
-        </p:txBody>
-      </p:sp>
-    </p:spTree>
-    <p:extLst>
-      <p:ext uri="{BB962C8B-B14F-4D97-AF65-F5344CB8AC3E}">
-        <p14:creationId xmlns:p14="http://schemas.microsoft.com/office/powerpoint/2010/main" val="2374059535"/>
       </p:ext>
     </p:extLst>
   </p:cSld>
@@ -15576,6 +15312,749 @@
       </p:grpSpPr>
       <p:sp>
         <p:nvSpPr>
+          <p:cNvPr id="29698" name="Rectangle 3"/>
+          <p:cNvSpPr>
+            <a:spLocks noGrp="1" noChangeArrowheads="1"/>
+          </p:cNvSpPr>
+          <p:nvPr>
+            <p:ph type="body" idx="4294967295"/>
+          </p:nvPr>
+        </p:nvSpPr>
+        <p:spPr>
+          <a:xfrm>
+            <a:off x="457200" y="1524000"/>
+            <a:ext cx="8458200" cy="4343400"/>
+          </a:xfrm>
+        </p:spPr>
+        <p:txBody>
+          <a:bodyPr>
+            <a:normAutofit/>
+          </a:bodyPr>
+          <a:lstStyle/>
+          <a:p>
+            <a:pPr marL="0" indent="0" eaLnBrk="1" hangingPunct="1">
+              <a:spcBef>
+                <a:spcPct val="0"/>
+              </a:spcBef>
+            </a:pPr>
+            <a:r>
+              <a:rPr lang="en-US" altLang="zh-CN" sz="2400" u="sng" dirty="0">
+                <a:latin typeface="Palatino Linotype" pitchFamily="18" charset="0"/>
+              </a:rPr>
+              <a:t>Step5</a:t>
+            </a:r>
+            <a:r>
+              <a:rPr lang="en-US" altLang="zh-CN" sz="2400" dirty="0">
+                <a:latin typeface="Palatino Linotype" pitchFamily="18" charset="0"/>
+              </a:rPr>
+              <a:t>. Locate the observed test statistic on the sampling distribution and state the decision regarding H</a:t>
+            </a:r>
+            <a:r>
+              <a:rPr lang="en-US" altLang="zh-CN" sz="2400" baseline="-25000" dirty="0">
+                <a:latin typeface="Palatino Linotype" pitchFamily="18" charset="0"/>
+              </a:rPr>
+              <a:t>0</a:t>
+            </a:r>
+          </a:p>
+          <a:p>
+            <a:pPr marL="228600" lvl="4" indent="0" eaLnBrk="1" hangingPunct="1">
+              <a:spcBef>
+                <a:spcPct val="0"/>
+              </a:spcBef>
+            </a:pPr>
+            <a:r>
+              <a:rPr lang="en-US" altLang="zh-CN" sz="2400" dirty="0">
+                <a:latin typeface="Palatino Linotype" pitchFamily="18" charset="0"/>
+              </a:rPr>
+              <a:t>Reject the null hypothesis </a:t>
+            </a:r>
+          </a:p>
+          <a:p>
+            <a:pPr marL="0" indent="0" eaLnBrk="1" hangingPunct="1">
+              <a:spcBef>
+                <a:spcPct val="0"/>
+              </a:spcBef>
+            </a:pPr>
+            <a:endParaRPr lang="en-US" altLang="zh-CN" sz="2400" u="sng" dirty="0">
+              <a:latin typeface="Palatino Linotype" pitchFamily="18" charset="0"/>
+            </a:endParaRPr>
+          </a:p>
+          <a:p>
+            <a:pPr marL="0" indent="0" eaLnBrk="1" hangingPunct="1">
+              <a:spcBef>
+                <a:spcPct val="0"/>
+              </a:spcBef>
+            </a:pPr>
+            <a:r>
+              <a:rPr lang="en-US" altLang="zh-CN" sz="2400" u="sng" dirty="0">
+                <a:latin typeface="Palatino Linotype" pitchFamily="18" charset="0"/>
+              </a:rPr>
+              <a:t>Step6</a:t>
+            </a:r>
+            <a:r>
+              <a:rPr lang="en-US" altLang="zh-CN" sz="2400" dirty="0">
+                <a:latin typeface="Palatino Linotype" pitchFamily="18" charset="0"/>
+              </a:rPr>
+              <a:t>.  Interpret the results to answer the researcher’s question. </a:t>
+            </a:r>
+          </a:p>
+          <a:p>
+            <a:pPr marL="0" lvl="1" indent="-228600" eaLnBrk="1" hangingPunct="1">
+              <a:spcBef>
+                <a:spcPct val="0"/>
+              </a:spcBef>
+              <a:buFont typeface="Arial" charset="0"/>
+              <a:buNone/>
+            </a:pPr>
+            <a:endParaRPr lang="en-US" altLang="zh-CN" sz="2400" dirty="0">
+              <a:latin typeface="Palatino Linotype" pitchFamily="18" charset="0"/>
+            </a:endParaRPr>
+          </a:p>
+          <a:p>
+            <a:pPr marL="0" lvl="1" indent="-228600" eaLnBrk="1" hangingPunct="1">
+              <a:spcBef>
+                <a:spcPct val="0"/>
+              </a:spcBef>
+              <a:buFont typeface="Arial" charset="0"/>
+              <a:buNone/>
+            </a:pPr>
+            <a:r>
+              <a:rPr lang="en-US" altLang="zh-CN" sz="2400" dirty="0">
+                <a:latin typeface="Palatino Linotype" pitchFamily="18" charset="0"/>
+              </a:rPr>
+              <a:t>There is statistically significant evidence that being raised in an enriched environment results in higher IQ test scores than being raised in an impoverished environment </a:t>
+            </a:r>
+          </a:p>
+        </p:txBody>
+      </p:sp>
+      <p:sp>
+        <p:nvSpPr>
+          <p:cNvPr id="29701" name="Rectangle 5"/>
+          <p:cNvSpPr>
+            <a:spLocks noChangeArrowheads="1"/>
+          </p:cNvSpPr>
+          <p:nvPr/>
+        </p:nvSpPr>
+        <p:spPr bwMode="auto">
+          <a:xfrm>
+            <a:off x="0" y="3153847"/>
+            <a:ext cx="184731" cy="369332"/>
+          </a:xfrm>
+          <a:prstGeom prst="rect">
+            <a:avLst/>
+          </a:prstGeom>
+          <a:noFill/>
+          <a:ln>
+            <a:noFill/>
+          </a:ln>
+          <a:extLst>
+            <a:ext uri="{909E8E84-426E-40dd-AFC4-6F175D3DCCD1}">
+              <a14:hiddenFill xmlns:a14="http://schemas.microsoft.com/office/drawing/2010/main">
+                <a:solidFill>
+                  <a:srgbClr val="FFFFFF"/>
+                </a:solidFill>
+              </a14:hiddenFill>
+            </a:ext>
+            <a:ext uri="{91240B29-F687-4f45-9708-019B960494DF}">
+              <a14:hiddenLine xmlns:a14="http://schemas.microsoft.com/office/drawing/2010/main" w="9525" algn="ctr">
+                <a:solidFill>
+                  <a:srgbClr val="000000"/>
+                </a:solidFill>
+                <a:miter lim="800000"/>
+                <a:headEnd/>
+                <a:tailEnd/>
+              </a14:hiddenLine>
+            </a:ext>
+          </a:extLst>
+        </p:spPr>
+        <p:txBody>
+          <a:bodyPr wrap="none" anchor="ctr">
+            <a:spAutoFit/>
+          </a:bodyPr>
+          <a:lstStyle/>
+          <a:p>
+            <a:endParaRPr lang="en-US">
+              <a:latin typeface="Palatino Linotype" pitchFamily="18" charset="0"/>
+            </a:endParaRPr>
+          </a:p>
+        </p:txBody>
+      </p:sp>
+      <p:sp>
+        <p:nvSpPr>
+          <p:cNvPr id="29702" name="Rectangle 6"/>
+          <p:cNvSpPr>
+            <a:spLocks noChangeArrowheads="1"/>
+          </p:cNvSpPr>
+          <p:nvPr/>
+        </p:nvSpPr>
+        <p:spPr bwMode="auto">
+          <a:xfrm>
+            <a:off x="0" y="-184666"/>
+            <a:ext cx="184731" cy="369332"/>
+          </a:xfrm>
+          <a:prstGeom prst="rect">
+            <a:avLst/>
+          </a:prstGeom>
+          <a:noFill/>
+          <a:ln>
+            <a:noFill/>
+          </a:ln>
+          <a:extLst>
+            <a:ext uri="{909E8E84-426E-40dd-AFC4-6F175D3DCCD1}">
+              <a14:hiddenFill xmlns:a14="http://schemas.microsoft.com/office/drawing/2010/main">
+                <a:solidFill>
+                  <a:srgbClr val="FFFFFF"/>
+                </a:solidFill>
+              </a14:hiddenFill>
+            </a:ext>
+            <a:ext uri="{91240B29-F687-4f45-9708-019B960494DF}">
+              <a14:hiddenLine xmlns:a14="http://schemas.microsoft.com/office/drawing/2010/main" w="9525" algn="ctr">
+                <a:solidFill>
+                  <a:srgbClr val="000000"/>
+                </a:solidFill>
+                <a:miter lim="800000"/>
+                <a:headEnd/>
+                <a:tailEnd/>
+              </a14:hiddenLine>
+            </a:ext>
+          </a:extLst>
+        </p:spPr>
+        <p:txBody>
+          <a:bodyPr wrap="none" anchor="ctr">
+            <a:spAutoFit/>
+          </a:bodyPr>
+          <a:lstStyle/>
+          <a:p>
+            <a:endParaRPr lang="en-US">
+              <a:latin typeface="Palatino Linotype" pitchFamily="18" charset="0"/>
+            </a:endParaRPr>
+          </a:p>
+        </p:txBody>
+      </p:sp>
+      <p:sp>
+        <p:nvSpPr>
+          <p:cNvPr id="29703" name="Rectangle 7"/>
+          <p:cNvSpPr>
+            <a:spLocks noChangeArrowheads="1"/>
+          </p:cNvSpPr>
+          <p:nvPr/>
+        </p:nvSpPr>
+        <p:spPr bwMode="auto">
+          <a:xfrm>
+            <a:off x="0" y="3149084"/>
+            <a:ext cx="184731" cy="369332"/>
+          </a:xfrm>
+          <a:prstGeom prst="rect">
+            <a:avLst/>
+          </a:prstGeom>
+          <a:noFill/>
+          <a:ln>
+            <a:noFill/>
+          </a:ln>
+          <a:extLst>
+            <a:ext uri="{909E8E84-426E-40dd-AFC4-6F175D3DCCD1}">
+              <a14:hiddenFill xmlns:a14="http://schemas.microsoft.com/office/drawing/2010/main">
+                <a:solidFill>
+                  <a:srgbClr val="FFFFFF"/>
+                </a:solidFill>
+              </a14:hiddenFill>
+            </a:ext>
+            <a:ext uri="{91240B29-F687-4f45-9708-019B960494DF}">
+              <a14:hiddenLine xmlns:a14="http://schemas.microsoft.com/office/drawing/2010/main" w="9525" algn="ctr">
+                <a:solidFill>
+                  <a:srgbClr val="000000"/>
+                </a:solidFill>
+                <a:miter lim="800000"/>
+                <a:headEnd/>
+                <a:tailEnd/>
+              </a14:hiddenLine>
+            </a:ext>
+          </a:extLst>
+        </p:spPr>
+        <p:txBody>
+          <a:bodyPr wrap="none" anchor="ctr">
+            <a:spAutoFit/>
+          </a:bodyPr>
+          <a:lstStyle/>
+          <a:p>
+            <a:endParaRPr lang="en-US">
+              <a:latin typeface="Palatino Linotype" pitchFamily="18" charset="0"/>
+            </a:endParaRPr>
+          </a:p>
+        </p:txBody>
+      </p:sp>
+      <p:sp>
+        <p:nvSpPr>
+          <p:cNvPr id="29704" name="Rectangle 8"/>
+          <p:cNvSpPr>
+            <a:spLocks noChangeArrowheads="1"/>
+          </p:cNvSpPr>
+          <p:nvPr/>
+        </p:nvSpPr>
+        <p:spPr bwMode="auto">
+          <a:xfrm>
+            <a:off x="0" y="-184666"/>
+            <a:ext cx="184731" cy="369332"/>
+          </a:xfrm>
+          <a:prstGeom prst="rect">
+            <a:avLst/>
+          </a:prstGeom>
+          <a:noFill/>
+          <a:ln>
+            <a:noFill/>
+          </a:ln>
+          <a:extLst>
+            <a:ext uri="{909E8E84-426E-40dd-AFC4-6F175D3DCCD1}">
+              <a14:hiddenFill xmlns:a14="http://schemas.microsoft.com/office/drawing/2010/main">
+                <a:solidFill>
+                  <a:srgbClr val="FFFFFF"/>
+                </a:solidFill>
+              </a14:hiddenFill>
+            </a:ext>
+            <a:ext uri="{91240B29-F687-4f45-9708-019B960494DF}">
+              <a14:hiddenLine xmlns:a14="http://schemas.microsoft.com/office/drawing/2010/main" w="9525" algn="ctr">
+                <a:solidFill>
+                  <a:srgbClr val="000000"/>
+                </a:solidFill>
+                <a:miter lim="800000"/>
+                <a:headEnd/>
+                <a:tailEnd/>
+              </a14:hiddenLine>
+            </a:ext>
+          </a:extLst>
+        </p:spPr>
+        <p:txBody>
+          <a:bodyPr wrap="none" anchor="ctr">
+            <a:spAutoFit/>
+          </a:bodyPr>
+          <a:lstStyle/>
+          <a:p>
+            <a:endParaRPr lang="en-US">
+              <a:latin typeface="Palatino Linotype" pitchFamily="18" charset="0"/>
+            </a:endParaRPr>
+          </a:p>
+        </p:txBody>
+      </p:sp>
+      <p:sp>
+        <p:nvSpPr>
+          <p:cNvPr id="29705" name="Rectangle 9"/>
+          <p:cNvSpPr>
+            <a:spLocks noChangeArrowheads="1"/>
+          </p:cNvSpPr>
+          <p:nvPr/>
+        </p:nvSpPr>
+        <p:spPr bwMode="auto">
+          <a:xfrm>
+            <a:off x="0" y="-184666"/>
+            <a:ext cx="184731" cy="369332"/>
+          </a:xfrm>
+          <a:prstGeom prst="rect">
+            <a:avLst/>
+          </a:prstGeom>
+          <a:noFill/>
+          <a:ln>
+            <a:noFill/>
+          </a:ln>
+          <a:extLst>
+            <a:ext uri="{909E8E84-426E-40dd-AFC4-6F175D3DCCD1}">
+              <a14:hiddenFill xmlns:a14="http://schemas.microsoft.com/office/drawing/2010/main">
+                <a:solidFill>
+                  <a:srgbClr val="FFFFFF"/>
+                </a:solidFill>
+              </a14:hiddenFill>
+            </a:ext>
+            <a:ext uri="{91240B29-F687-4f45-9708-019B960494DF}">
+              <a14:hiddenLine xmlns:a14="http://schemas.microsoft.com/office/drawing/2010/main" w="9525" algn="ctr">
+                <a:solidFill>
+                  <a:srgbClr val="000000"/>
+                </a:solidFill>
+                <a:miter lim="800000"/>
+                <a:headEnd/>
+                <a:tailEnd/>
+              </a14:hiddenLine>
+            </a:ext>
+          </a:extLst>
+        </p:spPr>
+        <p:txBody>
+          <a:bodyPr wrap="none" anchor="ctr">
+            <a:spAutoFit/>
+          </a:bodyPr>
+          <a:lstStyle/>
+          <a:p>
+            <a:endParaRPr lang="en-US">
+              <a:latin typeface="Palatino Linotype" pitchFamily="18" charset="0"/>
+            </a:endParaRPr>
+          </a:p>
+        </p:txBody>
+      </p:sp>
+      <p:sp>
+        <p:nvSpPr>
+          <p:cNvPr id="29706" name="Rectangle 10"/>
+          <p:cNvSpPr>
+            <a:spLocks noChangeArrowheads="1"/>
+          </p:cNvSpPr>
+          <p:nvPr/>
+        </p:nvSpPr>
+        <p:spPr bwMode="auto">
+          <a:xfrm>
+            <a:off x="0" y="3015734"/>
+            <a:ext cx="184731" cy="369332"/>
+          </a:xfrm>
+          <a:prstGeom prst="rect">
+            <a:avLst/>
+          </a:prstGeom>
+          <a:noFill/>
+          <a:ln>
+            <a:noFill/>
+          </a:ln>
+          <a:extLst>
+            <a:ext uri="{909E8E84-426E-40dd-AFC4-6F175D3DCCD1}">
+              <a14:hiddenFill xmlns:a14="http://schemas.microsoft.com/office/drawing/2010/main">
+                <a:solidFill>
+                  <a:srgbClr val="FFFFFF"/>
+                </a:solidFill>
+              </a14:hiddenFill>
+            </a:ext>
+            <a:ext uri="{91240B29-F687-4f45-9708-019B960494DF}">
+              <a14:hiddenLine xmlns:a14="http://schemas.microsoft.com/office/drawing/2010/main" w="9525" algn="ctr">
+                <a:solidFill>
+                  <a:srgbClr val="000000"/>
+                </a:solidFill>
+                <a:miter lim="800000"/>
+                <a:headEnd/>
+                <a:tailEnd/>
+              </a14:hiddenLine>
+            </a:ext>
+          </a:extLst>
+        </p:spPr>
+        <p:txBody>
+          <a:bodyPr wrap="none" anchor="ctr">
+            <a:spAutoFit/>
+          </a:bodyPr>
+          <a:lstStyle/>
+          <a:p>
+            <a:endParaRPr lang="en-US">
+              <a:latin typeface="Palatino Linotype" pitchFamily="18" charset="0"/>
+            </a:endParaRPr>
+          </a:p>
+        </p:txBody>
+      </p:sp>
+      <p:sp>
+        <p:nvSpPr>
+          <p:cNvPr id="29707" name="Rectangle 11"/>
+          <p:cNvSpPr>
+            <a:spLocks noChangeArrowheads="1"/>
+          </p:cNvSpPr>
+          <p:nvPr/>
+        </p:nvSpPr>
+        <p:spPr bwMode="auto">
+          <a:xfrm>
+            <a:off x="0" y="-184666"/>
+            <a:ext cx="184731" cy="369332"/>
+          </a:xfrm>
+          <a:prstGeom prst="rect">
+            <a:avLst/>
+          </a:prstGeom>
+          <a:noFill/>
+          <a:ln>
+            <a:noFill/>
+          </a:ln>
+          <a:extLst>
+            <a:ext uri="{909E8E84-426E-40dd-AFC4-6F175D3DCCD1}">
+              <a14:hiddenFill xmlns:a14="http://schemas.microsoft.com/office/drawing/2010/main">
+                <a:solidFill>
+                  <a:srgbClr val="FFFFFF"/>
+                </a:solidFill>
+              </a14:hiddenFill>
+            </a:ext>
+            <a:ext uri="{91240B29-F687-4f45-9708-019B960494DF}">
+              <a14:hiddenLine xmlns:a14="http://schemas.microsoft.com/office/drawing/2010/main" w="9525" algn="ctr">
+                <a:solidFill>
+                  <a:srgbClr val="000000"/>
+                </a:solidFill>
+                <a:miter lim="800000"/>
+                <a:headEnd/>
+                <a:tailEnd/>
+              </a14:hiddenLine>
+            </a:ext>
+          </a:extLst>
+        </p:spPr>
+        <p:txBody>
+          <a:bodyPr wrap="none" anchor="ctr">
+            <a:spAutoFit/>
+          </a:bodyPr>
+          <a:lstStyle/>
+          <a:p>
+            <a:endParaRPr lang="en-US">
+              <a:latin typeface="Palatino Linotype" pitchFamily="18" charset="0"/>
+            </a:endParaRPr>
+          </a:p>
+        </p:txBody>
+      </p:sp>
+      <p:sp>
+        <p:nvSpPr>
+          <p:cNvPr id="29708" name="Rectangle 12"/>
+          <p:cNvSpPr>
+            <a:spLocks noChangeArrowheads="1"/>
+          </p:cNvSpPr>
+          <p:nvPr/>
+        </p:nvSpPr>
+        <p:spPr bwMode="auto">
+          <a:xfrm>
+            <a:off x="0" y="2939534"/>
+            <a:ext cx="184731" cy="369332"/>
+          </a:xfrm>
+          <a:prstGeom prst="rect">
+            <a:avLst/>
+          </a:prstGeom>
+          <a:noFill/>
+          <a:ln>
+            <a:noFill/>
+          </a:ln>
+          <a:extLst>
+            <a:ext uri="{909E8E84-426E-40dd-AFC4-6F175D3DCCD1}">
+              <a14:hiddenFill xmlns:a14="http://schemas.microsoft.com/office/drawing/2010/main">
+                <a:solidFill>
+                  <a:srgbClr val="FFFFFF"/>
+                </a:solidFill>
+              </a14:hiddenFill>
+            </a:ext>
+            <a:ext uri="{91240B29-F687-4f45-9708-019B960494DF}">
+              <a14:hiddenLine xmlns:a14="http://schemas.microsoft.com/office/drawing/2010/main" w="9525" algn="ctr">
+                <a:solidFill>
+                  <a:srgbClr val="000000"/>
+                </a:solidFill>
+                <a:miter lim="800000"/>
+                <a:headEnd/>
+                <a:tailEnd/>
+              </a14:hiddenLine>
+            </a:ext>
+          </a:extLst>
+        </p:spPr>
+        <p:txBody>
+          <a:bodyPr wrap="none" anchor="ctr">
+            <a:spAutoFit/>
+          </a:bodyPr>
+          <a:lstStyle/>
+          <a:p>
+            <a:endParaRPr lang="en-US">
+              <a:latin typeface="Palatino Linotype" pitchFamily="18" charset="0"/>
+            </a:endParaRPr>
+          </a:p>
+        </p:txBody>
+      </p:sp>
+      <p:sp>
+        <p:nvSpPr>
+          <p:cNvPr id="29709" name="Rectangle 13"/>
+          <p:cNvSpPr>
+            <a:spLocks noChangeArrowheads="1"/>
+          </p:cNvSpPr>
+          <p:nvPr/>
+        </p:nvSpPr>
+        <p:spPr bwMode="auto">
+          <a:xfrm>
+            <a:off x="0" y="2982397"/>
+            <a:ext cx="184731" cy="369332"/>
+          </a:xfrm>
+          <a:prstGeom prst="rect">
+            <a:avLst/>
+          </a:prstGeom>
+          <a:noFill/>
+          <a:ln>
+            <a:noFill/>
+          </a:ln>
+          <a:extLst>
+            <a:ext uri="{909E8E84-426E-40dd-AFC4-6F175D3DCCD1}">
+              <a14:hiddenFill xmlns:a14="http://schemas.microsoft.com/office/drawing/2010/main">
+                <a:solidFill>
+                  <a:srgbClr val="FFFFFF"/>
+                </a:solidFill>
+              </a14:hiddenFill>
+            </a:ext>
+            <a:ext uri="{91240B29-F687-4f45-9708-019B960494DF}">
+              <a14:hiddenLine xmlns:a14="http://schemas.microsoft.com/office/drawing/2010/main" w="9525" algn="ctr">
+                <a:solidFill>
+                  <a:srgbClr val="000000"/>
+                </a:solidFill>
+                <a:miter lim="800000"/>
+                <a:headEnd/>
+                <a:tailEnd/>
+              </a14:hiddenLine>
+            </a:ext>
+          </a:extLst>
+        </p:spPr>
+        <p:txBody>
+          <a:bodyPr wrap="none" anchor="ctr">
+            <a:spAutoFit/>
+          </a:bodyPr>
+          <a:lstStyle/>
+          <a:p>
+            <a:endParaRPr lang="en-US">
+              <a:latin typeface="Palatino Linotype" pitchFamily="18" charset="0"/>
+            </a:endParaRPr>
+          </a:p>
+        </p:txBody>
+      </p:sp>
+      <p:sp>
+        <p:nvSpPr>
+          <p:cNvPr id="29710" name="Rectangle 14"/>
+          <p:cNvSpPr>
+            <a:spLocks noChangeArrowheads="1"/>
+          </p:cNvSpPr>
+          <p:nvPr/>
+        </p:nvSpPr>
+        <p:spPr bwMode="auto">
+          <a:xfrm>
+            <a:off x="0" y="-184666"/>
+            <a:ext cx="184731" cy="369332"/>
+          </a:xfrm>
+          <a:prstGeom prst="rect">
+            <a:avLst/>
+          </a:prstGeom>
+          <a:noFill/>
+          <a:ln>
+            <a:noFill/>
+          </a:ln>
+          <a:extLst>
+            <a:ext uri="{909E8E84-426E-40dd-AFC4-6F175D3DCCD1}">
+              <a14:hiddenFill xmlns:a14="http://schemas.microsoft.com/office/drawing/2010/main">
+                <a:solidFill>
+                  <a:srgbClr val="FFFFFF"/>
+                </a:solidFill>
+              </a14:hiddenFill>
+            </a:ext>
+            <a:ext uri="{91240B29-F687-4f45-9708-019B960494DF}">
+              <a14:hiddenLine xmlns:a14="http://schemas.microsoft.com/office/drawing/2010/main" w="9525" algn="ctr">
+                <a:solidFill>
+                  <a:srgbClr val="000000"/>
+                </a:solidFill>
+                <a:miter lim="800000"/>
+                <a:headEnd/>
+                <a:tailEnd/>
+              </a14:hiddenLine>
+            </a:ext>
+          </a:extLst>
+        </p:spPr>
+        <p:txBody>
+          <a:bodyPr wrap="none" anchor="ctr">
+            <a:spAutoFit/>
+          </a:bodyPr>
+          <a:lstStyle/>
+          <a:p>
+            <a:endParaRPr lang="en-US">
+              <a:latin typeface="Palatino Linotype" pitchFamily="18" charset="0"/>
+            </a:endParaRPr>
+          </a:p>
+        </p:txBody>
+      </p:sp>
+      <p:sp>
+        <p:nvSpPr>
+          <p:cNvPr id="29711" name="Rectangle 15"/>
+          <p:cNvSpPr>
+            <a:spLocks noChangeArrowheads="1"/>
+          </p:cNvSpPr>
+          <p:nvPr/>
+        </p:nvSpPr>
+        <p:spPr bwMode="auto">
+          <a:xfrm>
+            <a:off x="0" y="-184666"/>
+            <a:ext cx="184731" cy="369332"/>
+          </a:xfrm>
+          <a:prstGeom prst="rect">
+            <a:avLst/>
+          </a:prstGeom>
+          <a:noFill/>
+          <a:ln>
+            <a:noFill/>
+          </a:ln>
+          <a:extLst>
+            <a:ext uri="{909E8E84-426E-40dd-AFC4-6F175D3DCCD1}">
+              <a14:hiddenFill xmlns:a14="http://schemas.microsoft.com/office/drawing/2010/main">
+                <a:solidFill>
+                  <a:srgbClr val="FFFFFF"/>
+                </a:solidFill>
+              </a14:hiddenFill>
+            </a:ext>
+            <a:ext uri="{91240B29-F687-4f45-9708-019B960494DF}">
+              <a14:hiddenLine xmlns:a14="http://schemas.microsoft.com/office/drawing/2010/main" w="9525" algn="ctr">
+                <a:solidFill>
+                  <a:srgbClr val="000000"/>
+                </a:solidFill>
+                <a:miter lim="800000"/>
+                <a:headEnd/>
+                <a:tailEnd/>
+              </a14:hiddenLine>
+            </a:ext>
+          </a:extLst>
+        </p:spPr>
+        <p:txBody>
+          <a:bodyPr wrap="none" anchor="ctr">
+            <a:spAutoFit/>
+          </a:bodyPr>
+          <a:lstStyle/>
+          <a:p>
+            <a:endParaRPr lang="en-US">
+              <a:latin typeface="Palatino Linotype" pitchFamily="18" charset="0"/>
+            </a:endParaRPr>
+          </a:p>
+        </p:txBody>
+      </p:sp>
+      <p:sp>
+        <p:nvSpPr>
+          <p:cNvPr id="2" name="Slide Number Placeholder 1"/>
+          <p:cNvSpPr>
+            <a:spLocks noGrp="1"/>
+          </p:cNvSpPr>
+          <p:nvPr>
+            <p:ph type="sldNum" sz="quarter" idx="12"/>
+          </p:nvPr>
+        </p:nvSpPr>
+        <p:spPr/>
+        <p:txBody>
+          <a:bodyPr/>
+          <a:lstStyle/>
+          <a:p>
+            <a:fld id="{19892AFD-08A7-429B-863F-010284A09610}" type="slidenum">
+              <a:rPr lang="en-US" smtClean="0"/>
+              <a:t>22</a:t>
+            </a:fld>
+            <a:endParaRPr lang="en-US"/>
+          </a:p>
+        </p:txBody>
+      </p:sp>
+    </p:spTree>
+    <p:extLst>
+      <p:ext uri="{BB962C8B-B14F-4D97-AF65-F5344CB8AC3E}">
+        <p14:creationId xmlns:p14="http://schemas.microsoft.com/office/powerpoint/2010/main" val="2374059535"/>
+      </p:ext>
+    </p:extLst>
+  </p:cSld>
+  <p:clrMapOvr>
+    <a:masterClrMapping/>
+  </p:clrMapOvr>
+  <p:transition xmlns:p14="http://schemas.microsoft.com/office/powerpoint/2010/main"/>
+</p:sld>
+</file>
+
+<file path=ppt/slides/slide23.xml><?xml version="1.0" encoding="utf-8"?>
+<p:sld xmlns:a="http://schemas.openxmlformats.org/drawingml/2006/main" xmlns:r="http://schemas.openxmlformats.org/officeDocument/2006/relationships" xmlns:p="http://schemas.openxmlformats.org/presentationml/2006/main">
+  <p:cSld>
+    <p:spTree>
+      <p:nvGrpSpPr>
+        <p:cNvPr id="1" name=""/>
+        <p:cNvGrpSpPr/>
+        <p:nvPr/>
+      </p:nvGrpSpPr>
+      <p:grpSpPr>
+        <a:xfrm>
+          <a:off x="0" y="0"/>
+          <a:ext cx="0" cy="0"/>
+          <a:chOff x="0" y="0"/>
+          <a:chExt cx="0" cy="0"/>
+        </a:xfrm>
+      </p:grpSpPr>
+      <p:sp>
+        <p:nvSpPr>
           <p:cNvPr id="12292" name="Text Box 6"/>
           <p:cNvSpPr txBox="1">
             <a:spLocks noChangeArrowheads="1"/>
@@ -16319,7 +16798,7 @@
           <a:graphicData uri="http://schemas.openxmlformats.org/presentationml/2006/ole">
             <mc:AlternateContent xmlns:mc="http://schemas.openxmlformats.org/markup-compatibility/2006">
               <mc:Choice xmlns:v="urn:schemas-microsoft-com:vml" Requires="v">
-                <p:oleObj spid="_x0000_s30747" name="Bitmap Image" r:id="rId4" imgW="4657143" imgH="2685714" progId="Paint.Picture">
+                <p:oleObj spid="_x0000_s30763" name="Bitmap Image" r:id="rId4" imgW="4657143" imgH="2685714" progId="Paint.Picture">
                   <p:embed/>
                 </p:oleObj>
               </mc:Choice>
@@ -16413,7 +16892,7 @@
           <a:p>
             <a:fld id="{19892AFD-08A7-429B-863F-010284A09610}" type="slidenum">
               <a:rPr lang="en-US" smtClean="0"/>
-              <a:t>22</a:t>
+              <a:t>23</a:t>
             </a:fld>
             <a:endParaRPr lang="en-US"/>
           </a:p>
@@ -16433,7 +16912,7 @@
 </p:sld>
 </file>
 
-<file path=ppt/slides/slide23.xml><?xml version="1.0" encoding="utf-8"?>
+<file path=ppt/slides/slide24.xml><?xml version="1.0" encoding="utf-8"?>
 <p:sld xmlns:a="http://schemas.openxmlformats.org/drawingml/2006/main" xmlns:r="http://schemas.openxmlformats.org/officeDocument/2006/relationships" xmlns:p="http://schemas.openxmlformats.org/presentationml/2006/main">
   <p:cSld>
     <p:spTree>
@@ -17291,7 +17770,7 @@
           <a:graphicData uri="http://schemas.openxmlformats.org/presentationml/2006/ole">
             <mc:AlternateContent xmlns:mc="http://schemas.openxmlformats.org/markup-compatibility/2006">
               <mc:Choice xmlns:v="urn:schemas-microsoft-com:vml" Requires="v">
-                <p:oleObj spid="_x0000_s31793" name="Equation" r:id="rId4" imgW="3136900" imgH="609600" progId="Equation.3">
+                <p:oleObj spid="_x0000_s31824" name="Equation" r:id="rId4" imgW="3136900" imgH="609600" progId="Equation.3">
                   <p:embed/>
                 </p:oleObj>
               </mc:Choice>
@@ -17413,7 +17892,7 @@
           <a:graphicData uri="http://schemas.openxmlformats.org/presentationml/2006/ole">
             <mc:AlternateContent xmlns:mc="http://schemas.openxmlformats.org/markup-compatibility/2006">
               <mc:Choice xmlns:v="urn:schemas-microsoft-com:vml" Requires="v">
-                <p:oleObj spid="_x0000_s31794" r:id="rId6" imgW="2641600" imgH="673100" progId="Equation.3">
+                <p:oleObj spid="_x0000_s31825" r:id="rId6" imgW="2641600" imgH="673100" progId="Equation.3">
                   <p:embed/>
                 </p:oleObj>
               </mc:Choice>
@@ -17484,7 +17963,7 @@
           <a:p>
             <a:fld id="{19892AFD-08A7-429B-863F-010284A09610}" type="slidenum">
               <a:rPr lang="en-US" smtClean="0"/>
-              <a:t>23</a:t>
+              <a:t>24</a:t>
             </a:fld>
             <a:endParaRPr lang="en-US"/>
           </a:p>
@@ -17501,152 +17980,6 @@
     <a:masterClrMapping/>
   </p:clrMapOvr>
   <p:transition xmlns:p14="http://schemas.microsoft.com/office/powerpoint/2010/main"/>
-</p:sld>
-</file>
-
-<file path=ppt/slides/slide24.xml><?xml version="1.0" encoding="utf-8"?>
-<p:sld xmlns:a="http://schemas.openxmlformats.org/drawingml/2006/main" xmlns:r="http://schemas.openxmlformats.org/officeDocument/2006/relationships" xmlns:p="http://schemas.openxmlformats.org/presentationml/2006/main">
-  <p:cSld>
-    <p:spTree>
-      <p:nvGrpSpPr>
-        <p:cNvPr id="1" name=""/>
-        <p:cNvGrpSpPr/>
-        <p:nvPr/>
-      </p:nvGrpSpPr>
-      <p:grpSpPr>
-        <a:xfrm>
-          <a:off x="0" y="0"/>
-          <a:ext cx="0" cy="0"/>
-          <a:chOff x="0" y="0"/>
-          <a:chExt cx="0" cy="0"/>
-        </a:xfrm>
-      </p:grpSpPr>
-      <p:sp>
-        <p:nvSpPr>
-          <p:cNvPr id="2" name="Title 1"/>
-          <p:cNvSpPr>
-            <a:spLocks noGrp="1"/>
-          </p:cNvSpPr>
-          <p:nvPr>
-            <p:ph type="title"/>
-          </p:nvPr>
-        </p:nvSpPr>
-        <p:spPr/>
-        <p:txBody>
-          <a:bodyPr>
-            <a:normAutofit/>
-          </a:bodyPr>
-          <a:lstStyle/>
-          <a:p>
-            <a:pPr>
-              <a:spcBef>
-                <a:spcPct val="50000"/>
-              </a:spcBef>
-            </a:pPr>
-            <a:r>
-              <a:rPr lang="en-US" b="1" dirty="0">
-                <a:solidFill>
-                  <a:srgbClr val="000099"/>
-                </a:solidFill>
-                <a:latin typeface="Palatino Linotype" pitchFamily="18" charset="0"/>
-                <a:ea typeface="Cambria Math" pitchFamily="18" charset="0"/>
-              </a:rPr>
-              <a:t>A little knowledge check</a:t>
-            </a:r>
-          </a:p>
-        </p:txBody>
-      </p:sp>
-      <p:sp>
-        <p:nvSpPr>
-          <p:cNvPr id="3" name="Content Placeholder 2"/>
-          <p:cNvSpPr>
-            <a:spLocks noGrp="1"/>
-          </p:cNvSpPr>
-          <p:nvPr>
-            <p:ph idx="1"/>
-          </p:nvPr>
-        </p:nvSpPr>
-        <p:spPr/>
-        <p:txBody>
-          <a:bodyPr>
-            <a:noAutofit/>
-          </a:bodyPr>
-          <a:lstStyle/>
-          <a:p>
-            <a:r>
-              <a:rPr lang="en-US" sz="2400" dirty="0">
-                <a:latin typeface="Palatino Linotype" pitchFamily="18" charset="0"/>
-              </a:rPr>
-              <a:t>For each of the following scenarios, indicate whether the researcher should perform an independent-groups or dependent-groups t-test, and whether the test should be one-tailed or two-tailed.</a:t>
-            </a:r>
-          </a:p>
-          <a:p>
-            <a:pPr lvl="1"/>
-            <a:r>
-              <a:rPr lang="en-US" sz="2000" dirty="0">
-                <a:latin typeface="Palatino Linotype" pitchFamily="18" charset="0"/>
-              </a:rPr>
-              <a:t>A statistics instructor thinks that students might have a lower opinion of him after they have taken an exam.  At the beginning of the semester, the instructor gives the students an anonymous survey asking the students’ opinions of the instructor.  (Because the survey is anonymous, the instructor cannot identify which students gave which responses.)  Later in the semester, after the first exam, the instructor gives the students the same survey.  The instructor compares the mean ratings on the first survey to the ratings on the second survey.</a:t>
-            </a:r>
-            <a:endParaRPr lang="en-US" sz="3200" dirty="0">
-              <a:latin typeface="Palatino Linotype" pitchFamily="18" charset="0"/>
-            </a:endParaRPr>
-          </a:p>
-          <a:p>
-            <a:pPr lvl="1"/>
-            <a:r>
-              <a:rPr lang="en-US" sz="2000" dirty="0">
-                <a:latin typeface="Palatino Linotype" pitchFamily="18" charset="0"/>
-              </a:rPr>
-              <a:t>Independent Groups  /  Correlated Groups       one-tailed  /  two-tailed</a:t>
-            </a:r>
-            <a:endParaRPr lang="en-US" dirty="0">
-              <a:latin typeface="Palatino Linotype" pitchFamily="18" charset="0"/>
-            </a:endParaRPr>
-          </a:p>
-          <a:p>
-            <a:pPr marL="457200" lvl="1" indent="0">
-              <a:buNone/>
-            </a:pPr>
-            <a:endParaRPr lang="en-US" sz="1400" dirty="0">
-              <a:latin typeface="Palatino Linotype" pitchFamily="18" charset="0"/>
-            </a:endParaRPr>
-          </a:p>
-        </p:txBody>
-      </p:sp>
-      <p:sp>
-        <p:nvSpPr>
-          <p:cNvPr id="4" name="Slide Number Placeholder 3"/>
-          <p:cNvSpPr>
-            <a:spLocks noGrp="1"/>
-          </p:cNvSpPr>
-          <p:nvPr>
-            <p:ph type="sldNum" sz="quarter" idx="12"/>
-          </p:nvPr>
-        </p:nvSpPr>
-        <p:spPr/>
-        <p:txBody>
-          <a:bodyPr/>
-          <a:lstStyle/>
-          <a:p>
-            <a:fld id="{19892AFD-08A7-429B-863F-010284A09610}" type="slidenum">
-              <a:rPr lang="en-US" smtClean="0"/>
-              <a:t>24</a:t>
-            </a:fld>
-            <a:endParaRPr lang="en-US"/>
-          </a:p>
-        </p:txBody>
-      </p:sp>
-    </p:spTree>
-    <p:extLst>
-      <p:ext uri="{BB962C8B-B14F-4D97-AF65-F5344CB8AC3E}">
-        <p14:creationId xmlns:p14="http://schemas.microsoft.com/office/powerpoint/2010/main" val="966080035"/>
-      </p:ext>
-    </p:extLst>
-  </p:cSld>
-  <p:clrMapOvr>
-    <a:masterClrMapping/>
-  </p:clrMapOvr>
 </p:sld>
 </file>
 
@@ -17741,28 +18074,10 @@
           <a:p>
             <a:pPr lvl="1"/>
             <a:r>
-              <a:rPr lang="en-US" sz="2000" u="sng" dirty="0">
-                <a:latin typeface="Palatino Linotype" pitchFamily="18" charset="0"/>
-              </a:rPr>
-              <a:t>Independent Groups</a:t>
-            </a:r>
-            <a:r>
               <a:rPr lang="en-US" sz="2000" dirty="0">
                 <a:latin typeface="Palatino Linotype" pitchFamily="18" charset="0"/>
               </a:rPr>
-              <a:t>  /  Correlated Groups       </a:t>
-            </a:r>
-            <a:r>
-              <a:rPr lang="en-US" sz="2000" u="sng" dirty="0">
-                <a:latin typeface="Palatino Linotype" pitchFamily="18" charset="0"/>
-              </a:rPr>
-              <a:t>one-tailed</a:t>
-            </a:r>
-            <a:r>
-              <a:rPr lang="en-US" sz="2000" dirty="0">
-                <a:latin typeface="Palatino Linotype" pitchFamily="18" charset="0"/>
-              </a:rPr>
-              <a:t>  /  two-tailed</a:t>
+              <a:t>Independent Groups  /  Correlated Groups       one-tailed  /  two-tailed</a:t>
             </a:r>
             <a:endParaRPr lang="en-US" dirty="0">
               <a:latin typeface="Palatino Linotype" pitchFamily="18" charset="0"/>
@@ -17804,7 +18119,7 @@
     </p:spTree>
     <p:extLst>
       <p:ext uri="{BB962C8B-B14F-4D97-AF65-F5344CB8AC3E}">
-        <p14:creationId xmlns:p14="http://schemas.microsoft.com/office/powerpoint/2010/main" val="3902366933"/>
+        <p14:creationId xmlns:p14="http://schemas.microsoft.com/office/powerpoint/2010/main" val="966080035"/>
       </p:ext>
     </p:extLst>
   </p:cSld>
@@ -18796,7 +19111,7 @@
           <a:graphicData uri="http://schemas.openxmlformats.org/presentationml/2006/ole">
             <mc:AlternateContent xmlns:mc="http://schemas.openxmlformats.org/markup-compatibility/2006">
               <mc:Choice xmlns:v="urn:schemas-microsoft-com:vml" Requires="v">
-                <p:oleObj spid="_x0000_s24612" name="Bitmap Image" r:id="rId4" imgW="5210902" imgH="1371429" progId="Paint.Picture">
+                <p:oleObj spid="_x0000_s24628" name="Bitmap Image" r:id="rId4" imgW="5210902" imgH="1371429" progId="Paint.Picture">
                   <p:embed/>
                 </p:oleObj>
               </mc:Choice>
@@ -19718,7 +20033,7 @@
           <a:graphicData uri="http://schemas.openxmlformats.org/presentationml/2006/ole">
             <mc:AlternateContent xmlns:mc="http://schemas.openxmlformats.org/markup-compatibility/2006">
               <mc:Choice xmlns:v="urn:schemas-microsoft-com:vml" Requires="v">
-                <p:oleObj spid="_x0000_s25636" name="Bitmap Image" r:id="rId4" imgW="4285714" imgH="1695687" progId="Paint.Picture">
+                <p:oleObj spid="_x0000_s25652" name="Bitmap Image" r:id="rId4" imgW="4285714" imgH="1695687" progId="Paint.Picture">
                   <p:embed/>
                 </p:oleObj>
               </mc:Choice>
@@ -20931,7 +21246,6 @@
               <a:rPr lang="en-US" dirty="0"/>
               <a:t>For each subject we have two scores – a pretest score on the IES-R and a posttest score on the IES-R. The posttest score was obtained six months after completion of the intervention. The data are in a plain text file, blank spaces as delimiter, variable names on the first line. </a:t>
             </a:r>
-            <a:endParaRPr lang="en-US" dirty="0"/>
           </a:p>
         </p:txBody>
       </p:sp>
@@ -21015,11 +21329,7 @@
             </a:r>
             <a:r>
               <a:rPr lang="en-US" dirty="0" smtClean="0"/>
-              <a:t>in</a:t>
-            </a:r>
-            <a:r>
-              <a:rPr lang="en-US" dirty="0" smtClean="0"/>
-              <a:t> R</a:t>
+              <a:t>in R</a:t>
             </a:r>
             <a:endParaRPr lang="en-US" dirty="0"/>
           </a:p>
@@ -21226,11 +21536,7 @@
             </a:r>
             <a:r>
               <a:rPr lang="en-US" dirty="0" smtClean="0"/>
-              <a:t>in</a:t>
-            </a:r>
-            <a:r>
-              <a:rPr lang="en-US" dirty="0" smtClean="0"/>
-              <a:t> R</a:t>
+              <a:t>in R</a:t>
             </a:r>
             <a:endParaRPr lang="en-US" dirty="0"/>
           </a:p>
@@ -21346,11 +21652,7 @@
             </a:r>
             <a:r>
               <a:rPr lang="en-US" dirty="0" smtClean="0"/>
-              <a:t>in</a:t>
-            </a:r>
-            <a:r>
-              <a:rPr lang="en-US" dirty="0" smtClean="0"/>
-              <a:t> SPSS</a:t>
+              <a:t>in SPSS</a:t>
             </a:r>
             <a:endParaRPr lang="en-US" dirty="0"/>
           </a:p>
@@ -21496,11 +21798,7 @@
             </a:r>
             <a:r>
               <a:rPr lang="en-US" dirty="0" smtClean="0"/>
-              <a:t>in</a:t>
-            </a:r>
-            <a:r>
-              <a:rPr lang="en-US" dirty="0" smtClean="0"/>
-              <a:t> SPSS</a:t>
+              <a:t>in SPSS</a:t>
             </a:r>
             <a:endParaRPr lang="en-US" dirty="0"/>
           </a:p>
@@ -21572,6 +21870,113 @@
 </p:sld>
 </file>
 
+<file path=ppt/slides/slide35.xml><?xml version="1.0" encoding="utf-8"?>
+<p:sld xmlns:a="http://schemas.openxmlformats.org/drawingml/2006/main" xmlns:r="http://schemas.openxmlformats.org/officeDocument/2006/relationships" xmlns:p="http://schemas.openxmlformats.org/presentationml/2006/main">
+  <p:cSld>
+    <p:spTree>
+      <p:nvGrpSpPr>
+        <p:cNvPr id="1" name=""/>
+        <p:cNvGrpSpPr/>
+        <p:nvPr/>
+      </p:nvGrpSpPr>
+      <p:grpSpPr>
+        <a:xfrm>
+          <a:off x="0" y="0"/>
+          <a:ext cx="0" cy="0"/>
+          <a:chOff x="0" y="0"/>
+          <a:chExt cx="0" cy="0"/>
+        </a:xfrm>
+      </p:grpSpPr>
+      <p:sp>
+        <p:nvSpPr>
+          <p:cNvPr id="2" name="Title 1"/>
+          <p:cNvSpPr>
+            <a:spLocks noGrp="1"/>
+          </p:cNvSpPr>
+          <p:nvPr>
+            <p:ph type="title"/>
+          </p:nvPr>
+        </p:nvSpPr>
+        <p:spPr/>
+        <p:txBody>
+          <a:bodyPr>
+            <a:normAutofit fontScale="90000"/>
+          </a:bodyPr>
+          <a:lstStyle/>
+          <a:p>
+            <a:r>
+              <a:rPr lang="en-US" dirty="0"/>
+              <a:t>How do I report the result of a dependent t-test?</a:t>
+            </a:r>
+          </a:p>
+        </p:txBody>
+      </p:sp>
+      <p:sp>
+        <p:nvSpPr>
+          <p:cNvPr id="4" name="Slide Number Placeholder 3"/>
+          <p:cNvSpPr>
+            <a:spLocks noGrp="1"/>
+          </p:cNvSpPr>
+          <p:nvPr>
+            <p:ph type="sldNum" sz="quarter" idx="12"/>
+          </p:nvPr>
+        </p:nvSpPr>
+        <p:spPr/>
+        <p:txBody>
+          <a:bodyPr/>
+          <a:lstStyle/>
+          <a:p>
+            <a:fld id="{19892AFD-08A7-429B-863F-010284A09610}" type="slidenum">
+              <a:rPr lang="en-US" smtClean="0"/>
+              <a:t>35</a:t>
+            </a:fld>
+            <a:endParaRPr lang="en-US"/>
+          </a:p>
+        </p:txBody>
+      </p:sp>
+      <p:pic>
+        <p:nvPicPr>
+          <p:cNvPr id="5" name="Picture 4" descr="Screen Shot 2018-04-12 at 10.18.40 AM.png"/>
+          <p:cNvPicPr>
+            <a:picLocks noChangeAspect="1"/>
+          </p:cNvPicPr>
+          <p:nvPr/>
+        </p:nvPicPr>
+        <p:blipFill>
+          <a:blip r:embed="rId2">
+            <a:extLst>
+              <a:ext uri="{28A0092B-C50C-407E-A947-70E740481C1C}">
+                <a14:useLocalDpi xmlns:a14="http://schemas.microsoft.com/office/drawing/2010/main" val="0"/>
+              </a:ext>
+            </a:extLst>
+          </a:blip>
+          <a:stretch>
+            <a:fillRect/>
+          </a:stretch>
+        </p:blipFill>
+        <p:spPr>
+          <a:xfrm>
+            <a:off x="2425700" y="2159000"/>
+            <a:ext cx="4279900" cy="2540000"/>
+          </a:xfrm>
+          <a:prstGeom prst="rect">
+            <a:avLst/>
+          </a:prstGeom>
+        </p:spPr>
+      </p:pic>
+    </p:spTree>
+    <p:extLst>
+      <p:ext uri="{BB962C8B-B14F-4D97-AF65-F5344CB8AC3E}">
+        <p14:creationId xmlns:p14="http://schemas.microsoft.com/office/powerpoint/2010/main" val="3158866256"/>
+      </p:ext>
+    </p:extLst>
+  </p:cSld>
+  <p:clrMapOvr>
+    <a:masterClrMapping/>
+  </p:clrMapOvr>
+</p:sld>
+</file>
+
 <file path=ppt/slides/slide4.xml><?xml version="1.0" encoding="utf-8"?>
 <p:sld xmlns:a="http://schemas.openxmlformats.org/drawingml/2006/main" xmlns:r="http://schemas.openxmlformats.org/officeDocument/2006/relationships" xmlns:p="http://schemas.openxmlformats.org/presentationml/2006/main">
   <p:cSld>
@@ -21591,413 +21996,38 @@
       </p:grpSpPr>
       <p:sp>
         <p:nvSpPr>
-          <p:cNvPr id="18434" name="Rectangle 3"/>
-          <p:cNvSpPr>
-            <a:spLocks noGrp="1" noChangeArrowheads="1"/>
+          <p:cNvPr id="2" name="Title 1"/>
+          <p:cNvSpPr>
+            <a:spLocks noGrp="1"/>
           </p:cNvSpPr>
           <p:nvPr>
-            <p:ph type="body" idx="4294967295"/>
+            <p:ph type="title"/>
           </p:nvPr>
         </p:nvSpPr>
-        <p:spPr>
-          <a:xfrm>
-            <a:off x="324028" y="1752600"/>
-            <a:ext cx="8458200" cy="3962400"/>
-          </a:xfrm>
-        </p:spPr>
-        <p:txBody>
-          <a:bodyPr/>
-          <a:lstStyle/>
-          <a:p>
-            <a:pPr marL="0" indent="0" eaLnBrk="1" hangingPunct="1">
-              <a:spcBef>
-                <a:spcPct val="0"/>
-              </a:spcBef>
-              <a:buFont typeface="Wingdings 3" pitchFamily="18" charset="2"/>
-              <a:buAutoNum type="arabicPeriod"/>
-            </a:pPr>
-            <a:r>
-              <a:rPr lang="en-US" altLang="zh-CN" sz="2800" dirty="0">
-                <a:latin typeface="Palatino Linotype" pitchFamily="18" charset="0"/>
-              </a:rPr>
-              <a:t>An English composition professor is interested in whether students who listen to classical music while writing produce essays that are of a higher quality than students who write in silence.  The professor has each of his students write two essays – one while listening to classical music and one in silence.  The professor then compares grades on the two sets of essays.</a:t>
-            </a:r>
-          </a:p>
-        </p:txBody>
-      </p:sp>
-      <p:sp>
-        <p:nvSpPr>
-          <p:cNvPr id="18436" name="Text Box 6"/>
-          <p:cNvSpPr txBox="1">
-            <a:spLocks noChangeArrowheads="1"/>
-          </p:cNvSpPr>
-          <p:nvPr/>
-        </p:nvSpPr>
-        <p:spPr bwMode="auto">
-          <a:xfrm>
-            <a:off x="228600" y="304800"/>
-            <a:ext cx="8534400" cy="1323439"/>
-          </a:xfrm>
-          <a:prstGeom prst="rect">
-            <a:avLst/>
-          </a:prstGeom>
-          <a:noFill/>
-          <a:ln>
-            <a:noFill/>
-          </a:ln>
-          <a:extLst>
-            <a:ext uri="{909E8E84-426E-40dd-AFC4-6F175D3DCCD1}">
-              <a14:hiddenFill xmlns:a14="http://schemas.microsoft.com/office/drawing/2010/main">
-                <a:solidFill>
-                  <a:srgbClr val="FFFFFF"/>
-                </a:solidFill>
-              </a14:hiddenFill>
-            </a:ext>
-            <a:ext uri="{91240B29-F687-4f45-9708-019B960494DF}">
-              <a14:hiddenLine xmlns:a14="http://schemas.microsoft.com/office/drawing/2010/main" w="9525" algn="ctr">
-                <a:solidFill>
-                  <a:srgbClr val="000000"/>
-                </a:solidFill>
-                <a:miter lim="800000"/>
-                <a:headEnd/>
-                <a:tailEnd/>
-              </a14:hiddenLine>
-            </a:ext>
-          </a:extLst>
-        </p:spPr>
+        <p:spPr/>
         <p:txBody>
           <a:bodyPr>
-            <a:spAutoFit/>
+            <a:normAutofit fontScale="90000"/>
           </a:bodyPr>
-          <a:lstStyle>
-            <a:lvl1pPr eaLnBrk="0" hangingPunct="0">
-              <a:defRPr>
-                <a:solidFill>
-                  <a:schemeClr val="tx1"/>
-                </a:solidFill>
-                <a:latin typeface="Arial" charset="0"/>
-              </a:defRPr>
-            </a:lvl1pPr>
-            <a:lvl2pPr marL="742950" indent="-285750" eaLnBrk="0" hangingPunct="0">
-              <a:defRPr>
-                <a:solidFill>
-                  <a:schemeClr val="tx1"/>
-                </a:solidFill>
-                <a:latin typeface="Arial" charset="0"/>
-              </a:defRPr>
-            </a:lvl2pPr>
-            <a:lvl3pPr marL="1143000" indent="-228600" eaLnBrk="0" hangingPunct="0">
-              <a:defRPr>
-                <a:solidFill>
-                  <a:schemeClr val="tx1"/>
-                </a:solidFill>
-                <a:latin typeface="Arial" charset="0"/>
-              </a:defRPr>
-            </a:lvl3pPr>
-            <a:lvl4pPr marL="1600200" indent="-228600" eaLnBrk="0" hangingPunct="0">
-              <a:defRPr>
-                <a:solidFill>
-                  <a:schemeClr val="tx1"/>
-                </a:solidFill>
-                <a:latin typeface="Arial" charset="0"/>
-              </a:defRPr>
-            </a:lvl4pPr>
-            <a:lvl5pPr marL="2057400" indent="-228600" eaLnBrk="0" hangingPunct="0">
-              <a:defRPr>
-                <a:solidFill>
-                  <a:schemeClr val="tx1"/>
-                </a:solidFill>
-                <a:latin typeface="Arial" charset="0"/>
-              </a:defRPr>
-            </a:lvl5pPr>
-            <a:lvl6pPr marL="2514600" indent="-228600" eaLnBrk="0" fontAlgn="base" hangingPunct="0">
-              <a:spcBef>
-                <a:spcPct val="0"/>
-              </a:spcBef>
-              <a:spcAft>
-                <a:spcPct val="0"/>
-              </a:spcAft>
-              <a:defRPr>
-                <a:solidFill>
-                  <a:schemeClr val="tx1"/>
-                </a:solidFill>
-                <a:latin typeface="Arial" charset="0"/>
-              </a:defRPr>
-            </a:lvl6pPr>
-            <a:lvl7pPr marL="2971800" indent="-228600" eaLnBrk="0" fontAlgn="base" hangingPunct="0">
-              <a:spcBef>
-                <a:spcPct val="0"/>
-              </a:spcBef>
-              <a:spcAft>
-                <a:spcPct val="0"/>
-              </a:spcAft>
-              <a:defRPr>
-                <a:solidFill>
-                  <a:schemeClr val="tx1"/>
-                </a:solidFill>
-                <a:latin typeface="Arial" charset="0"/>
-              </a:defRPr>
-            </a:lvl7pPr>
-            <a:lvl8pPr marL="3429000" indent="-228600" eaLnBrk="0" fontAlgn="base" hangingPunct="0">
-              <a:spcBef>
-                <a:spcPct val="0"/>
-              </a:spcBef>
-              <a:spcAft>
-                <a:spcPct val="0"/>
-              </a:spcAft>
-              <a:defRPr>
-                <a:solidFill>
-                  <a:schemeClr val="tx1"/>
-                </a:solidFill>
-                <a:latin typeface="Arial" charset="0"/>
-              </a:defRPr>
-            </a:lvl8pPr>
-            <a:lvl9pPr marL="3886200" indent="-228600" eaLnBrk="0" fontAlgn="base" hangingPunct="0">
-              <a:spcBef>
-                <a:spcPct val="0"/>
-              </a:spcBef>
-              <a:spcAft>
-                <a:spcPct val="0"/>
-              </a:spcAft>
-              <a:defRPr>
-                <a:solidFill>
-                  <a:schemeClr val="tx1"/>
-                </a:solidFill>
-                <a:latin typeface="Arial" charset="0"/>
-              </a:defRPr>
-            </a:lvl9pPr>
-          </a:lstStyle>
-          <a:p>
-            <a:pPr algn="ctr" eaLnBrk="1" hangingPunct="1">
-              <a:spcBef>
-                <a:spcPct val="0"/>
-              </a:spcBef>
-            </a:pPr>
-            <a:r>
-              <a:rPr lang="en-US" altLang="zh-CN" sz="4000" b="1" dirty="0">
+          <a:lstStyle/>
+          <a:p>
+            <a:r>
+              <a:rPr lang="en-US" altLang="zh-CN" b="1" dirty="0">
                 <a:solidFill>
                   <a:srgbClr val="000099"/>
                 </a:solidFill>
                 <a:latin typeface="Palatino Linotype" pitchFamily="18" charset="0"/>
                 <a:ea typeface="Cambria Math" pitchFamily="18" charset="0"/>
-                <a:cs typeface="+mj-cs"/>
               </a:rPr>
-              <a:t>Examples of Research Hypotheses with Dependent Groups</a:t>
-            </a:r>
-          </a:p>
-        </p:txBody>
-      </p:sp>
-      <p:sp>
-        <p:nvSpPr>
-          <p:cNvPr id="18437" name="Rectangle 5"/>
-          <p:cNvSpPr>
-            <a:spLocks noChangeArrowheads="1"/>
-          </p:cNvSpPr>
-          <p:nvPr/>
-        </p:nvSpPr>
-        <p:spPr bwMode="auto">
-          <a:xfrm>
-            <a:off x="0" y="3153847"/>
-            <a:ext cx="184731" cy="369332"/>
-          </a:xfrm>
-          <a:prstGeom prst="rect">
-            <a:avLst/>
-          </a:prstGeom>
-          <a:noFill/>
-          <a:ln>
-            <a:noFill/>
-          </a:ln>
-          <a:extLst>
-            <a:ext uri="{909E8E84-426E-40dd-AFC4-6F175D3DCCD1}">
-              <a14:hiddenFill xmlns:a14="http://schemas.microsoft.com/office/drawing/2010/main">
-                <a:solidFill>
-                  <a:srgbClr val="FFFFFF"/>
-                </a:solidFill>
-              </a14:hiddenFill>
-            </a:ext>
-            <a:ext uri="{91240B29-F687-4f45-9708-019B960494DF}">
-              <a14:hiddenLine xmlns:a14="http://schemas.microsoft.com/office/drawing/2010/main" w="9525" algn="ctr">
-                <a:solidFill>
-                  <a:srgbClr val="000000"/>
-                </a:solidFill>
-                <a:miter lim="800000"/>
-                <a:headEnd/>
-                <a:tailEnd/>
-              </a14:hiddenLine>
-            </a:ext>
-          </a:extLst>
-        </p:spPr>
-        <p:txBody>
-          <a:bodyPr wrap="none" anchor="ctr">
-            <a:spAutoFit/>
-          </a:bodyPr>
-          <a:lstStyle/>
-          <a:p>
-            <a:endParaRPr lang="en-US">
-              <a:latin typeface="Palatino Linotype" pitchFamily="18" charset="0"/>
-            </a:endParaRPr>
-          </a:p>
-        </p:txBody>
-      </p:sp>
-      <p:sp>
-        <p:nvSpPr>
-          <p:cNvPr id="18438" name="Rectangle 6"/>
-          <p:cNvSpPr>
-            <a:spLocks noChangeArrowheads="1"/>
-          </p:cNvSpPr>
-          <p:nvPr/>
-        </p:nvSpPr>
-        <p:spPr bwMode="auto">
-          <a:xfrm>
-            <a:off x="0" y="-184666"/>
-            <a:ext cx="184731" cy="369332"/>
-          </a:xfrm>
-          <a:prstGeom prst="rect">
-            <a:avLst/>
-          </a:prstGeom>
-          <a:noFill/>
-          <a:ln>
-            <a:noFill/>
-          </a:ln>
-          <a:extLst>
-            <a:ext uri="{909E8E84-426E-40dd-AFC4-6F175D3DCCD1}">
-              <a14:hiddenFill xmlns:a14="http://schemas.microsoft.com/office/drawing/2010/main">
-                <a:solidFill>
-                  <a:srgbClr val="FFFFFF"/>
-                </a:solidFill>
-              </a14:hiddenFill>
-            </a:ext>
-            <a:ext uri="{91240B29-F687-4f45-9708-019B960494DF}">
-              <a14:hiddenLine xmlns:a14="http://schemas.microsoft.com/office/drawing/2010/main" w="9525" algn="ctr">
-                <a:solidFill>
-                  <a:srgbClr val="000000"/>
-                </a:solidFill>
-                <a:miter lim="800000"/>
-                <a:headEnd/>
-                <a:tailEnd/>
-              </a14:hiddenLine>
-            </a:ext>
-          </a:extLst>
-        </p:spPr>
-        <p:txBody>
-          <a:bodyPr wrap="none" anchor="ctr">
-            <a:spAutoFit/>
-          </a:bodyPr>
-          <a:lstStyle/>
-          <a:p>
-            <a:endParaRPr lang="en-US">
-              <a:latin typeface="Palatino Linotype" pitchFamily="18" charset="0"/>
-            </a:endParaRPr>
-          </a:p>
-        </p:txBody>
-      </p:sp>
-      <p:sp>
-        <p:nvSpPr>
-          <p:cNvPr id="18439" name="Rectangle 7"/>
-          <p:cNvSpPr>
-            <a:spLocks noChangeArrowheads="1"/>
-          </p:cNvSpPr>
-          <p:nvPr/>
-        </p:nvSpPr>
-        <p:spPr bwMode="auto">
-          <a:xfrm>
-            <a:off x="0" y="3149084"/>
-            <a:ext cx="184731" cy="369332"/>
-          </a:xfrm>
-          <a:prstGeom prst="rect">
-            <a:avLst/>
-          </a:prstGeom>
-          <a:noFill/>
-          <a:ln>
-            <a:noFill/>
-          </a:ln>
-          <a:extLst>
-            <a:ext uri="{909E8E84-426E-40dd-AFC4-6F175D3DCCD1}">
-              <a14:hiddenFill xmlns:a14="http://schemas.microsoft.com/office/drawing/2010/main">
-                <a:solidFill>
-                  <a:srgbClr val="FFFFFF"/>
-                </a:solidFill>
-              </a14:hiddenFill>
-            </a:ext>
-            <a:ext uri="{91240B29-F687-4f45-9708-019B960494DF}">
-              <a14:hiddenLine xmlns:a14="http://schemas.microsoft.com/office/drawing/2010/main" w="9525" algn="ctr">
-                <a:solidFill>
-                  <a:srgbClr val="000000"/>
-                </a:solidFill>
-                <a:miter lim="800000"/>
-                <a:headEnd/>
-                <a:tailEnd/>
-              </a14:hiddenLine>
-            </a:ext>
-          </a:extLst>
-        </p:spPr>
-        <p:txBody>
-          <a:bodyPr wrap="none" anchor="ctr">
-            <a:spAutoFit/>
-          </a:bodyPr>
-          <a:lstStyle/>
-          <a:p>
-            <a:endParaRPr lang="en-US">
-              <a:latin typeface="Palatino Linotype" pitchFamily="18" charset="0"/>
-            </a:endParaRPr>
-          </a:p>
-        </p:txBody>
-      </p:sp>
-      <p:sp>
-        <p:nvSpPr>
-          <p:cNvPr id="18440" name="Rectangle 8"/>
-          <p:cNvSpPr>
-            <a:spLocks noChangeArrowheads="1"/>
-          </p:cNvSpPr>
-          <p:nvPr/>
-        </p:nvSpPr>
-        <p:spPr bwMode="auto">
-          <a:xfrm>
-            <a:off x="0" y="-184666"/>
-            <a:ext cx="184731" cy="369332"/>
-          </a:xfrm>
-          <a:prstGeom prst="rect">
-            <a:avLst/>
-          </a:prstGeom>
-          <a:noFill/>
-          <a:ln>
-            <a:noFill/>
-          </a:ln>
-          <a:extLst>
-            <a:ext uri="{909E8E84-426E-40dd-AFC4-6F175D3DCCD1}">
-              <a14:hiddenFill xmlns:a14="http://schemas.microsoft.com/office/drawing/2010/main">
-                <a:solidFill>
-                  <a:srgbClr val="FFFFFF"/>
-                </a:solidFill>
-              </a14:hiddenFill>
-            </a:ext>
-            <a:ext uri="{91240B29-F687-4f45-9708-019B960494DF}">
-              <a14:hiddenLine xmlns:a14="http://schemas.microsoft.com/office/drawing/2010/main" w="9525" algn="ctr">
-                <a:solidFill>
-                  <a:srgbClr val="000000"/>
-                </a:solidFill>
-                <a:miter lim="800000"/>
-                <a:headEnd/>
-                <a:tailEnd/>
-              </a14:hiddenLine>
-            </a:ext>
-          </a:extLst>
-        </p:spPr>
-        <p:txBody>
-          <a:bodyPr wrap="none" anchor="ctr">
-            <a:spAutoFit/>
-          </a:bodyPr>
-          <a:lstStyle/>
-          <a:p>
-            <a:endParaRPr lang="en-US">
-              <a:latin typeface="Palatino Linotype" pitchFamily="18" charset="0"/>
-            </a:endParaRPr>
-          </a:p>
-        </p:txBody>
-      </p:sp>
-      <p:sp>
-        <p:nvSpPr>
-          <p:cNvPr id="2" name="Slide Number Placeholder 1"/>
+              <a:t>Research Considerations with Dependent Samples</a:t>
+            </a:r>
+            <a:endParaRPr lang="en-US" dirty="0"/>
+          </a:p>
+        </p:txBody>
+      </p:sp>
+      <p:sp>
+        <p:nvSpPr>
+          <p:cNvPr id="4" name="Slide Number Placeholder 3"/>
           <p:cNvSpPr>
             <a:spLocks noGrp="1"/>
           </p:cNvSpPr>
@@ -22018,17 +22048,76 @@
           </a:p>
         </p:txBody>
       </p:sp>
+      <p:pic>
+        <p:nvPicPr>
+          <p:cNvPr id="7" name="Picture 6" descr="Screen Shot 2018-04-12 at 10.20.46 AM.png"/>
+          <p:cNvPicPr>
+            <a:picLocks noChangeAspect="1"/>
+          </p:cNvPicPr>
+          <p:nvPr/>
+        </p:nvPicPr>
+        <p:blipFill>
+          <a:blip r:embed="rId3">
+            <a:extLst>
+              <a:ext uri="{28A0092B-C50C-407E-A947-70E740481C1C}">
+                <a14:useLocalDpi xmlns:a14="http://schemas.microsoft.com/office/drawing/2010/main" val="0"/>
+              </a:ext>
+            </a:extLst>
+          </a:blip>
+          <a:stretch>
+            <a:fillRect/>
+          </a:stretch>
+        </p:blipFill>
+        <p:spPr>
+          <a:xfrm>
+            <a:off x="457200" y="2438400"/>
+            <a:ext cx="4148254" cy="3149600"/>
+          </a:xfrm>
+          <a:prstGeom prst="rect">
+            <a:avLst/>
+          </a:prstGeom>
+        </p:spPr>
+      </p:pic>
+      <p:pic>
+        <p:nvPicPr>
+          <p:cNvPr id="8" name="Picture 7" descr="Screen Shot 2018-04-12 at 10.20.32 AM.png"/>
+          <p:cNvPicPr>
+            <a:picLocks noChangeAspect="1"/>
+          </p:cNvPicPr>
+          <p:nvPr/>
+        </p:nvPicPr>
+        <p:blipFill>
+          <a:blip r:embed="rId4">
+            <a:extLst>
+              <a:ext uri="{28A0092B-C50C-407E-A947-70E740481C1C}">
+                <a14:useLocalDpi xmlns:a14="http://schemas.microsoft.com/office/drawing/2010/main" val="0"/>
+              </a:ext>
+            </a:extLst>
+          </a:blip>
+          <a:stretch>
+            <a:fillRect/>
+          </a:stretch>
+        </p:blipFill>
+        <p:spPr>
+          <a:xfrm>
+            <a:off x="5105400" y="2514600"/>
+            <a:ext cx="3139011" cy="2971800"/>
+          </a:xfrm>
+          <a:prstGeom prst="rect">
+            <a:avLst/>
+          </a:prstGeom>
+        </p:spPr>
+      </p:pic>
     </p:spTree>
     <p:extLst>
       <p:ext uri="{BB962C8B-B14F-4D97-AF65-F5344CB8AC3E}">
-        <p14:creationId xmlns:p14="http://schemas.microsoft.com/office/powerpoint/2010/main" val="3720033579"/>
+        <p14:creationId xmlns:p14="http://schemas.microsoft.com/office/powerpoint/2010/main" val="2474937801"/>
       </p:ext>
     </p:extLst>
   </p:cSld>
   <p:clrMapOvr>
     <a:masterClrMapping/>
   </p:clrMapOvr>
-  <p:transition xmlns:p14="http://schemas.microsoft.com/office/powerpoint/2010/main"/>
 </p:sld>
 </file>
 
@@ -22066,35 +22155,21 @@
           </a:xfrm>
         </p:spPr>
         <p:txBody>
-          <a:bodyPr>
-            <a:normAutofit/>
-          </a:bodyPr>
-          <a:lstStyle/>
-          <a:p>
-            <a:pPr marL="0" indent="0">
+          <a:bodyPr/>
+          <a:lstStyle/>
+          <a:p>
+            <a:pPr marL="0" indent="0" eaLnBrk="1" hangingPunct="1">
               <a:spcBef>
                 <a:spcPct val="0"/>
               </a:spcBef>
               <a:buFont typeface="Wingdings 3" pitchFamily="18" charset="2"/>
-              <a:buAutoNum type="arabicPeriod" startAt="2"/>
+              <a:buAutoNum type="arabicPeriod"/>
             </a:pPr>
             <a:r>
               <a:rPr lang="en-US" altLang="zh-CN" sz="2800" dirty="0">
                 <a:latin typeface="Palatino Linotype" pitchFamily="18" charset="0"/>
               </a:rPr>
-              <a:t> A university researcher is interested in whether students in a special college retention program have higher college GPAs than students who do not participate in the program.  To eliminate prior factors that may influence college GPA the researcher </a:t>
-            </a:r>
-            <a:r>
-              <a:rPr lang="en-US" altLang="zh-CN" sz="2800" u="sng" dirty="0">
-                <a:latin typeface="Palatino Linotype" pitchFamily="18" charset="0"/>
-              </a:rPr>
-              <a:t>matches subjects based on their placement test scores </a:t>
-            </a:r>
-            <a:r>
-              <a:rPr lang="en-US" altLang="zh-CN" sz="2800" dirty="0">
-                <a:latin typeface="Palatino Linotype" pitchFamily="18" charset="0"/>
-              </a:rPr>
-              <a:t>and then assigns one member of each pair to participate in the program and the other member to the control group.</a:t>
+              <a:t>An English composition professor is interested in whether students who listen to classical music while writing produce essays that are of a higher quality than students who write in silence.  The professor has each of his students write two essays – one while listening to classical music and one in silence.  The professor then compares grades on the two sets of essays.</a:t>
             </a:r>
           </a:p>
         </p:txBody>
@@ -22495,7 +22570,7 @@
     </p:spTree>
     <p:extLst>
       <p:ext uri="{BB962C8B-B14F-4D97-AF65-F5344CB8AC3E}">
-        <p14:creationId xmlns:p14="http://schemas.microsoft.com/office/powerpoint/2010/main" val="4242519824"/>
+        <p14:creationId xmlns:p14="http://schemas.microsoft.com/office/powerpoint/2010/main" val="3720033579"/>
       </p:ext>
     </p:extLst>
   </p:cSld>
@@ -22525,7 +22600,7 @@
       </p:grpSpPr>
       <p:sp>
         <p:nvSpPr>
-          <p:cNvPr id="20482" name="Rectangle 3"/>
+          <p:cNvPr id="18434" name="Rectangle 3"/>
           <p:cNvSpPr>
             <a:spLocks noGrp="1" noChangeArrowheads="1"/>
           </p:cNvSpPr>
@@ -22535,123 +22610,47 @@
         </p:nvSpPr>
         <p:spPr>
           <a:xfrm>
-            <a:off x="342900" y="1587647"/>
-            <a:ext cx="8458200" cy="4876800"/>
+            <a:off x="324028" y="1752600"/>
+            <a:ext cx="8458200" cy="3962400"/>
           </a:xfrm>
         </p:spPr>
         <p:txBody>
-          <a:bodyPr/>
-          <a:lstStyle/>
-          <a:p>
-            <a:pPr marL="0" indent="0" eaLnBrk="1" hangingPunct="1">
-              <a:spcBef>
-                <a:spcPct val="0"/>
-              </a:spcBef>
-            </a:pPr>
-            <a:r>
-              <a:rPr lang="en-US" altLang="zh-CN" sz="2400" dirty="0">
-                <a:latin typeface="Palatino Linotype" pitchFamily="18" charset="0"/>
-              </a:rPr>
-              <a:t>There is ensured comparability across treatment groups.  Reducing the sampling variability across groups has the potential to </a:t>
-            </a:r>
-            <a:r>
-              <a:rPr lang="en-US" altLang="zh-CN" sz="2400" u="sng" dirty="0">
-                <a:latin typeface="Palatino Linotype" pitchFamily="18" charset="0"/>
-              </a:rPr>
-              <a:t>increase the power </a:t>
-            </a:r>
-            <a:r>
-              <a:rPr lang="en-US" altLang="zh-CN" sz="2400" dirty="0">
-                <a:latin typeface="Palatino Linotype" pitchFamily="18" charset="0"/>
-              </a:rPr>
-              <a:t>of the test.</a:t>
-            </a:r>
-          </a:p>
-          <a:p>
-            <a:pPr marL="0" indent="0" eaLnBrk="1" hangingPunct="1">
-              <a:spcBef>
-                <a:spcPct val="0"/>
-              </a:spcBef>
-            </a:pPr>
-            <a:endParaRPr lang="en-US" altLang="zh-CN" sz="2400" dirty="0">
-              <a:latin typeface="Palatino Linotype" pitchFamily="18" charset="0"/>
-            </a:endParaRPr>
-          </a:p>
-          <a:p>
-            <a:pPr marL="0" indent="0" eaLnBrk="1" hangingPunct="1">
-              <a:spcBef>
-                <a:spcPct val="0"/>
-              </a:spcBef>
-            </a:pPr>
-            <a:r>
-              <a:rPr lang="en-US" altLang="zh-CN" sz="2400" dirty="0">
-                <a:latin typeface="Palatino Linotype" pitchFamily="18" charset="0"/>
-              </a:rPr>
-              <a:t>The repeated measures design </a:t>
-            </a:r>
-            <a:r>
-              <a:rPr lang="en-US" altLang="zh-CN" sz="2400" u="sng" dirty="0">
-                <a:latin typeface="Palatino Linotype" pitchFamily="18" charset="0"/>
-              </a:rPr>
-              <a:t>reduces the number of subjects you need</a:t>
-            </a:r>
-            <a:r>
-              <a:rPr lang="en-US" altLang="zh-CN" sz="2400" dirty="0">
-                <a:latin typeface="Palatino Linotype" pitchFamily="18" charset="0"/>
-              </a:rPr>
-              <a:t>.  This may be helpful in situations where it is expensive or difficult to obtain many subjects. </a:t>
-            </a:r>
-          </a:p>
-          <a:p>
-            <a:pPr marL="0" indent="0" eaLnBrk="1" hangingPunct="1">
-              <a:spcBef>
-                <a:spcPct val="0"/>
-              </a:spcBef>
-            </a:pPr>
-            <a:endParaRPr lang="en-US" altLang="zh-CN" sz="2400" dirty="0">
-              <a:latin typeface="Palatino Linotype" pitchFamily="18" charset="0"/>
-            </a:endParaRPr>
-          </a:p>
+          <a:bodyPr>
+            <a:normAutofit/>
+          </a:bodyPr>
+          <a:lstStyle/>
           <a:p>
             <a:pPr marL="0" indent="0">
               <a:spcBef>
                 <a:spcPct val="0"/>
               </a:spcBef>
+              <a:buFont typeface="Wingdings 3" pitchFamily="18" charset="2"/>
+              <a:buAutoNum type="arabicPeriod" startAt="2"/>
             </a:pPr>
             <a:r>
-              <a:rPr lang="en-US" altLang="zh-CN" sz="2400" dirty="0">
+              <a:rPr lang="en-US" altLang="zh-CN" sz="2800" dirty="0">
                 <a:latin typeface="Palatino Linotype" pitchFamily="18" charset="0"/>
               </a:rPr>
-              <a:t>Fewer assumptions are necessary to carry out a </a:t>
-            </a:r>
-            <a:r>
-              <a:rPr lang="en-US" altLang="zh-CN" sz="2400" i="1" dirty="0">
+              <a:t> A university researcher is interested in whether students in a special college retention program have higher college GPAs than students who do not participate in the program.  To eliminate prior factors that may influence college GPA the researcher </a:t>
+            </a:r>
+            <a:r>
+              <a:rPr lang="en-US" altLang="zh-CN" sz="2800" u="sng" dirty="0">
                 <a:latin typeface="Palatino Linotype" pitchFamily="18" charset="0"/>
               </a:rPr>
-              <a:t>t</a:t>
-            </a:r>
-            <a:r>
-              <a:rPr lang="en-US" altLang="zh-CN" sz="2400" dirty="0">
+              <a:t>matches subjects based on their placement test scores </a:t>
+            </a:r>
+            <a:r>
+              <a:rPr lang="en-US" altLang="zh-CN" sz="2800" dirty="0">
                 <a:latin typeface="Palatino Linotype" pitchFamily="18" charset="0"/>
               </a:rPr>
-              <a:t> test than with an independent samples design.</a:t>
-            </a:r>
-          </a:p>
-          <a:p>
-            <a:pPr marL="0" indent="0" eaLnBrk="1" hangingPunct="1">
-              <a:spcBef>
-                <a:spcPct val="0"/>
-              </a:spcBef>
-            </a:pPr>
-            <a:endParaRPr lang="en-US" altLang="zh-CN" sz="2800" dirty="0">
-              <a:latin typeface="Palatino Linotype" pitchFamily="18" charset="0"/>
-            </a:endParaRPr>
-          </a:p>
-        </p:txBody>
-      </p:sp>
-      <p:sp>
-        <p:nvSpPr>
-          <p:cNvPr id="20484" name="Text Box 6"/>
+              <a:t>and then assigns one member of each pair to participate in the program and the other member to the control group.</a:t>
+            </a:r>
+          </a:p>
+        </p:txBody>
+      </p:sp>
+      <p:sp>
+        <p:nvSpPr>
+          <p:cNvPr id="18436" name="Text Box 6"/>
           <p:cNvSpPr txBox="1">
             <a:spLocks noChangeArrowheads="1"/>
           </p:cNvSpPr>
@@ -22659,8 +22658,8 @@
         </p:nvSpPr>
         <p:spPr bwMode="auto">
           <a:xfrm>
-            <a:off x="152400" y="228601"/>
-            <a:ext cx="8610600" cy="1200329"/>
+            <a:off x="228600" y="304800"/>
+            <a:ext cx="8534400" cy="1323439"/>
           </a:xfrm>
           <a:prstGeom prst="rect">
             <a:avLst/>
@@ -22690,7 +22689,7 @@
           </a:extLst>
         </p:spPr>
         <p:txBody>
-          <a:bodyPr wrap="square">
+          <a:bodyPr>
             <a:spAutoFit/>
           </a:bodyPr>
           <a:lstStyle>
@@ -22798,7 +22797,7 @@
               </a:spcBef>
             </a:pPr>
             <a:r>
-              <a:rPr lang="en-US" altLang="zh-CN" sz="3600" b="1" dirty="0">
+              <a:rPr lang="en-US" altLang="zh-CN" sz="4000" b="1" dirty="0">
                 <a:solidFill>
                   <a:srgbClr val="000099"/>
                 </a:solidFill>
@@ -22806,14 +22805,14 @@
                 <a:ea typeface="Cambria Math" pitchFamily="18" charset="0"/>
                 <a:cs typeface="+mj-cs"/>
               </a:rPr>
-              <a:t>Advantages of Dependent Groups Designs</a:t>
-            </a:r>
-          </a:p>
-        </p:txBody>
-      </p:sp>
-      <p:sp>
-        <p:nvSpPr>
-          <p:cNvPr id="20485" name="Rectangle 5"/>
+              <a:t>Examples of Research Hypotheses with Dependent Groups</a:t>
+            </a:r>
+          </a:p>
+        </p:txBody>
+      </p:sp>
+      <p:sp>
+        <p:nvSpPr>
+          <p:cNvPr id="18437" name="Rectangle 5"/>
           <p:cNvSpPr>
             <a:spLocks noChangeArrowheads="1"/>
           </p:cNvSpPr>
@@ -22821,8 +22820,8 @@
         </p:nvSpPr>
         <p:spPr bwMode="auto">
           <a:xfrm>
-            <a:off x="0" y="3338513"/>
-            <a:ext cx="9144000" cy="0"/>
+            <a:off x="0" y="3153847"/>
+            <a:ext cx="184731" cy="369332"/>
           </a:xfrm>
           <a:prstGeom prst="rect">
             <a:avLst/>
@@ -22858,14 +22857,14 @@
           <a:lstStyle/>
           <a:p>
             <a:endParaRPr lang="en-US">
-              <a:latin typeface="Calibri" pitchFamily="34" charset="0"/>
+              <a:latin typeface="Palatino Linotype" pitchFamily="18" charset="0"/>
             </a:endParaRPr>
           </a:p>
         </p:txBody>
       </p:sp>
       <p:sp>
         <p:nvSpPr>
-          <p:cNvPr id="20486" name="Rectangle 6"/>
+          <p:cNvPr id="18438" name="Rectangle 6"/>
           <p:cNvSpPr>
             <a:spLocks noChangeArrowheads="1"/>
           </p:cNvSpPr>
@@ -22873,8 +22872,8 @@
         </p:nvSpPr>
         <p:spPr bwMode="auto">
           <a:xfrm>
-            <a:off x="0" y="0"/>
-            <a:ext cx="9144000" cy="0"/>
+            <a:off x="0" y="-184666"/>
+            <a:ext cx="184731" cy="369332"/>
           </a:xfrm>
           <a:prstGeom prst="rect">
             <a:avLst/>
@@ -22910,14 +22909,14 @@
           <a:lstStyle/>
           <a:p>
             <a:endParaRPr lang="en-US">
-              <a:latin typeface="Calibri" pitchFamily="34" charset="0"/>
+              <a:latin typeface="Palatino Linotype" pitchFamily="18" charset="0"/>
             </a:endParaRPr>
           </a:p>
         </p:txBody>
       </p:sp>
       <p:sp>
         <p:nvSpPr>
-          <p:cNvPr id="20487" name="Rectangle 7"/>
+          <p:cNvPr id="18439" name="Rectangle 7"/>
           <p:cNvSpPr>
             <a:spLocks noChangeArrowheads="1"/>
           </p:cNvSpPr>
@@ -22925,8 +22924,8 @@
         </p:nvSpPr>
         <p:spPr bwMode="auto">
           <a:xfrm>
-            <a:off x="0" y="3333750"/>
-            <a:ext cx="9144000" cy="0"/>
+            <a:off x="0" y="3149084"/>
+            <a:ext cx="184731" cy="369332"/>
           </a:xfrm>
           <a:prstGeom prst="rect">
             <a:avLst/>
@@ -22962,14 +22961,14 @@
           <a:lstStyle/>
           <a:p>
             <a:endParaRPr lang="en-US">
-              <a:latin typeface="Calibri" pitchFamily="34" charset="0"/>
+              <a:latin typeface="Palatino Linotype" pitchFamily="18" charset="0"/>
             </a:endParaRPr>
           </a:p>
         </p:txBody>
       </p:sp>
       <p:sp>
         <p:nvSpPr>
-          <p:cNvPr id="20488" name="Rectangle 8"/>
+          <p:cNvPr id="18440" name="Rectangle 8"/>
           <p:cNvSpPr>
             <a:spLocks noChangeArrowheads="1"/>
           </p:cNvSpPr>
@@ -22977,8 +22976,8 @@
         </p:nvSpPr>
         <p:spPr bwMode="auto">
           <a:xfrm>
-            <a:off x="0" y="0"/>
-            <a:ext cx="9144000" cy="0"/>
+            <a:off x="0" y="-184666"/>
+            <a:ext cx="184731" cy="369332"/>
           </a:xfrm>
           <a:prstGeom prst="rect">
             <a:avLst/>
@@ -23014,7 +23013,7 @@
           <a:lstStyle/>
           <a:p>
             <a:endParaRPr lang="en-US">
-              <a:latin typeface="Calibri" pitchFamily="34" charset="0"/>
+              <a:latin typeface="Palatino Linotype" pitchFamily="18" charset="0"/>
             </a:endParaRPr>
           </a:p>
         </p:txBody>
@@ -23045,7 +23044,7 @@
     </p:spTree>
     <p:extLst>
       <p:ext uri="{BB962C8B-B14F-4D97-AF65-F5344CB8AC3E}">
-        <p14:creationId xmlns:p14="http://schemas.microsoft.com/office/powerpoint/2010/main" val="2382782399"/>
+        <p14:creationId xmlns:p14="http://schemas.microsoft.com/office/powerpoint/2010/main" val="4242519824"/>
       </p:ext>
     </p:extLst>
   </p:cSld>
@@ -23075,7 +23074,7 @@
       </p:grpSpPr>
       <p:sp>
         <p:nvSpPr>
-          <p:cNvPr id="22530" name="Rectangle 3"/>
+          <p:cNvPr id="20482" name="Rectangle 3"/>
           <p:cNvSpPr>
             <a:spLocks noGrp="1" noChangeArrowheads="1"/>
           </p:cNvSpPr>
@@ -23085,7 +23084,7 @@
         </p:nvSpPr>
         <p:spPr>
           <a:xfrm>
-            <a:off x="457200" y="1524000"/>
+            <a:off x="342900" y="1587647"/>
             <a:ext cx="8458200" cy="4876800"/>
           </a:xfrm>
         </p:spPr>
@@ -23100,18 +23099,21 @@
             </a:pPr>
             <a:r>
               <a:rPr lang="en-US" altLang="zh-CN" sz="2400" dirty="0">
-                <a:solidFill>
-                  <a:srgbClr val="C00000"/>
-                </a:solidFill>
                 <a:latin typeface="Palatino Linotype" pitchFamily="18" charset="0"/>
               </a:rPr>
-              <a:t>Order effect: </a:t>
+              <a:t>There is ensured comparability across treatment groups.  Reducing the sampling variability across groups has the potential to </a:t>
+            </a:r>
+            <a:r>
+              <a:rPr lang="en-US" altLang="zh-CN" sz="2400" u="sng" dirty="0">
+                <a:latin typeface="Palatino Linotype" pitchFamily="18" charset="0"/>
+              </a:rPr>
+              <a:t>increase the power </a:t>
             </a:r>
             <a:r>
               <a:rPr lang="en-US" altLang="zh-CN" sz="2400" dirty="0">
                 <a:latin typeface="Palatino Linotype" pitchFamily="18" charset="0"/>
               </a:rPr>
-              <a:t>when making repeated measurements on the same subjects, exposure to the treatment condition assigned first changes performance on the treatment condition assigned second. </a:t>
+              <a:t>of the test.</a:t>
             </a:r>
           </a:p>
           <a:p>
@@ -23119,15 +23121,13 @@
               <a:spcBef>
                 <a:spcPct val="0"/>
               </a:spcBef>
-              <a:buFont typeface="Arial" charset="0"/>
-              <a:buNone/>
             </a:pPr>
             <a:endParaRPr lang="en-US" altLang="zh-CN" sz="2400" dirty="0">
               <a:latin typeface="Palatino Linotype" pitchFamily="18" charset="0"/>
             </a:endParaRPr>
           </a:p>
           <a:p>
-            <a:pPr marL="0" lvl="1" indent="0" eaLnBrk="1" hangingPunct="1">
+            <a:pPr marL="0" indent="0" eaLnBrk="1" hangingPunct="1">
               <a:spcBef>
                 <a:spcPct val="0"/>
               </a:spcBef>
@@ -23136,24 +23136,33 @@
               <a:rPr lang="en-US" altLang="zh-CN" sz="2400" dirty="0">
                 <a:latin typeface="Palatino Linotype" pitchFamily="18" charset="0"/>
               </a:rPr>
-              <a:t>For the English composition example order effects might occur if: </a:t>
-            </a:r>
-          </a:p>
-          <a:p>
-            <a:pPr marL="457200" lvl="4" indent="0" eaLnBrk="1" hangingPunct="1">
+              <a:t>The repeated measures design </a:t>
+            </a:r>
+            <a:r>
+              <a:rPr lang="en-US" altLang="zh-CN" sz="2400" u="sng" dirty="0">
+                <a:latin typeface="Palatino Linotype" pitchFamily="18" charset="0"/>
+              </a:rPr>
+              <a:t>reduces the number of subjects you need</a:t>
+            </a:r>
+            <a:r>
+              <a:rPr lang="en-US" altLang="zh-CN" sz="2400" dirty="0">
+                <a:latin typeface="Palatino Linotype" pitchFamily="18" charset="0"/>
+              </a:rPr>
+              <a:t>.  This may be helpful in situations where it is expensive or difficult to obtain many subjects. </a:t>
+            </a:r>
+          </a:p>
+          <a:p>
+            <a:pPr marL="0" indent="0" eaLnBrk="1" hangingPunct="1">
               <a:spcBef>
                 <a:spcPct val="0"/>
               </a:spcBef>
             </a:pPr>
-            <a:r>
-              <a:rPr lang="en-US" altLang="zh-CN" sz="2400" dirty="0">
-                <a:latin typeface="Palatino Linotype" pitchFamily="18" charset="0"/>
-              </a:rPr>
-              <a:t>the effect of listening to classical music continued while students were writing a second essay in silence</a:t>
-            </a:r>
-          </a:p>
-          <a:p>
-            <a:pPr marL="457200" lvl="4" indent="0" eaLnBrk="1" hangingPunct="1">
+            <a:endParaRPr lang="en-US" altLang="zh-CN" sz="2400" dirty="0">
+              <a:latin typeface="Palatino Linotype" pitchFamily="18" charset="0"/>
+            </a:endParaRPr>
+          </a:p>
+          <a:p>
+            <a:pPr marL="0" indent="0">
               <a:spcBef>
                 <a:spcPct val="0"/>
               </a:spcBef>
@@ -23162,14 +23171,36 @@
               <a:rPr lang="en-US" altLang="zh-CN" sz="2400" dirty="0">
                 <a:latin typeface="Palatino Linotype" pitchFamily="18" charset="0"/>
               </a:rPr>
-              <a:t>the students were tired after writing the first essay and subsequently performed more poorly on the second essay</a:t>
-            </a:r>
-          </a:p>
-        </p:txBody>
-      </p:sp>
-      <p:sp>
-        <p:nvSpPr>
-          <p:cNvPr id="22532" name="Text Box 6"/>
+              <a:t>Fewer assumptions are necessary to carry out a </a:t>
+            </a:r>
+            <a:r>
+              <a:rPr lang="en-US" altLang="zh-CN" sz="2400" i="1" dirty="0">
+                <a:latin typeface="Palatino Linotype" pitchFamily="18" charset="0"/>
+              </a:rPr>
+              <a:t>t</a:t>
+            </a:r>
+            <a:r>
+              <a:rPr lang="en-US" altLang="zh-CN" sz="2400" dirty="0">
+                <a:latin typeface="Palatino Linotype" pitchFamily="18" charset="0"/>
+              </a:rPr>
+              <a:t> test than with an independent samples design.</a:t>
+            </a:r>
+          </a:p>
+          <a:p>
+            <a:pPr marL="0" indent="0" eaLnBrk="1" hangingPunct="1">
+              <a:spcBef>
+                <a:spcPct val="0"/>
+              </a:spcBef>
+            </a:pPr>
+            <a:endParaRPr lang="en-US" altLang="zh-CN" sz="2800" dirty="0">
+              <a:latin typeface="Palatino Linotype" pitchFamily="18" charset="0"/>
+            </a:endParaRPr>
+          </a:p>
+        </p:txBody>
+      </p:sp>
+      <p:sp>
+        <p:nvSpPr>
+          <p:cNvPr id="20484" name="Text Box 6"/>
           <p:cNvSpPr txBox="1">
             <a:spLocks noChangeArrowheads="1"/>
           </p:cNvSpPr>
@@ -23177,8 +23208,8 @@
         </p:nvSpPr>
         <p:spPr bwMode="auto">
           <a:xfrm>
-            <a:off x="228600" y="304800"/>
-            <a:ext cx="8382000" cy="1200150"/>
+            <a:off x="152400" y="228601"/>
+            <a:ext cx="8610600" cy="1200329"/>
           </a:xfrm>
           <a:prstGeom prst="rect">
             <a:avLst/>
@@ -23208,7 +23239,7 @@
           </a:extLst>
         </p:spPr>
         <p:txBody>
-          <a:bodyPr>
+          <a:bodyPr wrap="square">
             <a:spAutoFit/>
           </a:bodyPr>
           <a:lstStyle>
@@ -23324,14 +23355,14 @@
                 <a:ea typeface="Cambria Math" pitchFamily="18" charset="0"/>
                 <a:cs typeface="+mj-cs"/>
               </a:rPr>
-              <a:t>Limitations of Dependent Groups Designs</a:t>
-            </a:r>
-          </a:p>
-        </p:txBody>
-      </p:sp>
-      <p:sp>
-        <p:nvSpPr>
-          <p:cNvPr id="22533" name="Rectangle 5"/>
+              <a:t>Advantages of Dependent Groups Designs</a:t>
+            </a:r>
+          </a:p>
+        </p:txBody>
+      </p:sp>
+      <p:sp>
+        <p:nvSpPr>
+          <p:cNvPr id="20485" name="Rectangle 5"/>
           <p:cNvSpPr>
             <a:spLocks noChangeArrowheads="1"/>
           </p:cNvSpPr>
@@ -23339,8 +23370,8 @@
         </p:nvSpPr>
         <p:spPr bwMode="auto">
           <a:xfrm>
-            <a:off x="0" y="3153847"/>
-            <a:ext cx="184731" cy="369332"/>
+            <a:off x="0" y="3338513"/>
+            <a:ext cx="9144000" cy="0"/>
           </a:xfrm>
           <a:prstGeom prst="rect">
             <a:avLst/>
@@ -23376,14 +23407,14 @@
           <a:lstStyle/>
           <a:p>
             <a:endParaRPr lang="en-US">
-              <a:latin typeface="Palatino Linotype" pitchFamily="18" charset="0"/>
+              <a:latin typeface="Calibri" pitchFamily="34" charset="0"/>
             </a:endParaRPr>
           </a:p>
         </p:txBody>
       </p:sp>
       <p:sp>
         <p:nvSpPr>
-          <p:cNvPr id="22534" name="Rectangle 6"/>
+          <p:cNvPr id="20486" name="Rectangle 6"/>
           <p:cNvSpPr>
             <a:spLocks noChangeArrowheads="1"/>
           </p:cNvSpPr>
@@ -23391,8 +23422,8 @@
         </p:nvSpPr>
         <p:spPr bwMode="auto">
           <a:xfrm>
-            <a:off x="0" y="-184666"/>
-            <a:ext cx="184731" cy="369332"/>
+            <a:off x="0" y="0"/>
+            <a:ext cx="9144000" cy="0"/>
           </a:xfrm>
           <a:prstGeom prst="rect">
             <a:avLst/>
@@ -23428,14 +23459,14 @@
           <a:lstStyle/>
           <a:p>
             <a:endParaRPr lang="en-US">
-              <a:latin typeface="Palatino Linotype" pitchFamily="18" charset="0"/>
+              <a:latin typeface="Calibri" pitchFamily="34" charset="0"/>
             </a:endParaRPr>
           </a:p>
         </p:txBody>
       </p:sp>
       <p:sp>
         <p:nvSpPr>
-          <p:cNvPr id="22535" name="Rectangle 7"/>
+          <p:cNvPr id="20487" name="Rectangle 7"/>
           <p:cNvSpPr>
             <a:spLocks noChangeArrowheads="1"/>
           </p:cNvSpPr>
@@ -23443,8 +23474,8 @@
         </p:nvSpPr>
         <p:spPr bwMode="auto">
           <a:xfrm>
-            <a:off x="0" y="3149084"/>
-            <a:ext cx="184731" cy="369332"/>
+            <a:off x="0" y="3333750"/>
+            <a:ext cx="9144000" cy="0"/>
           </a:xfrm>
           <a:prstGeom prst="rect">
             <a:avLst/>
@@ -23480,14 +23511,14 @@
           <a:lstStyle/>
           <a:p>
             <a:endParaRPr lang="en-US">
-              <a:latin typeface="Palatino Linotype" pitchFamily="18" charset="0"/>
+              <a:latin typeface="Calibri" pitchFamily="34" charset="0"/>
             </a:endParaRPr>
           </a:p>
         </p:txBody>
       </p:sp>
       <p:sp>
         <p:nvSpPr>
-          <p:cNvPr id="22536" name="Rectangle 8"/>
+          <p:cNvPr id="20488" name="Rectangle 8"/>
           <p:cNvSpPr>
             <a:spLocks noChangeArrowheads="1"/>
           </p:cNvSpPr>
@@ -23495,8 +23526,8 @@
         </p:nvSpPr>
         <p:spPr bwMode="auto">
           <a:xfrm>
-            <a:off x="0" y="-184666"/>
-            <a:ext cx="184731" cy="369332"/>
+            <a:off x="0" y="0"/>
+            <a:ext cx="9144000" cy="0"/>
           </a:xfrm>
           <a:prstGeom prst="rect">
             <a:avLst/>
@@ -23532,7 +23563,7 @@
           <a:lstStyle/>
           <a:p>
             <a:endParaRPr lang="en-US">
-              <a:latin typeface="Palatino Linotype" pitchFamily="18" charset="0"/>
+              <a:latin typeface="Calibri" pitchFamily="34" charset="0"/>
             </a:endParaRPr>
           </a:p>
         </p:txBody>
@@ -23563,7 +23594,7 @@
     </p:spTree>
     <p:extLst>
       <p:ext uri="{BB962C8B-B14F-4D97-AF65-F5344CB8AC3E}">
-        <p14:creationId xmlns:p14="http://schemas.microsoft.com/office/powerpoint/2010/main" val="1945421496"/>
+        <p14:creationId xmlns:p14="http://schemas.microsoft.com/office/powerpoint/2010/main" val="2382782399"/>
       </p:ext>
     </p:extLst>
   </p:cSld>
@@ -23593,6 +23624,524 @@
       </p:grpSpPr>
       <p:sp>
         <p:nvSpPr>
+          <p:cNvPr id="22530" name="Rectangle 3"/>
+          <p:cNvSpPr>
+            <a:spLocks noGrp="1" noChangeArrowheads="1"/>
+          </p:cNvSpPr>
+          <p:nvPr>
+            <p:ph type="body" idx="4294967295"/>
+          </p:nvPr>
+        </p:nvSpPr>
+        <p:spPr>
+          <a:xfrm>
+            <a:off x="457200" y="1524000"/>
+            <a:ext cx="8458200" cy="4876800"/>
+          </a:xfrm>
+        </p:spPr>
+        <p:txBody>
+          <a:bodyPr/>
+          <a:lstStyle/>
+          <a:p>
+            <a:pPr marL="0" indent="0" eaLnBrk="1" hangingPunct="1">
+              <a:spcBef>
+                <a:spcPct val="0"/>
+              </a:spcBef>
+            </a:pPr>
+            <a:r>
+              <a:rPr lang="en-US" altLang="zh-CN" sz="2400" dirty="0">
+                <a:solidFill>
+                  <a:srgbClr val="C00000"/>
+                </a:solidFill>
+                <a:latin typeface="Palatino Linotype" pitchFamily="18" charset="0"/>
+              </a:rPr>
+              <a:t>Order effect: </a:t>
+            </a:r>
+            <a:r>
+              <a:rPr lang="en-US" altLang="zh-CN" sz="2400" dirty="0">
+                <a:latin typeface="Palatino Linotype" pitchFamily="18" charset="0"/>
+              </a:rPr>
+              <a:t>when making repeated measurements on the same subjects, exposure to the treatment condition assigned first changes performance on the treatment condition assigned second. </a:t>
+            </a:r>
+          </a:p>
+          <a:p>
+            <a:pPr marL="0" indent="0" eaLnBrk="1" hangingPunct="1">
+              <a:spcBef>
+                <a:spcPct val="0"/>
+              </a:spcBef>
+              <a:buFont typeface="Arial" charset="0"/>
+              <a:buNone/>
+            </a:pPr>
+            <a:endParaRPr lang="en-US" altLang="zh-CN" sz="2400" dirty="0">
+              <a:latin typeface="Palatino Linotype" pitchFamily="18" charset="0"/>
+            </a:endParaRPr>
+          </a:p>
+          <a:p>
+            <a:pPr marL="0" lvl="1" indent="0" eaLnBrk="1" hangingPunct="1">
+              <a:spcBef>
+                <a:spcPct val="0"/>
+              </a:spcBef>
+            </a:pPr>
+            <a:r>
+              <a:rPr lang="en-US" altLang="zh-CN" sz="2400" dirty="0">
+                <a:latin typeface="Palatino Linotype" pitchFamily="18" charset="0"/>
+              </a:rPr>
+              <a:t>For the English composition example order effects might occur if: </a:t>
+            </a:r>
+          </a:p>
+          <a:p>
+            <a:pPr marL="457200" lvl="4" indent="0" eaLnBrk="1" hangingPunct="1">
+              <a:spcBef>
+                <a:spcPct val="0"/>
+              </a:spcBef>
+            </a:pPr>
+            <a:r>
+              <a:rPr lang="en-US" altLang="zh-CN" sz="2400" dirty="0">
+                <a:latin typeface="Palatino Linotype" pitchFamily="18" charset="0"/>
+              </a:rPr>
+              <a:t>the effect of listening to classical music continued while students were writing a second essay in silence</a:t>
+            </a:r>
+          </a:p>
+          <a:p>
+            <a:pPr marL="457200" lvl="4" indent="0" eaLnBrk="1" hangingPunct="1">
+              <a:spcBef>
+                <a:spcPct val="0"/>
+              </a:spcBef>
+            </a:pPr>
+            <a:r>
+              <a:rPr lang="en-US" altLang="zh-CN" sz="2400" dirty="0">
+                <a:latin typeface="Palatino Linotype" pitchFamily="18" charset="0"/>
+              </a:rPr>
+              <a:t>the students were tired after writing the first essay and subsequently performed more poorly on the second essay</a:t>
+            </a:r>
+          </a:p>
+        </p:txBody>
+      </p:sp>
+      <p:sp>
+        <p:nvSpPr>
+          <p:cNvPr id="22532" name="Text Box 6"/>
+          <p:cNvSpPr txBox="1">
+            <a:spLocks noChangeArrowheads="1"/>
+          </p:cNvSpPr>
+          <p:nvPr/>
+        </p:nvSpPr>
+        <p:spPr bwMode="auto">
+          <a:xfrm>
+            <a:off x="228600" y="304800"/>
+            <a:ext cx="8382000" cy="1200150"/>
+          </a:xfrm>
+          <a:prstGeom prst="rect">
+            <a:avLst/>
+          </a:prstGeom>
+          <a:noFill/>
+          <a:ln>
+            <a:noFill/>
+          </a:ln>
+          <a:extLst>
+            <a:ext uri="{909E8E84-426E-40dd-AFC4-6F175D3DCCD1}">
+              <a14:hiddenFill xmlns:a14="http://schemas.microsoft.com/office/drawing/2010/main">
+                <a:solidFill>
+                  <a:srgbClr val="FFFFFF"/>
+                </a:solidFill>
+              </a14:hiddenFill>
+            </a:ext>
+            <a:ext uri="{91240B29-F687-4f45-9708-019B960494DF}">
+              <a14:hiddenLine xmlns:a14="http://schemas.microsoft.com/office/drawing/2010/main" w="9525" algn="ctr">
+                <a:solidFill>
+                  <a:srgbClr val="000000"/>
+                </a:solidFill>
+                <a:miter lim="800000"/>
+                <a:headEnd/>
+                <a:tailEnd/>
+              </a14:hiddenLine>
+            </a:ext>
+          </a:extLst>
+        </p:spPr>
+        <p:txBody>
+          <a:bodyPr>
+            <a:spAutoFit/>
+          </a:bodyPr>
+          <a:lstStyle>
+            <a:lvl1pPr eaLnBrk="0" hangingPunct="0">
+              <a:defRPr>
+                <a:solidFill>
+                  <a:schemeClr val="tx1"/>
+                </a:solidFill>
+                <a:latin typeface="Arial" charset="0"/>
+              </a:defRPr>
+            </a:lvl1pPr>
+            <a:lvl2pPr marL="742950" indent="-285750" eaLnBrk="0" hangingPunct="0">
+              <a:defRPr>
+                <a:solidFill>
+                  <a:schemeClr val="tx1"/>
+                </a:solidFill>
+                <a:latin typeface="Arial" charset="0"/>
+              </a:defRPr>
+            </a:lvl2pPr>
+            <a:lvl3pPr marL="1143000" indent="-228600" eaLnBrk="0" hangingPunct="0">
+              <a:defRPr>
+                <a:solidFill>
+                  <a:schemeClr val="tx1"/>
+                </a:solidFill>
+                <a:latin typeface="Arial" charset="0"/>
+              </a:defRPr>
+            </a:lvl3pPr>
+            <a:lvl4pPr marL="1600200" indent="-228600" eaLnBrk="0" hangingPunct="0">
+              <a:defRPr>
+                <a:solidFill>
+                  <a:schemeClr val="tx1"/>
+                </a:solidFill>
+                <a:latin typeface="Arial" charset="0"/>
+              </a:defRPr>
+            </a:lvl4pPr>
+            <a:lvl5pPr marL="2057400" indent="-228600" eaLnBrk="0" hangingPunct="0">
+              <a:defRPr>
+                <a:solidFill>
+                  <a:schemeClr val="tx1"/>
+                </a:solidFill>
+                <a:latin typeface="Arial" charset="0"/>
+              </a:defRPr>
+            </a:lvl5pPr>
+            <a:lvl6pPr marL="2514600" indent="-228600" eaLnBrk="0" fontAlgn="base" hangingPunct="0">
+              <a:spcBef>
+                <a:spcPct val="0"/>
+              </a:spcBef>
+              <a:spcAft>
+                <a:spcPct val="0"/>
+              </a:spcAft>
+              <a:defRPr>
+                <a:solidFill>
+                  <a:schemeClr val="tx1"/>
+                </a:solidFill>
+                <a:latin typeface="Arial" charset="0"/>
+              </a:defRPr>
+            </a:lvl6pPr>
+            <a:lvl7pPr marL="2971800" indent="-228600" eaLnBrk="0" fontAlgn="base" hangingPunct="0">
+              <a:spcBef>
+                <a:spcPct val="0"/>
+              </a:spcBef>
+              <a:spcAft>
+                <a:spcPct val="0"/>
+              </a:spcAft>
+              <a:defRPr>
+                <a:solidFill>
+                  <a:schemeClr val="tx1"/>
+                </a:solidFill>
+                <a:latin typeface="Arial" charset="0"/>
+              </a:defRPr>
+            </a:lvl7pPr>
+            <a:lvl8pPr marL="3429000" indent="-228600" eaLnBrk="0" fontAlgn="base" hangingPunct="0">
+              <a:spcBef>
+                <a:spcPct val="0"/>
+              </a:spcBef>
+              <a:spcAft>
+                <a:spcPct val="0"/>
+              </a:spcAft>
+              <a:defRPr>
+                <a:solidFill>
+                  <a:schemeClr val="tx1"/>
+                </a:solidFill>
+                <a:latin typeface="Arial" charset="0"/>
+              </a:defRPr>
+            </a:lvl8pPr>
+            <a:lvl9pPr marL="3886200" indent="-228600" eaLnBrk="0" fontAlgn="base" hangingPunct="0">
+              <a:spcBef>
+                <a:spcPct val="0"/>
+              </a:spcBef>
+              <a:spcAft>
+                <a:spcPct val="0"/>
+              </a:spcAft>
+              <a:defRPr>
+                <a:solidFill>
+                  <a:schemeClr val="tx1"/>
+                </a:solidFill>
+                <a:latin typeface="Arial" charset="0"/>
+              </a:defRPr>
+            </a:lvl9pPr>
+          </a:lstStyle>
+          <a:p>
+            <a:pPr algn="ctr" eaLnBrk="1" hangingPunct="1">
+              <a:spcBef>
+                <a:spcPct val="0"/>
+              </a:spcBef>
+            </a:pPr>
+            <a:r>
+              <a:rPr lang="en-US" altLang="zh-CN" sz="3600" b="1" dirty="0">
+                <a:solidFill>
+                  <a:srgbClr val="000099"/>
+                </a:solidFill>
+                <a:latin typeface="Palatino Linotype" pitchFamily="18" charset="0"/>
+                <a:ea typeface="Cambria Math" pitchFamily="18" charset="0"/>
+                <a:cs typeface="+mj-cs"/>
+              </a:rPr>
+              <a:t>Limitations of Dependent Groups Designs</a:t>
+            </a:r>
+          </a:p>
+        </p:txBody>
+      </p:sp>
+      <p:sp>
+        <p:nvSpPr>
+          <p:cNvPr id="22533" name="Rectangle 5"/>
+          <p:cNvSpPr>
+            <a:spLocks noChangeArrowheads="1"/>
+          </p:cNvSpPr>
+          <p:nvPr/>
+        </p:nvSpPr>
+        <p:spPr bwMode="auto">
+          <a:xfrm>
+            <a:off x="0" y="3153847"/>
+            <a:ext cx="184731" cy="369332"/>
+          </a:xfrm>
+          <a:prstGeom prst="rect">
+            <a:avLst/>
+          </a:prstGeom>
+          <a:noFill/>
+          <a:ln>
+            <a:noFill/>
+          </a:ln>
+          <a:extLst>
+            <a:ext uri="{909E8E84-426E-40dd-AFC4-6F175D3DCCD1}">
+              <a14:hiddenFill xmlns:a14="http://schemas.microsoft.com/office/drawing/2010/main">
+                <a:solidFill>
+                  <a:srgbClr val="FFFFFF"/>
+                </a:solidFill>
+              </a14:hiddenFill>
+            </a:ext>
+            <a:ext uri="{91240B29-F687-4f45-9708-019B960494DF}">
+              <a14:hiddenLine xmlns:a14="http://schemas.microsoft.com/office/drawing/2010/main" w="9525" algn="ctr">
+                <a:solidFill>
+                  <a:srgbClr val="000000"/>
+                </a:solidFill>
+                <a:miter lim="800000"/>
+                <a:headEnd/>
+                <a:tailEnd/>
+              </a14:hiddenLine>
+            </a:ext>
+          </a:extLst>
+        </p:spPr>
+        <p:txBody>
+          <a:bodyPr wrap="none" anchor="ctr">
+            <a:spAutoFit/>
+          </a:bodyPr>
+          <a:lstStyle/>
+          <a:p>
+            <a:endParaRPr lang="en-US">
+              <a:latin typeface="Palatino Linotype" pitchFamily="18" charset="0"/>
+            </a:endParaRPr>
+          </a:p>
+        </p:txBody>
+      </p:sp>
+      <p:sp>
+        <p:nvSpPr>
+          <p:cNvPr id="22534" name="Rectangle 6"/>
+          <p:cNvSpPr>
+            <a:spLocks noChangeArrowheads="1"/>
+          </p:cNvSpPr>
+          <p:nvPr/>
+        </p:nvSpPr>
+        <p:spPr bwMode="auto">
+          <a:xfrm>
+            <a:off x="0" y="-184666"/>
+            <a:ext cx="184731" cy="369332"/>
+          </a:xfrm>
+          <a:prstGeom prst="rect">
+            <a:avLst/>
+          </a:prstGeom>
+          <a:noFill/>
+          <a:ln>
+            <a:noFill/>
+          </a:ln>
+          <a:extLst>
+            <a:ext uri="{909E8E84-426E-40dd-AFC4-6F175D3DCCD1}">
+              <a14:hiddenFill xmlns:a14="http://schemas.microsoft.com/office/drawing/2010/main">
+                <a:solidFill>
+                  <a:srgbClr val="FFFFFF"/>
+                </a:solidFill>
+              </a14:hiddenFill>
+            </a:ext>
+            <a:ext uri="{91240B29-F687-4f45-9708-019B960494DF}">
+              <a14:hiddenLine xmlns:a14="http://schemas.microsoft.com/office/drawing/2010/main" w="9525" algn="ctr">
+                <a:solidFill>
+                  <a:srgbClr val="000000"/>
+                </a:solidFill>
+                <a:miter lim="800000"/>
+                <a:headEnd/>
+                <a:tailEnd/>
+              </a14:hiddenLine>
+            </a:ext>
+          </a:extLst>
+        </p:spPr>
+        <p:txBody>
+          <a:bodyPr wrap="none" anchor="ctr">
+            <a:spAutoFit/>
+          </a:bodyPr>
+          <a:lstStyle/>
+          <a:p>
+            <a:endParaRPr lang="en-US">
+              <a:latin typeface="Palatino Linotype" pitchFamily="18" charset="0"/>
+            </a:endParaRPr>
+          </a:p>
+        </p:txBody>
+      </p:sp>
+      <p:sp>
+        <p:nvSpPr>
+          <p:cNvPr id="22535" name="Rectangle 7"/>
+          <p:cNvSpPr>
+            <a:spLocks noChangeArrowheads="1"/>
+          </p:cNvSpPr>
+          <p:nvPr/>
+        </p:nvSpPr>
+        <p:spPr bwMode="auto">
+          <a:xfrm>
+            <a:off x="0" y="3149084"/>
+            <a:ext cx="184731" cy="369332"/>
+          </a:xfrm>
+          <a:prstGeom prst="rect">
+            <a:avLst/>
+          </a:prstGeom>
+          <a:noFill/>
+          <a:ln>
+            <a:noFill/>
+          </a:ln>
+          <a:extLst>
+            <a:ext uri="{909E8E84-426E-40dd-AFC4-6F175D3DCCD1}">
+              <a14:hiddenFill xmlns:a14="http://schemas.microsoft.com/office/drawing/2010/main">
+                <a:solidFill>
+                  <a:srgbClr val="FFFFFF"/>
+                </a:solidFill>
+              </a14:hiddenFill>
+            </a:ext>
+            <a:ext uri="{91240B29-F687-4f45-9708-019B960494DF}">
+              <a14:hiddenLine xmlns:a14="http://schemas.microsoft.com/office/drawing/2010/main" w="9525" algn="ctr">
+                <a:solidFill>
+                  <a:srgbClr val="000000"/>
+                </a:solidFill>
+                <a:miter lim="800000"/>
+                <a:headEnd/>
+                <a:tailEnd/>
+              </a14:hiddenLine>
+            </a:ext>
+          </a:extLst>
+        </p:spPr>
+        <p:txBody>
+          <a:bodyPr wrap="none" anchor="ctr">
+            <a:spAutoFit/>
+          </a:bodyPr>
+          <a:lstStyle/>
+          <a:p>
+            <a:endParaRPr lang="en-US">
+              <a:latin typeface="Palatino Linotype" pitchFamily="18" charset="0"/>
+            </a:endParaRPr>
+          </a:p>
+        </p:txBody>
+      </p:sp>
+      <p:sp>
+        <p:nvSpPr>
+          <p:cNvPr id="22536" name="Rectangle 8"/>
+          <p:cNvSpPr>
+            <a:spLocks noChangeArrowheads="1"/>
+          </p:cNvSpPr>
+          <p:nvPr/>
+        </p:nvSpPr>
+        <p:spPr bwMode="auto">
+          <a:xfrm>
+            <a:off x="0" y="-184666"/>
+            <a:ext cx="184731" cy="369332"/>
+          </a:xfrm>
+          <a:prstGeom prst="rect">
+            <a:avLst/>
+          </a:prstGeom>
+          <a:noFill/>
+          <a:ln>
+            <a:noFill/>
+          </a:ln>
+          <a:extLst>
+            <a:ext uri="{909E8E84-426E-40dd-AFC4-6F175D3DCCD1}">
+              <a14:hiddenFill xmlns:a14="http://schemas.microsoft.com/office/drawing/2010/main">
+                <a:solidFill>
+                  <a:srgbClr val="FFFFFF"/>
+                </a:solidFill>
+              </a14:hiddenFill>
+            </a:ext>
+            <a:ext uri="{91240B29-F687-4f45-9708-019B960494DF}">
+              <a14:hiddenLine xmlns:a14="http://schemas.microsoft.com/office/drawing/2010/main" w="9525" algn="ctr">
+                <a:solidFill>
+                  <a:srgbClr val="000000"/>
+                </a:solidFill>
+                <a:miter lim="800000"/>
+                <a:headEnd/>
+                <a:tailEnd/>
+              </a14:hiddenLine>
+            </a:ext>
+          </a:extLst>
+        </p:spPr>
+        <p:txBody>
+          <a:bodyPr wrap="none" anchor="ctr">
+            <a:spAutoFit/>
+          </a:bodyPr>
+          <a:lstStyle/>
+          <a:p>
+            <a:endParaRPr lang="en-US">
+              <a:latin typeface="Palatino Linotype" pitchFamily="18" charset="0"/>
+            </a:endParaRPr>
+          </a:p>
+        </p:txBody>
+      </p:sp>
+      <p:sp>
+        <p:nvSpPr>
+          <p:cNvPr id="2" name="Slide Number Placeholder 1"/>
+          <p:cNvSpPr>
+            <a:spLocks noGrp="1"/>
+          </p:cNvSpPr>
+          <p:nvPr>
+            <p:ph type="sldNum" sz="quarter" idx="12"/>
+          </p:nvPr>
+        </p:nvSpPr>
+        <p:spPr/>
+        <p:txBody>
+          <a:bodyPr/>
+          <a:lstStyle/>
+          <a:p>
+            <a:fld id="{19892AFD-08A7-429B-863F-010284A09610}" type="slidenum">
+              <a:rPr lang="en-US" smtClean="0"/>
+              <a:t>8</a:t>
+            </a:fld>
+            <a:endParaRPr lang="en-US"/>
+          </a:p>
+        </p:txBody>
+      </p:sp>
+    </p:spTree>
+    <p:extLst>
+      <p:ext uri="{BB962C8B-B14F-4D97-AF65-F5344CB8AC3E}">
+        <p14:creationId xmlns:p14="http://schemas.microsoft.com/office/powerpoint/2010/main" val="1945421496"/>
+      </p:ext>
+    </p:extLst>
+  </p:cSld>
+  <p:clrMapOvr>
+    <a:masterClrMapping/>
+  </p:clrMapOvr>
+  <p:transition xmlns:p14="http://schemas.microsoft.com/office/powerpoint/2010/main"/>
+</p:sld>
+</file>
+
+<file path=ppt/slides/slide9.xml><?xml version="1.0" encoding="utf-8"?>
+<p:sld xmlns:a="http://schemas.openxmlformats.org/drawingml/2006/main" xmlns:r="http://schemas.openxmlformats.org/officeDocument/2006/relationships" xmlns:p="http://schemas.openxmlformats.org/presentationml/2006/main">
+  <p:cSld>
+    <p:spTree>
+      <p:nvGrpSpPr>
+        <p:cNvPr id="1" name=""/>
+        <p:cNvGrpSpPr/>
+        <p:nvPr/>
+      </p:nvGrpSpPr>
+      <p:grpSpPr>
+        <a:xfrm>
+          <a:off x="0" y="0"/>
+          <a:ext cx="0" cy="0"/>
+          <a:chOff x="0" y="0"/>
+          <a:chExt cx="0" cy="0"/>
+        </a:xfrm>
+      </p:grpSpPr>
+      <p:sp>
+        <p:nvSpPr>
           <p:cNvPr id="671746" name="Rectangle 3"/>
           <p:cNvSpPr>
             <a:spLocks noGrp="1" noChangeArrowheads="1"/>
@@ -24150,7 +24699,7 @@
           <a:graphicData uri="http://schemas.openxmlformats.org/presentationml/2006/ole">
             <mc:AlternateContent xmlns:mc="http://schemas.openxmlformats.org/markup-compatibility/2006">
               <mc:Choice xmlns:v="urn:schemas-microsoft-com:vml" Requires="v">
-                <p:oleObj spid="_x0000_s15537" r:id="rId4" imgW="990600" imgH="457200" progId="Equation.DSMT4">
+                <p:oleObj spid="_x0000_s15598" r:id="rId4" imgW="990600" imgH="457200" progId="Equation.DSMT4">
                   <p:embed/>
                 </p:oleObj>
               </mc:Choice>
@@ -24278,7 +24827,7 @@
           <a:graphicData uri="http://schemas.openxmlformats.org/presentationml/2006/ole">
             <mc:AlternateContent xmlns:mc="http://schemas.openxmlformats.org/markup-compatibility/2006">
               <mc:Choice xmlns:v="urn:schemas-microsoft-com:vml" Requires="v">
-                <p:oleObj spid="_x0000_s15538" name="Equation" r:id="rId6" imgW="990360" imgH="457200" progId="Equation.DSMT4">
+                <p:oleObj spid="_x0000_s15599" name="Equation" r:id="rId6" imgW="990360" imgH="457200" progId="Equation.DSMT4">
                   <p:embed/>
                 </p:oleObj>
               </mc:Choice>
@@ -24361,7 +24910,7 @@
           <a:graphicData uri="http://schemas.openxmlformats.org/presentationml/2006/ole">
             <mc:AlternateContent xmlns:mc="http://schemas.openxmlformats.org/markup-compatibility/2006">
               <mc:Choice xmlns:v="urn:schemas-microsoft-com:vml" Requires="v">
-                <p:oleObj spid="_x0000_s15539" name="Equation" r:id="rId8" imgW="990360" imgH="457200" progId="Equation.DSMT4">
+                <p:oleObj spid="_x0000_s15600" name="Equation" r:id="rId8" imgW="990360" imgH="457200" progId="Equation.DSMT4">
                   <p:embed/>
                 </p:oleObj>
               </mc:Choice>
@@ -24444,7 +24993,7 @@
           <a:graphicData uri="http://schemas.openxmlformats.org/presentationml/2006/ole">
             <mc:AlternateContent xmlns:mc="http://schemas.openxmlformats.org/markup-compatibility/2006">
               <mc:Choice xmlns:v="urn:schemas-microsoft-com:vml" Requires="v">
-                <p:oleObj spid="_x0000_s15540" name="Equation" r:id="rId10" imgW="1498320" imgH="457200" progId="Equation.DSMT4">
+                <p:oleObj spid="_x0000_s15601" name="Equation" r:id="rId10" imgW="1498320" imgH="457200" progId="Equation.DSMT4">
                   <p:embed/>
                 </p:oleObj>
               </mc:Choice>
@@ -24522,7 +25071,7 @@
           <a:p>
             <a:fld id="{19892AFD-08A7-429B-863F-010284A09610}" type="slidenum">
               <a:rPr lang="en-US" smtClean="0"/>
-              <a:t>8</a:t>
+              <a:t>9</a:t>
             </a:fld>
             <a:endParaRPr lang="en-US"/>
           </a:p>
@@ -24539,384 +25088,6 @@
     <a:masterClrMapping/>
   </p:clrMapOvr>
   <p:transition xmlns:p14="http://schemas.microsoft.com/office/powerpoint/2010/main"/>
-</p:sld>
-</file>
-
-<file path=ppt/slides/slide9.xml><?xml version="1.0" encoding="utf-8"?>
-<p:sld xmlns:a="http://schemas.openxmlformats.org/drawingml/2006/main" xmlns:r="http://schemas.openxmlformats.org/officeDocument/2006/relationships" xmlns:p="http://schemas.openxmlformats.org/presentationml/2006/main">
-  <p:cSld>
-    <p:spTree>
-      <p:nvGrpSpPr>
-        <p:cNvPr id="1" name=""/>
-        <p:cNvGrpSpPr/>
-        <p:nvPr/>
-      </p:nvGrpSpPr>
-      <p:grpSpPr>
-        <a:xfrm>
-          <a:off x="0" y="0"/>
-          <a:ext cx="0" cy="0"/>
-          <a:chOff x="0" y="0"/>
-          <a:chExt cx="0" cy="0"/>
-        </a:xfrm>
-      </p:grpSpPr>
-      <p:sp>
-        <p:nvSpPr>
-          <p:cNvPr id="2" name="Title 1"/>
-          <p:cNvSpPr>
-            <a:spLocks noGrp="1"/>
-          </p:cNvSpPr>
-          <p:nvPr>
-            <p:ph type="title"/>
-          </p:nvPr>
-        </p:nvSpPr>
-        <p:spPr/>
-        <p:txBody>
-          <a:bodyPr>
-            <a:normAutofit/>
-          </a:bodyPr>
-          <a:lstStyle/>
-          <a:p>
-            <a:r>
-              <a:rPr lang="en-US" sz="4000" b="1" dirty="0">
-                <a:solidFill>
-                  <a:srgbClr val="000099"/>
-                </a:solidFill>
-                <a:latin typeface="Palatino Linotype" pitchFamily="18" charset="0"/>
-                <a:ea typeface="Cambria Math" pitchFamily="18" charset="0"/>
-              </a:rPr>
-              <a:t>Compute difference score first</a:t>
-            </a:r>
-          </a:p>
-        </p:txBody>
-      </p:sp>
-      <p:sp>
-        <p:nvSpPr>
-          <p:cNvPr id="3" name="Content Placeholder 2"/>
-          <p:cNvSpPr>
-            <a:spLocks noGrp="1"/>
-          </p:cNvSpPr>
-          <p:nvPr>
-            <p:ph idx="1"/>
-          </p:nvPr>
-        </p:nvSpPr>
-        <p:spPr>
-          <a:xfrm>
-            <a:off x="457200" y="1371600"/>
-            <a:ext cx="8229600" cy="4525963"/>
-          </a:xfrm>
-        </p:spPr>
-        <p:txBody>
-          <a:bodyPr/>
-          <a:lstStyle/>
-          <a:p>
-            <a:pPr marL="342900" lvl="1" indent="-342900">
-              <a:buFont typeface="Arial" pitchFamily="34" charset="0"/>
-              <a:buChar char="•"/>
-            </a:pPr>
-            <a:r>
-              <a:rPr lang="en-US" altLang="zh-CN" sz="2400" dirty="0">
-                <a:solidFill>
-                  <a:srgbClr val="C00000"/>
-                </a:solidFill>
-                <a:latin typeface="Palatino Linotype" pitchFamily="18" charset="0"/>
-              </a:rPr>
-              <a:t>Difference scores (d</a:t>
-            </a:r>
-            <a:r>
-              <a:rPr lang="en-US" altLang="zh-CN" sz="2400" baseline="-25000" dirty="0">
-                <a:solidFill>
-                  <a:srgbClr val="C00000"/>
-                </a:solidFill>
-                <a:latin typeface="Palatino Linotype" pitchFamily="18" charset="0"/>
-              </a:rPr>
-              <a:t>i</a:t>
-            </a:r>
-            <a:r>
-              <a:rPr lang="en-US" altLang="zh-CN" sz="2400" dirty="0">
-                <a:solidFill>
-                  <a:srgbClr val="C00000"/>
-                </a:solidFill>
-                <a:latin typeface="Palatino Linotype" pitchFamily="18" charset="0"/>
-              </a:rPr>
-              <a:t>)</a:t>
-            </a:r>
-            <a:r>
-              <a:rPr lang="en-US" altLang="zh-CN" sz="2400" dirty="0">
-                <a:latin typeface="Palatino Linotype" pitchFamily="18" charset="0"/>
-              </a:rPr>
-              <a:t>: the differences between corresponding pairs of scores across the two treatments, that </a:t>
-            </a:r>
-            <a:r>
-              <a:rPr lang="en-US" altLang="zh-CN" sz="2400">
-                <a:latin typeface="Palatino Linotype" pitchFamily="18" charset="0"/>
-              </a:rPr>
-              <a:t>is </a:t>
-            </a:r>
-            <a:r>
-              <a:rPr lang="en-US" altLang="zh-CN" sz="2400">
-                <a:solidFill>
-                  <a:srgbClr val="C00000"/>
-                </a:solidFill>
-                <a:latin typeface="Palatino Linotype" pitchFamily="18" charset="0"/>
-              </a:rPr>
-              <a:t>d</a:t>
-            </a:r>
-            <a:r>
-              <a:rPr lang="en-US" altLang="zh-CN" sz="2400" baseline="-25000">
-                <a:solidFill>
-                  <a:srgbClr val="C00000"/>
-                </a:solidFill>
-                <a:latin typeface="Palatino Linotype" pitchFamily="18" charset="0"/>
-              </a:rPr>
-              <a:t>i</a:t>
-            </a:r>
-            <a:r>
-              <a:rPr lang="en-US" altLang="zh-CN" sz="2400">
-                <a:solidFill>
-                  <a:srgbClr val="C00000"/>
-                </a:solidFill>
-                <a:latin typeface="Palatino Linotype" pitchFamily="18" charset="0"/>
-              </a:rPr>
-              <a:t> </a:t>
-            </a:r>
-            <a:r>
-              <a:rPr lang="en-US" altLang="zh-CN" sz="2400" dirty="0">
-                <a:solidFill>
-                  <a:srgbClr val="C00000"/>
-                </a:solidFill>
-                <a:latin typeface="Palatino Linotype" pitchFamily="18" charset="0"/>
-              </a:rPr>
-              <a:t>= X</a:t>
-            </a:r>
-            <a:r>
-              <a:rPr lang="en-US" altLang="zh-CN" sz="2400" baseline="-25000" dirty="0">
-                <a:solidFill>
-                  <a:srgbClr val="C00000"/>
-                </a:solidFill>
-                <a:latin typeface="Palatino Linotype" pitchFamily="18" charset="0"/>
-              </a:rPr>
-              <a:t>i1</a:t>
-            </a:r>
-            <a:r>
-              <a:rPr lang="en-US" altLang="zh-CN" sz="2400" dirty="0">
-                <a:solidFill>
-                  <a:srgbClr val="C00000"/>
-                </a:solidFill>
-                <a:latin typeface="Palatino Linotype" pitchFamily="18" charset="0"/>
-              </a:rPr>
-              <a:t> – X</a:t>
-            </a:r>
-            <a:r>
-              <a:rPr lang="en-US" altLang="zh-CN" sz="2400" baseline="-25000" dirty="0">
-                <a:solidFill>
-                  <a:srgbClr val="C00000"/>
-                </a:solidFill>
-                <a:latin typeface="Palatino Linotype" pitchFamily="18" charset="0"/>
-              </a:rPr>
-              <a:t>i2</a:t>
-            </a:r>
-            <a:endParaRPr lang="en-US" altLang="zh-CN" sz="2400" dirty="0">
-              <a:solidFill>
-                <a:schemeClr val="tx2"/>
-              </a:solidFill>
-              <a:latin typeface="Palatino Linotype" pitchFamily="18" charset="0"/>
-            </a:endParaRPr>
-          </a:p>
-          <a:p>
-            <a:pPr marL="895350" lvl="1" indent="-438150"/>
-            <a:r>
-              <a:rPr lang="en-US" altLang="zh-CN" sz="2000" dirty="0">
-                <a:latin typeface="Palatino Linotype" pitchFamily="18" charset="0"/>
-              </a:rPr>
-              <a:t>X</a:t>
-            </a:r>
-            <a:r>
-              <a:rPr lang="en-US" altLang="zh-CN" sz="1200" dirty="0">
-                <a:latin typeface="Palatino Linotype" pitchFamily="18" charset="0"/>
-              </a:rPr>
-              <a:t>i1</a:t>
-            </a:r>
-            <a:r>
-              <a:rPr lang="en-US" altLang="zh-CN" sz="2000" dirty="0">
-                <a:latin typeface="Palatino Linotype" pitchFamily="18" charset="0"/>
-              </a:rPr>
-              <a:t> is the score on the dependent variable for treatment 1, and </a:t>
-            </a:r>
-          </a:p>
-          <a:p>
-            <a:pPr marL="895350" lvl="1" indent="-438150"/>
-            <a:r>
-              <a:rPr lang="en-US" altLang="zh-CN" sz="2000" dirty="0">
-                <a:latin typeface="Palatino Linotype" pitchFamily="18" charset="0"/>
-              </a:rPr>
-              <a:t>X</a:t>
-            </a:r>
-            <a:r>
-              <a:rPr lang="en-US" altLang="zh-CN" sz="1400" dirty="0">
-                <a:latin typeface="Palatino Linotype" pitchFamily="18" charset="0"/>
-              </a:rPr>
-              <a:t>i2</a:t>
-            </a:r>
-            <a:r>
-              <a:rPr lang="en-US" altLang="zh-CN" sz="2000" dirty="0">
-                <a:latin typeface="Palatino Linotype" pitchFamily="18" charset="0"/>
-              </a:rPr>
-              <a:t> is the score on the dependent variable for</a:t>
-            </a:r>
-            <a:r>
-              <a:rPr lang="en-US" altLang="zh-CN" dirty="0">
-                <a:latin typeface="Palatino Linotype" pitchFamily="18" charset="0"/>
-              </a:rPr>
-              <a:t/>
-            </a:r>
-            <a:br>
-              <a:rPr lang="en-US" altLang="zh-CN" dirty="0">
-                <a:latin typeface="Palatino Linotype" pitchFamily="18" charset="0"/>
-              </a:rPr>
-            </a:br>
-            <a:endParaRPr lang="en-US" altLang="zh-CN" dirty="0">
-              <a:latin typeface="Palatino Linotype" pitchFamily="18" charset="0"/>
-            </a:endParaRPr>
-          </a:p>
-          <a:p>
-            <a:endParaRPr lang="en-US" dirty="0">
-              <a:latin typeface="Palatino Linotype" pitchFamily="18" charset="0"/>
-            </a:endParaRPr>
-          </a:p>
-        </p:txBody>
-      </p:sp>
-      <p:graphicFrame>
-        <p:nvGraphicFramePr>
-          <p:cNvPr id="4" name="Object 3"/>
-          <p:cNvGraphicFramePr>
-            <a:graphicFrameLocks noChangeAspect="1"/>
-          </p:cNvGraphicFramePr>
-          <p:nvPr>
-            <p:extLst>
-              <p:ext uri="{D42A27DB-BD31-4B8C-83A1-F6EECF244321}">
-                <p14:modId xmlns:p14="http://schemas.microsoft.com/office/powerpoint/2010/main" val="2767655073"/>
-              </p:ext>
-            </p:extLst>
-          </p:nvPr>
-        </p:nvGraphicFramePr>
-        <p:xfrm>
-          <a:off x="838200" y="3352800"/>
-          <a:ext cx="7620000" cy="3048000"/>
-        </p:xfrm>
-        <a:graphic>
-          <a:graphicData uri="http://schemas.openxmlformats.org/presentationml/2006/ole">
-            <mc:AlternateContent xmlns:mc="http://schemas.openxmlformats.org/markup-compatibility/2006">
-              <mc:Choice xmlns:v="urn:schemas-microsoft-com:vml" Requires="v">
-                <p:oleObj spid="_x0000_s14386" name="Bitmap Image" r:id="rId3" imgW="6144483" imgH="1991003" progId="PBrush">
-                  <p:embed/>
-                </p:oleObj>
-              </mc:Choice>
-              <mc:Fallback>
-                <p:oleObj name="Bitmap Image" r:id="rId3" imgW="6144483" imgH="1991003" progId="PBrush">
-                  <p:embed/>
-                  <p:pic>
-                    <p:nvPicPr>
-                      <p:cNvPr id="0" name="Object 2"/>
-                      <p:cNvPicPr>
-                        <a:picLocks noChangeAspect="1" noChangeArrowheads="1"/>
-                      </p:cNvPicPr>
-                      <p:nvPr/>
-                    </p:nvPicPr>
-                    <p:blipFill>
-                      <a:blip r:embed="rId4">
-                        <a:extLst>
-                          <a:ext uri="{28A0092B-C50C-407E-A947-70E740481C1C}">
-                            <a14:useLocalDpi xmlns:a14="http://schemas.microsoft.com/office/drawing/2010/main" val="0"/>
-                          </a:ext>
-                        </a:extLst>
-                      </a:blip>
-                      <a:srcRect/>
-                      <a:stretch>
-                        <a:fillRect/>
-                      </a:stretch>
-                    </p:blipFill>
-                    <p:spPr bwMode="auto">
-                      <a:xfrm>
-                        <a:off x="838200" y="3352800"/>
-                        <a:ext cx="7620000" cy="3048000"/>
-                      </a:xfrm>
-                      <a:prstGeom prst="rect">
-                        <a:avLst/>
-                      </a:prstGeom>
-                      <a:noFill/>
-                      <a:ln>
-                        <a:noFill/>
-                      </a:ln>
-                      <a:effectLst/>
-                      <a:extLst>
-                        <a:ext uri="{909E8E84-426E-40dd-AFC4-6F175D3DCCD1}">
-                          <a14:hiddenFill xmlns:a14="http://schemas.microsoft.com/office/drawing/2010/main">
-                            <a:solidFill>
-                              <a:schemeClr val="accent1"/>
-                            </a:solidFill>
-                          </a14:hiddenFill>
-                        </a:ext>
-                        <a:ext uri="{91240B29-F687-4f45-9708-019B960494DF}">
-                          <a14:hiddenLine xmlns:a14="http://schemas.microsoft.com/office/drawing/2010/main" w="9525" algn="ctr">
-                            <a:solidFill>
-                              <a:schemeClr val="tx1"/>
-                            </a:solidFill>
-                            <a:miter lim="800000"/>
-                            <a:headEnd/>
-                            <a:tailEnd/>
-                          </a14:hiddenLine>
-                        </a:ext>
-                        <a:ext uri="{AF507438-7753-43e0-B8FC-AC1667EBCBE1}">
-                          <a14:hiddenEffects xmlns:a14="http://schemas.microsoft.com/office/drawing/2010/main">
-                            <a:effectLst>
-                              <a:outerShdw dist="35921" dir="2700000" algn="ctr" rotWithShape="0">
-                                <a:schemeClr val="bg2"/>
-                              </a:outerShdw>
-                            </a:effectLst>
-                          </a14:hiddenEffects>
-                        </a:ext>
-                      </a:extLst>
-                    </p:spPr>
-                  </p:pic>
-                </p:oleObj>
-              </mc:Fallback>
-            </mc:AlternateContent>
-          </a:graphicData>
-        </a:graphic>
-      </p:graphicFrame>
-      <p:sp>
-        <p:nvSpPr>
-          <p:cNvPr id="5" name="Slide Number Placeholder 4"/>
-          <p:cNvSpPr>
-            <a:spLocks noGrp="1"/>
-          </p:cNvSpPr>
-          <p:nvPr>
-            <p:ph type="sldNum" sz="quarter" idx="12"/>
-          </p:nvPr>
-        </p:nvSpPr>
-        <p:spPr/>
-        <p:txBody>
-          <a:bodyPr/>
-          <a:lstStyle/>
-          <a:p>
-            <a:fld id="{19892AFD-08A7-429B-863F-010284A09610}" type="slidenum">
-              <a:rPr lang="en-US" smtClean="0"/>
-              <a:t>9</a:t>
-            </a:fld>
-            <a:endParaRPr lang="en-US"/>
-          </a:p>
-        </p:txBody>
-      </p:sp>
-    </p:spTree>
-    <p:extLst>
-      <p:ext uri="{BB962C8B-B14F-4D97-AF65-F5344CB8AC3E}">
-        <p14:creationId xmlns:p14="http://schemas.microsoft.com/office/powerpoint/2010/main" val="3828281745"/>
-      </p:ext>
-    </p:extLst>
-  </p:cSld>
-  <p:clrMapOvr>
-    <a:masterClrMapping/>
-  </p:clrMapOvr>
 </p:sld>
 </file>
 
